--- a/03/slide.pptx
+++ b/03/slide.pptx
@@ -5,11 +5,12 @@
     <p:sldMasterId id="2147483648" r:id="rId1"/>
   </p:sldMasterIdLst>
   <p:notesMasterIdLst>
-    <p:notesMasterId r:id="rId4"/>
+    <p:notesMasterId r:id="rId5"/>
   </p:notesMasterIdLst>
   <p:sldIdLst>
     <p:sldId id="256" r:id="rId2"/>
     <p:sldId id="258" r:id="rId3"/>
+    <p:sldId id="259" r:id="rId4"/>
   </p:sldIdLst>
   <p:sldSz cx="12192000" cy="6858000"/>
   <p:notesSz cx="6858000" cy="9144000"/>
@@ -5538,10 +5539,1062 @@
           </a:p>
         </p:txBody>
       </p:sp>
+      <p:sp>
+        <p:nvSpPr>
+          <p:cNvPr id="2" name="文本框 1">
+            <a:extLst>
+              <a:ext uri="{FF2B5EF4-FFF2-40B4-BE49-F238E27FC236}">
+                <a16:creationId xmlns:a16="http://schemas.microsoft.com/office/drawing/2014/main" id="{3135C6AB-D79D-4F46-AA06-8DFB40CBC224}"/>
+              </a:ext>
+            </a:extLst>
+          </p:cNvPr>
+          <p:cNvSpPr txBox="1"/>
+          <p:nvPr/>
+        </p:nvSpPr>
+        <p:spPr>
+          <a:xfrm>
+            <a:off x="1349358" y="1896179"/>
+            <a:ext cx="3647152" cy="369332"/>
+          </a:xfrm>
+          <a:prstGeom prst="rect">
+            <a:avLst/>
+          </a:prstGeom>
+          <a:noFill/>
+        </p:spPr>
+        <p:txBody>
+          <a:bodyPr wrap="none" rtlCol="0">
+            <a:spAutoFit/>
+          </a:bodyPr>
+          <a:lstStyle/>
+          <a:p>
+            <a:r>
+              <a:rPr lang="zh-CN" altLang="en-US" dirty="0"/>
+              <a:t>红黑树是一种自平衡的二叉搜索树</a:t>
+            </a:r>
+          </a:p>
+        </p:txBody>
+      </p:sp>
     </p:spTree>
     <p:extLst>
       <p:ext uri="{BB962C8B-B14F-4D97-AF65-F5344CB8AC3E}">
         <p14:creationId xmlns:p14="http://schemas.microsoft.com/office/powerpoint/2010/main" val="386207108"/>
+      </p:ext>
+    </p:extLst>
+  </p:cSld>
+  <p:clrMapOvr>
+    <a:masterClrMapping/>
+  </p:clrMapOvr>
+</p:sld>
+</file>
+
+<file path=ppt/slides/slide3.xml><?xml version="1.0" encoding="utf-8"?>
+<p:sld xmlns:a="http://schemas.openxmlformats.org/drawingml/2006/main" xmlns:r="http://schemas.openxmlformats.org/officeDocument/2006/relationships" xmlns:p="http://schemas.openxmlformats.org/presentationml/2006/main">
+  <p:cSld>
+    <p:spTree>
+      <p:nvGrpSpPr>
+        <p:cNvPr id="1" name=""/>
+        <p:cNvGrpSpPr/>
+        <p:nvPr/>
+      </p:nvGrpSpPr>
+      <p:grpSpPr>
+        <a:xfrm>
+          <a:off x="0" y="0"/>
+          <a:ext cx="0" cy="0"/>
+          <a:chOff x="0" y="0"/>
+          <a:chExt cx="0" cy="0"/>
+        </a:xfrm>
+      </p:grpSpPr>
+      <p:sp>
+        <p:nvSpPr>
+          <p:cNvPr id="8" name="矩形 7">
+            <a:extLst>
+              <a:ext uri="{FF2B5EF4-FFF2-40B4-BE49-F238E27FC236}">
+                <a16:creationId xmlns:a16="http://schemas.microsoft.com/office/drawing/2014/main" id="{32EB45AD-92AE-4408-9CBB-C06719C8D796}"/>
+              </a:ext>
+            </a:extLst>
+          </p:cNvPr>
+          <p:cNvSpPr/>
+          <p:nvPr/>
+        </p:nvSpPr>
+        <p:spPr>
+          <a:xfrm>
+            <a:off x="0" y="392723"/>
+            <a:ext cx="12192000" cy="240323"/>
+          </a:xfrm>
+          <a:prstGeom prst="rect">
+            <a:avLst/>
+          </a:prstGeom>
+          <a:solidFill>
+            <a:srgbClr val="8B0012"/>
+          </a:solidFill>
+          <a:ln>
+            <a:solidFill>
+              <a:srgbClr val="FF0000"/>
+            </a:solidFill>
+          </a:ln>
+        </p:spPr>
+        <p:style>
+          <a:lnRef idx="2">
+            <a:schemeClr val="accent1">
+              <a:shade val="50000"/>
+            </a:schemeClr>
+          </a:lnRef>
+          <a:fillRef idx="1">
+            <a:schemeClr val="accent1"/>
+          </a:fillRef>
+          <a:effectRef idx="0">
+            <a:schemeClr val="accent1"/>
+          </a:effectRef>
+          <a:fontRef idx="minor">
+            <a:schemeClr val="lt1"/>
+          </a:fontRef>
+        </p:style>
+        <p:txBody>
+          <a:bodyPr rtlCol="0" anchor="ctr"/>
+          <a:lstStyle/>
+          <a:p>
+            <a:pPr algn="ctr"/>
+            <a:endParaRPr lang="zh-CN" altLang="en-US" dirty="0">
+              <a:solidFill>
+                <a:srgbClr val="FF0000"/>
+              </a:solidFill>
+            </a:endParaRPr>
+          </a:p>
+        </p:txBody>
+      </p:sp>
+      <p:sp>
+        <p:nvSpPr>
+          <p:cNvPr id="11" name="矩形 10">
+            <a:extLst>
+              <a:ext uri="{FF2B5EF4-FFF2-40B4-BE49-F238E27FC236}">
+                <a16:creationId xmlns:a16="http://schemas.microsoft.com/office/drawing/2014/main" id="{E8D42275-5595-47D9-9C97-E00572AB4926}"/>
+              </a:ext>
+            </a:extLst>
+          </p:cNvPr>
+          <p:cNvSpPr/>
+          <p:nvPr/>
+        </p:nvSpPr>
+        <p:spPr>
+          <a:xfrm>
+            <a:off x="0" y="6465277"/>
+            <a:ext cx="12192000" cy="392723"/>
+          </a:xfrm>
+          <a:prstGeom prst="rect">
+            <a:avLst/>
+          </a:prstGeom>
+          <a:solidFill>
+            <a:srgbClr val="460009"/>
+          </a:solidFill>
+          <a:ln>
+            <a:solidFill>
+              <a:srgbClr val="FF0000"/>
+            </a:solidFill>
+          </a:ln>
+        </p:spPr>
+        <p:style>
+          <a:lnRef idx="2">
+            <a:schemeClr val="accent1">
+              <a:shade val="50000"/>
+            </a:schemeClr>
+          </a:lnRef>
+          <a:fillRef idx="1">
+            <a:schemeClr val="accent1"/>
+          </a:fillRef>
+          <a:effectRef idx="0">
+            <a:schemeClr val="accent1"/>
+          </a:effectRef>
+          <a:fontRef idx="minor">
+            <a:schemeClr val="lt1"/>
+          </a:fontRef>
+        </p:style>
+        <p:txBody>
+          <a:bodyPr rtlCol="0" anchor="ctr"/>
+          <a:lstStyle/>
+          <a:p>
+            <a:r>
+              <a:rPr lang="en-US" altLang="zh-CN" i="1" dirty="0"/>
+              <a:t>Web</a:t>
+            </a:r>
+            <a:r>
+              <a:rPr lang="zh-CN" altLang="en-US" i="1" dirty="0"/>
+              <a:t>课程大作业 </a:t>
+            </a:r>
+            <a:r>
+              <a:rPr lang="en-US" altLang="zh-CN" i="1" dirty="0"/>
+              <a:t>—— </a:t>
+            </a:r>
+            <a:r>
+              <a:rPr lang="zh-CN" altLang="en-US" i="1" dirty="0"/>
+              <a:t>红黑树可视化</a:t>
+            </a:r>
+            <a:endParaRPr lang="zh-CN" altLang="en-US" sz="4400" i="1" dirty="0">
+              <a:solidFill>
+                <a:schemeClr val="bg1"/>
+              </a:solidFill>
+            </a:endParaRPr>
+          </a:p>
+        </p:txBody>
+      </p:sp>
+      <p:sp>
+        <p:nvSpPr>
+          <p:cNvPr id="12" name="矩形 11">
+            <a:extLst>
+              <a:ext uri="{FF2B5EF4-FFF2-40B4-BE49-F238E27FC236}">
+                <a16:creationId xmlns:a16="http://schemas.microsoft.com/office/drawing/2014/main" id="{80C30714-03B5-4511-B969-688166456E11}"/>
+              </a:ext>
+            </a:extLst>
+          </p:cNvPr>
+          <p:cNvSpPr/>
+          <p:nvPr/>
+        </p:nvSpPr>
+        <p:spPr>
+          <a:xfrm>
+            <a:off x="0" y="6230815"/>
+            <a:ext cx="12192000" cy="240323"/>
+          </a:xfrm>
+          <a:prstGeom prst="rect">
+            <a:avLst/>
+          </a:prstGeom>
+          <a:solidFill>
+            <a:srgbClr val="8B0012"/>
+          </a:solidFill>
+          <a:ln>
+            <a:solidFill>
+              <a:srgbClr val="FF0000"/>
+            </a:solidFill>
+          </a:ln>
+        </p:spPr>
+        <p:style>
+          <a:lnRef idx="2">
+            <a:schemeClr val="accent1">
+              <a:shade val="50000"/>
+            </a:schemeClr>
+          </a:lnRef>
+          <a:fillRef idx="1">
+            <a:schemeClr val="accent1"/>
+          </a:fillRef>
+          <a:effectRef idx="0">
+            <a:schemeClr val="accent1"/>
+          </a:effectRef>
+          <a:fontRef idx="minor">
+            <a:schemeClr val="lt1"/>
+          </a:fontRef>
+        </p:style>
+        <p:txBody>
+          <a:bodyPr rtlCol="0" anchor="ctr"/>
+          <a:lstStyle/>
+          <a:p>
+            <a:r>
+              <a:rPr lang="zh-CN" altLang="en-US" sz="1600" i="1" dirty="0">
+                <a:solidFill>
+                  <a:schemeClr val="bg1"/>
+                </a:solidFill>
+              </a:rPr>
+              <a:t>陈首翱</a:t>
+            </a:r>
+            <a:r>
+              <a:rPr lang="en-US" altLang="zh-CN" sz="1600" i="1" dirty="0">
+                <a:solidFill>
+                  <a:schemeClr val="bg1"/>
+                </a:solidFill>
+              </a:rPr>
+              <a:t> @ web</a:t>
+            </a:r>
+            <a:r>
+              <a:rPr lang="zh-CN" altLang="en-US" sz="1600" i="1" dirty="0">
+                <a:solidFill>
+                  <a:schemeClr val="bg1"/>
+                </a:solidFill>
+              </a:rPr>
+              <a:t>课程报告</a:t>
+            </a:r>
+            <a:r>
+              <a:rPr lang="en-US" altLang="zh-CN" sz="1600" i="1" dirty="0">
+                <a:solidFill>
+                  <a:schemeClr val="bg1"/>
+                </a:solidFill>
+              </a:rPr>
+              <a:t>      2021.12.23</a:t>
+            </a:r>
+            <a:endParaRPr lang="zh-CN" altLang="en-US" sz="1600" i="1" dirty="0">
+              <a:solidFill>
+                <a:schemeClr val="bg1"/>
+              </a:solidFill>
+            </a:endParaRPr>
+          </a:p>
+        </p:txBody>
+      </p:sp>
+      <p:sp>
+        <p:nvSpPr>
+          <p:cNvPr id="9" name="矩形 8">
+            <a:extLst>
+              <a:ext uri="{FF2B5EF4-FFF2-40B4-BE49-F238E27FC236}">
+                <a16:creationId xmlns:a16="http://schemas.microsoft.com/office/drawing/2014/main" id="{B1D2EC5C-5B12-4AC9-A47D-A1175AF0D104}"/>
+              </a:ext>
+            </a:extLst>
+          </p:cNvPr>
+          <p:cNvSpPr/>
+          <p:nvPr/>
+        </p:nvSpPr>
+        <p:spPr>
+          <a:xfrm>
+            <a:off x="0" y="627185"/>
+            <a:ext cx="12192000" cy="554892"/>
+          </a:xfrm>
+          <a:prstGeom prst="rect">
+            <a:avLst/>
+          </a:prstGeom>
+          <a:solidFill>
+            <a:srgbClr val="B53D3D"/>
+          </a:solidFill>
+          <a:ln>
+            <a:solidFill>
+              <a:srgbClr val="FF0000"/>
+            </a:solidFill>
+          </a:ln>
+        </p:spPr>
+        <p:style>
+          <a:lnRef idx="2">
+            <a:schemeClr val="accent1">
+              <a:shade val="50000"/>
+            </a:schemeClr>
+          </a:lnRef>
+          <a:fillRef idx="1">
+            <a:schemeClr val="accent1"/>
+          </a:fillRef>
+          <a:effectRef idx="0">
+            <a:schemeClr val="accent1"/>
+          </a:effectRef>
+          <a:fontRef idx="minor">
+            <a:schemeClr val="lt1"/>
+          </a:fontRef>
+        </p:style>
+        <p:txBody>
+          <a:bodyPr rtlCol="0" anchor="ctr"/>
+          <a:lstStyle/>
+          <a:p>
+            <a:r>
+              <a:rPr lang="zh-CN" altLang="en-US" i="1" dirty="0">
+                <a:solidFill>
+                  <a:schemeClr val="bg1"/>
+                </a:solidFill>
+              </a:rPr>
+              <a:t>左旋</a:t>
+            </a:r>
+            <a:r>
+              <a:rPr lang="en-US" altLang="zh-CN" i="1" dirty="0">
+                <a:solidFill>
+                  <a:schemeClr val="bg1"/>
+                </a:solidFill>
+              </a:rPr>
+              <a:t>&amp;</a:t>
+            </a:r>
+            <a:r>
+              <a:rPr lang="zh-CN" altLang="en-US" i="1" dirty="0">
+                <a:solidFill>
+                  <a:schemeClr val="bg1"/>
+                </a:solidFill>
+              </a:rPr>
+              <a:t>右旋</a:t>
+            </a:r>
+          </a:p>
+        </p:txBody>
+      </p:sp>
+      <p:sp>
+        <p:nvSpPr>
+          <p:cNvPr id="5" name="矩形 4">
+            <a:extLst>
+              <a:ext uri="{FF2B5EF4-FFF2-40B4-BE49-F238E27FC236}">
+                <a16:creationId xmlns:a16="http://schemas.microsoft.com/office/drawing/2014/main" id="{C64E4E34-DEC9-4B5A-92A7-D0456F9CFD5D}"/>
+              </a:ext>
+            </a:extLst>
+          </p:cNvPr>
+          <p:cNvSpPr/>
+          <p:nvPr/>
+        </p:nvSpPr>
+        <p:spPr>
+          <a:xfrm>
+            <a:off x="1055077" y="2033953"/>
+            <a:ext cx="140677" cy="93785"/>
+          </a:xfrm>
+          <a:prstGeom prst="rect">
+            <a:avLst/>
+          </a:prstGeom>
+          <a:solidFill>
+            <a:srgbClr val="BA385D"/>
+          </a:solidFill>
+          <a:ln>
+            <a:solidFill>
+              <a:srgbClr val="BA385D"/>
+            </a:solidFill>
+          </a:ln>
+        </p:spPr>
+        <p:style>
+          <a:lnRef idx="2">
+            <a:schemeClr val="accent1">
+              <a:shade val="50000"/>
+            </a:schemeClr>
+          </a:lnRef>
+          <a:fillRef idx="1">
+            <a:schemeClr val="accent1"/>
+          </a:fillRef>
+          <a:effectRef idx="0">
+            <a:schemeClr val="accent1"/>
+          </a:effectRef>
+          <a:fontRef idx="minor">
+            <a:schemeClr val="lt1"/>
+          </a:fontRef>
+        </p:style>
+        <p:txBody>
+          <a:bodyPr rtlCol="0" anchor="ctr"/>
+          <a:lstStyle/>
+          <a:p>
+            <a:pPr algn="ctr"/>
+            <a:endParaRPr lang="zh-CN" altLang="en-US"/>
+          </a:p>
+        </p:txBody>
+      </p:sp>
+      <p:sp>
+        <p:nvSpPr>
+          <p:cNvPr id="10" name="椭圆 9">
+            <a:extLst>
+              <a:ext uri="{FF2B5EF4-FFF2-40B4-BE49-F238E27FC236}">
+                <a16:creationId xmlns:a16="http://schemas.microsoft.com/office/drawing/2014/main" id="{5EC4FF07-EA54-4D6C-8201-59FDFFFD94D0}"/>
+              </a:ext>
+            </a:extLst>
+          </p:cNvPr>
+          <p:cNvSpPr/>
+          <p:nvPr/>
+        </p:nvSpPr>
+        <p:spPr>
+          <a:xfrm>
+            <a:off x="1534669" y="2731074"/>
+            <a:ext cx="118911" cy="124012"/>
+          </a:xfrm>
+          <a:prstGeom prst="ellipse">
+            <a:avLst/>
+          </a:prstGeom>
+          <a:solidFill>
+            <a:srgbClr val="F20000"/>
+          </a:solidFill>
+          <a:ln>
+            <a:solidFill>
+              <a:srgbClr val="FF0000"/>
+            </a:solidFill>
+          </a:ln>
+        </p:spPr>
+        <p:style>
+          <a:lnRef idx="2">
+            <a:schemeClr val="accent1">
+              <a:shade val="50000"/>
+            </a:schemeClr>
+          </a:lnRef>
+          <a:fillRef idx="1">
+            <a:schemeClr val="accent1"/>
+          </a:fillRef>
+          <a:effectRef idx="0">
+            <a:schemeClr val="accent1"/>
+          </a:effectRef>
+          <a:fontRef idx="minor">
+            <a:schemeClr val="lt1"/>
+          </a:fontRef>
+        </p:style>
+        <p:txBody>
+          <a:bodyPr rtlCol="0" anchor="ctr"/>
+          <a:lstStyle/>
+          <a:p>
+            <a:pPr algn="ctr"/>
+            <a:endParaRPr lang="zh-CN" altLang="en-US"/>
+          </a:p>
+        </p:txBody>
+      </p:sp>
+      <p:sp>
+        <p:nvSpPr>
+          <p:cNvPr id="16" name="椭圆 15">
+            <a:extLst>
+              <a:ext uri="{FF2B5EF4-FFF2-40B4-BE49-F238E27FC236}">
+                <a16:creationId xmlns:a16="http://schemas.microsoft.com/office/drawing/2014/main" id="{45793BEF-F301-45E9-A457-B9841FD885D8}"/>
+              </a:ext>
+            </a:extLst>
+          </p:cNvPr>
+          <p:cNvSpPr/>
+          <p:nvPr/>
+        </p:nvSpPr>
+        <p:spPr>
+          <a:xfrm>
+            <a:off x="113553" y="143435"/>
+            <a:ext cx="95624" cy="103497"/>
+          </a:xfrm>
+          <a:prstGeom prst="ellipse">
+            <a:avLst/>
+          </a:prstGeom>
+          <a:solidFill>
+            <a:schemeClr val="bg1"/>
+          </a:solidFill>
+          <a:ln>
+            <a:solidFill>
+              <a:schemeClr val="bg1"/>
+            </a:solidFill>
+          </a:ln>
+        </p:spPr>
+        <p:style>
+          <a:lnRef idx="2">
+            <a:schemeClr val="accent1">
+              <a:shade val="50000"/>
+            </a:schemeClr>
+          </a:lnRef>
+          <a:fillRef idx="1">
+            <a:schemeClr val="accent1"/>
+          </a:fillRef>
+          <a:effectRef idx="0">
+            <a:schemeClr val="accent1"/>
+          </a:effectRef>
+          <a:fontRef idx="minor">
+            <a:schemeClr val="lt1"/>
+          </a:fontRef>
+        </p:style>
+        <p:txBody>
+          <a:bodyPr rtlCol="0" anchor="ctr"/>
+          <a:lstStyle/>
+          <a:p>
+            <a:pPr algn="ctr"/>
+            <a:endParaRPr lang="zh-CN" altLang="en-US"/>
+          </a:p>
+        </p:txBody>
+      </p:sp>
+      <p:sp>
+        <p:nvSpPr>
+          <p:cNvPr id="17" name="流程图: 接点 16">
+            <a:extLst>
+              <a:ext uri="{FF2B5EF4-FFF2-40B4-BE49-F238E27FC236}">
+                <a16:creationId xmlns:a16="http://schemas.microsoft.com/office/drawing/2014/main" id="{44E565C7-5B3A-4321-B035-0F3FA9387591}"/>
+              </a:ext>
+            </a:extLst>
+          </p:cNvPr>
+          <p:cNvSpPr/>
+          <p:nvPr/>
+        </p:nvSpPr>
+        <p:spPr>
+          <a:xfrm>
+            <a:off x="1639721" y="132323"/>
+            <a:ext cx="108000" cy="108000"/>
+          </a:xfrm>
+          <a:prstGeom prst="flowChartConnector">
+            <a:avLst/>
+          </a:prstGeom>
+          <a:solidFill>
+            <a:schemeClr val="bg1"/>
+          </a:solidFill>
+          <a:ln>
+            <a:solidFill>
+              <a:schemeClr val="bg1"/>
+            </a:solidFill>
+          </a:ln>
+        </p:spPr>
+        <p:style>
+          <a:lnRef idx="2">
+            <a:schemeClr val="accent1">
+              <a:shade val="50000"/>
+            </a:schemeClr>
+          </a:lnRef>
+          <a:fillRef idx="1">
+            <a:schemeClr val="accent1"/>
+          </a:fillRef>
+          <a:effectRef idx="0">
+            <a:schemeClr val="accent1"/>
+          </a:effectRef>
+          <a:fontRef idx="minor">
+            <a:schemeClr val="lt1"/>
+          </a:fontRef>
+        </p:style>
+        <p:txBody>
+          <a:bodyPr rtlCol="0" anchor="ctr"/>
+          <a:lstStyle/>
+          <a:p>
+            <a:pPr algn="ctr"/>
+            <a:endParaRPr lang="zh-CN" altLang="en-US"/>
+          </a:p>
+        </p:txBody>
+      </p:sp>
+      <p:sp>
+        <p:nvSpPr>
+          <p:cNvPr id="19" name="矩形 18">
+            <a:extLst>
+              <a:ext uri="{FF2B5EF4-FFF2-40B4-BE49-F238E27FC236}">
+                <a16:creationId xmlns:a16="http://schemas.microsoft.com/office/drawing/2014/main" id="{4B6E39CF-6CAF-4236-AEB5-94CD96D500A7}"/>
+              </a:ext>
+            </a:extLst>
+          </p:cNvPr>
+          <p:cNvSpPr/>
+          <p:nvPr/>
+        </p:nvSpPr>
+        <p:spPr>
+          <a:xfrm>
+            <a:off x="0" y="0"/>
+            <a:ext cx="12192000" cy="392723"/>
+          </a:xfrm>
+          <a:prstGeom prst="rect">
+            <a:avLst/>
+          </a:prstGeom>
+          <a:solidFill>
+            <a:srgbClr val="460009"/>
+          </a:solidFill>
+          <a:ln>
+            <a:solidFill>
+              <a:srgbClr val="FF0000"/>
+            </a:solidFill>
+          </a:ln>
+        </p:spPr>
+        <p:style>
+          <a:lnRef idx="2">
+            <a:schemeClr val="accent1">
+              <a:shade val="50000"/>
+            </a:schemeClr>
+          </a:lnRef>
+          <a:fillRef idx="1">
+            <a:schemeClr val="accent1"/>
+          </a:fillRef>
+          <a:effectRef idx="0">
+            <a:schemeClr val="accent1"/>
+          </a:effectRef>
+          <a:fontRef idx="minor">
+            <a:schemeClr val="lt1"/>
+          </a:fontRef>
+        </p:style>
+        <p:txBody>
+          <a:bodyPr rtlCol="0" anchor="ctr"/>
+          <a:lstStyle/>
+          <a:p>
+            <a:endParaRPr lang="zh-CN" altLang="en-US" sz="800" dirty="0">
+              <a:solidFill>
+                <a:schemeClr val="bg1"/>
+              </a:solidFill>
+            </a:endParaRPr>
+          </a:p>
+        </p:txBody>
+      </p:sp>
+      <p:sp>
+        <p:nvSpPr>
+          <p:cNvPr id="20" name="流程图: 接点 19">
+            <a:extLst>
+              <a:ext uri="{FF2B5EF4-FFF2-40B4-BE49-F238E27FC236}">
+                <a16:creationId xmlns:a16="http://schemas.microsoft.com/office/drawing/2014/main" id="{C922A49D-1977-4BE4-A52B-E120832E2CB6}"/>
+              </a:ext>
+            </a:extLst>
+          </p:cNvPr>
+          <p:cNvSpPr/>
+          <p:nvPr/>
+        </p:nvSpPr>
+        <p:spPr>
+          <a:xfrm>
+            <a:off x="214712" y="142362"/>
+            <a:ext cx="108000" cy="108000"/>
+          </a:xfrm>
+          <a:prstGeom prst="flowChartConnector">
+            <a:avLst/>
+          </a:prstGeom>
+          <a:solidFill>
+            <a:schemeClr val="bg1"/>
+          </a:solidFill>
+          <a:ln>
+            <a:solidFill>
+              <a:schemeClr val="bg1"/>
+            </a:solidFill>
+          </a:ln>
+        </p:spPr>
+        <p:style>
+          <a:lnRef idx="2">
+            <a:schemeClr val="accent1">
+              <a:shade val="50000"/>
+            </a:schemeClr>
+          </a:lnRef>
+          <a:fillRef idx="1">
+            <a:schemeClr val="accent1"/>
+          </a:fillRef>
+          <a:effectRef idx="0">
+            <a:schemeClr val="accent1"/>
+          </a:effectRef>
+          <a:fontRef idx="minor">
+            <a:schemeClr val="lt1"/>
+          </a:fontRef>
+        </p:style>
+        <p:txBody>
+          <a:bodyPr rtlCol="0" anchor="ctr"/>
+          <a:lstStyle/>
+          <a:p>
+            <a:pPr algn="ctr"/>
+            <a:endParaRPr lang="zh-CN" altLang="en-US"/>
+          </a:p>
+        </p:txBody>
+      </p:sp>
+      <p:sp>
+        <p:nvSpPr>
+          <p:cNvPr id="21" name="流程图: 接点 20">
+            <a:extLst>
+              <a:ext uri="{FF2B5EF4-FFF2-40B4-BE49-F238E27FC236}">
+                <a16:creationId xmlns:a16="http://schemas.microsoft.com/office/drawing/2014/main" id="{0E0FFAE2-C28B-4B9A-80AB-528CC75DAE7C}"/>
+              </a:ext>
+            </a:extLst>
+          </p:cNvPr>
+          <p:cNvSpPr/>
+          <p:nvPr/>
+        </p:nvSpPr>
+        <p:spPr>
+          <a:xfrm>
+            <a:off x="362312" y="142361"/>
+            <a:ext cx="108000" cy="108000"/>
+          </a:xfrm>
+          <a:prstGeom prst="flowChartConnector">
+            <a:avLst/>
+          </a:prstGeom>
+          <a:solidFill>
+            <a:srgbClr val="460009"/>
+          </a:solidFill>
+          <a:ln>
+            <a:solidFill>
+              <a:schemeClr val="bg1"/>
+            </a:solidFill>
+          </a:ln>
+        </p:spPr>
+        <p:style>
+          <a:lnRef idx="2">
+            <a:schemeClr val="accent1">
+              <a:shade val="50000"/>
+            </a:schemeClr>
+          </a:lnRef>
+          <a:fillRef idx="1">
+            <a:schemeClr val="accent1"/>
+          </a:fillRef>
+          <a:effectRef idx="0">
+            <a:schemeClr val="accent1"/>
+          </a:effectRef>
+          <a:fontRef idx="minor">
+            <a:schemeClr val="lt1"/>
+          </a:fontRef>
+        </p:style>
+        <p:txBody>
+          <a:bodyPr rtlCol="0" anchor="ctr"/>
+          <a:lstStyle/>
+          <a:p>
+            <a:pPr algn="ctr"/>
+            <a:endParaRPr lang="zh-CN" altLang="en-US"/>
+          </a:p>
+        </p:txBody>
+      </p:sp>
+      <p:sp>
+        <p:nvSpPr>
+          <p:cNvPr id="22" name="流程图: 接点 21">
+            <a:extLst>
+              <a:ext uri="{FF2B5EF4-FFF2-40B4-BE49-F238E27FC236}">
+                <a16:creationId xmlns:a16="http://schemas.microsoft.com/office/drawing/2014/main" id="{6486184B-9DFF-4A00-A61F-011E1DF81DA7}"/>
+              </a:ext>
+            </a:extLst>
+          </p:cNvPr>
+          <p:cNvSpPr/>
+          <p:nvPr/>
+        </p:nvSpPr>
+        <p:spPr>
+          <a:xfrm>
+            <a:off x="509912" y="142361"/>
+            <a:ext cx="108000" cy="108000"/>
+          </a:xfrm>
+          <a:prstGeom prst="flowChartConnector">
+            <a:avLst/>
+          </a:prstGeom>
+          <a:solidFill>
+            <a:srgbClr val="460009"/>
+          </a:solidFill>
+          <a:ln>
+            <a:solidFill>
+              <a:schemeClr val="bg1"/>
+            </a:solidFill>
+          </a:ln>
+        </p:spPr>
+        <p:style>
+          <a:lnRef idx="2">
+            <a:schemeClr val="accent1">
+              <a:shade val="50000"/>
+            </a:schemeClr>
+          </a:lnRef>
+          <a:fillRef idx="1">
+            <a:schemeClr val="accent1"/>
+          </a:fillRef>
+          <a:effectRef idx="0">
+            <a:schemeClr val="accent1"/>
+          </a:effectRef>
+          <a:fontRef idx="minor">
+            <a:schemeClr val="lt1"/>
+          </a:fontRef>
+        </p:style>
+        <p:txBody>
+          <a:bodyPr rtlCol="0" anchor="ctr"/>
+          <a:lstStyle/>
+          <a:p>
+            <a:pPr algn="ctr"/>
+            <a:endParaRPr lang="zh-CN" altLang="en-US"/>
+          </a:p>
+        </p:txBody>
+      </p:sp>
+      <p:sp>
+        <p:nvSpPr>
+          <p:cNvPr id="23" name="流程图: 接点 22">
+            <a:extLst>
+              <a:ext uri="{FF2B5EF4-FFF2-40B4-BE49-F238E27FC236}">
+                <a16:creationId xmlns:a16="http://schemas.microsoft.com/office/drawing/2014/main" id="{9F77FCE4-D267-4F13-8889-7608F4820003}"/>
+              </a:ext>
+            </a:extLst>
+          </p:cNvPr>
+          <p:cNvSpPr/>
+          <p:nvPr/>
+        </p:nvSpPr>
+        <p:spPr>
+          <a:xfrm>
+            <a:off x="657512" y="142361"/>
+            <a:ext cx="108000" cy="108000"/>
+          </a:xfrm>
+          <a:prstGeom prst="flowChartConnector">
+            <a:avLst/>
+          </a:prstGeom>
+          <a:solidFill>
+            <a:srgbClr val="460009"/>
+          </a:solidFill>
+          <a:ln>
+            <a:solidFill>
+              <a:schemeClr val="bg1"/>
+            </a:solidFill>
+          </a:ln>
+        </p:spPr>
+        <p:style>
+          <a:lnRef idx="2">
+            <a:schemeClr val="accent1">
+              <a:shade val="50000"/>
+            </a:schemeClr>
+          </a:lnRef>
+          <a:fillRef idx="1">
+            <a:schemeClr val="accent1"/>
+          </a:fillRef>
+          <a:effectRef idx="0">
+            <a:schemeClr val="accent1"/>
+          </a:effectRef>
+          <a:fontRef idx="minor">
+            <a:schemeClr val="lt1"/>
+          </a:fontRef>
+        </p:style>
+        <p:txBody>
+          <a:bodyPr rtlCol="0" anchor="ctr"/>
+          <a:lstStyle/>
+          <a:p>
+            <a:pPr algn="ctr"/>
+            <a:endParaRPr lang="zh-CN" altLang="en-US"/>
+          </a:p>
+        </p:txBody>
+      </p:sp>
+      <p:sp>
+        <p:nvSpPr>
+          <p:cNvPr id="24" name="流程图: 接点 23">
+            <a:extLst>
+              <a:ext uri="{FF2B5EF4-FFF2-40B4-BE49-F238E27FC236}">
+                <a16:creationId xmlns:a16="http://schemas.microsoft.com/office/drawing/2014/main" id="{43F7E76C-F362-45D9-A2F4-06B6171F2BCB}"/>
+              </a:ext>
+            </a:extLst>
+          </p:cNvPr>
+          <p:cNvSpPr/>
+          <p:nvPr/>
+        </p:nvSpPr>
+        <p:spPr>
+          <a:xfrm>
+            <a:off x="805112" y="142361"/>
+            <a:ext cx="108000" cy="108000"/>
+          </a:xfrm>
+          <a:prstGeom prst="flowChartConnector">
+            <a:avLst/>
+          </a:prstGeom>
+          <a:solidFill>
+            <a:srgbClr val="460009"/>
+          </a:solidFill>
+          <a:ln>
+            <a:solidFill>
+              <a:schemeClr val="bg1"/>
+            </a:solidFill>
+          </a:ln>
+        </p:spPr>
+        <p:style>
+          <a:lnRef idx="2">
+            <a:schemeClr val="accent1">
+              <a:shade val="50000"/>
+            </a:schemeClr>
+          </a:lnRef>
+          <a:fillRef idx="1">
+            <a:schemeClr val="accent1"/>
+          </a:fillRef>
+          <a:effectRef idx="0">
+            <a:schemeClr val="accent1"/>
+          </a:effectRef>
+          <a:fontRef idx="minor">
+            <a:schemeClr val="lt1"/>
+          </a:fontRef>
+        </p:style>
+        <p:txBody>
+          <a:bodyPr rtlCol="0" anchor="ctr"/>
+          <a:lstStyle/>
+          <a:p>
+            <a:pPr algn="ctr"/>
+            <a:endParaRPr lang="zh-CN" altLang="en-US"/>
+          </a:p>
+        </p:txBody>
+      </p:sp>
+      <p:sp>
+        <p:nvSpPr>
+          <p:cNvPr id="25" name="流程图: 接点 24">
+            <a:extLst>
+              <a:ext uri="{FF2B5EF4-FFF2-40B4-BE49-F238E27FC236}">
+                <a16:creationId xmlns:a16="http://schemas.microsoft.com/office/drawing/2014/main" id="{10233A9F-47D8-45DE-AC24-15B71EC0669C}"/>
+              </a:ext>
+            </a:extLst>
+          </p:cNvPr>
+          <p:cNvSpPr/>
+          <p:nvPr/>
+        </p:nvSpPr>
+        <p:spPr>
+          <a:xfrm>
+            <a:off x="952712" y="142361"/>
+            <a:ext cx="108000" cy="108000"/>
+          </a:xfrm>
+          <a:prstGeom prst="flowChartConnector">
+            <a:avLst/>
+          </a:prstGeom>
+          <a:solidFill>
+            <a:srgbClr val="460009"/>
+          </a:solidFill>
+          <a:ln>
+            <a:solidFill>
+              <a:schemeClr val="bg1"/>
+            </a:solidFill>
+          </a:ln>
+        </p:spPr>
+        <p:style>
+          <a:lnRef idx="2">
+            <a:schemeClr val="accent1">
+              <a:shade val="50000"/>
+            </a:schemeClr>
+          </a:lnRef>
+          <a:fillRef idx="1">
+            <a:schemeClr val="accent1"/>
+          </a:fillRef>
+          <a:effectRef idx="0">
+            <a:schemeClr val="accent1"/>
+          </a:effectRef>
+          <a:fontRef idx="minor">
+            <a:schemeClr val="lt1"/>
+          </a:fontRef>
+        </p:style>
+        <p:txBody>
+          <a:bodyPr rtlCol="0" anchor="ctr"/>
+          <a:lstStyle/>
+          <a:p>
+            <a:pPr algn="ctr"/>
+            <a:endParaRPr lang="zh-CN" altLang="en-US"/>
+          </a:p>
+        </p:txBody>
+      </p:sp>
+      <p:sp>
+        <p:nvSpPr>
+          <p:cNvPr id="26" name="流程图: 接点 25">
+            <a:extLst>
+              <a:ext uri="{FF2B5EF4-FFF2-40B4-BE49-F238E27FC236}">
+                <a16:creationId xmlns:a16="http://schemas.microsoft.com/office/drawing/2014/main" id="{101452D9-E881-44E7-9A25-EB3B700FFAFD}"/>
+              </a:ext>
+            </a:extLst>
+          </p:cNvPr>
+          <p:cNvSpPr/>
+          <p:nvPr/>
+        </p:nvSpPr>
+        <p:spPr>
+          <a:xfrm>
+            <a:off x="1100312" y="142361"/>
+            <a:ext cx="108000" cy="108000"/>
+          </a:xfrm>
+          <a:prstGeom prst="flowChartConnector">
+            <a:avLst/>
+          </a:prstGeom>
+          <a:solidFill>
+            <a:srgbClr val="460009"/>
+          </a:solidFill>
+          <a:ln>
+            <a:solidFill>
+              <a:schemeClr val="bg1"/>
+            </a:solidFill>
+          </a:ln>
+        </p:spPr>
+        <p:style>
+          <a:lnRef idx="2">
+            <a:schemeClr val="accent1">
+              <a:shade val="50000"/>
+            </a:schemeClr>
+          </a:lnRef>
+          <a:fillRef idx="1">
+            <a:schemeClr val="accent1"/>
+          </a:fillRef>
+          <a:effectRef idx="0">
+            <a:schemeClr val="accent1"/>
+          </a:effectRef>
+          <a:fontRef idx="minor">
+            <a:schemeClr val="lt1"/>
+          </a:fontRef>
+        </p:style>
+        <p:txBody>
+          <a:bodyPr rtlCol="0" anchor="ctr"/>
+          <a:lstStyle/>
+          <a:p>
+            <a:pPr algn="ctr"/>
+            <a:endParaRPr lang="zh-CN" altLang="en-US"/>
+          </a:p>
+        </p:txBody>
+      </p:sp>
+      <p:sp>
+        <p:nvSpPr>
+          <p:cNvPr id="2" name="文本框 1">
+            <a:extLst>
+              <a:ext uri="{FF2B5EF4-FFF2-40B4-BE49-F238E27FC236}">
+                <a16:creationId xmlns:a16="http://schemas.microsoft.com/office/drawing/2014/main" id="{3135C6AB-D79D-4F46-AA06-8DFB40CBC224}"/>
+              </a:ext>
+            </a:extLst>
+          </p:cNvPr>
+          <p:cNvSpPr txBox="1"/>
+          <p:nvPr/>
+        </p:nvSpPr>
+        <p:spPr>
+          <a:xfrm>
+            <a:off x="1349358" y="1896179"/>
+            <a:ext cx="3055645" cy="369332"/>
+          </a:xfrm>
+          <a:prstGeom prst="rect">
+            <a:avLst/>
+          </a:prstGeom>
+          <a:noFill/>
+        </p:spPr>
+        <p:txBody>
+          <a:bodyPr wrap="none" rtlCol="0">
+            <a:spAutoFit/>
+          </a:bodyPr>
+          <a:lstStyle/>
+          <a:p>
+            <a:r>
+              <a:rPr lang="zh-CN" altLang="en-US" dirty="0"/>
+              <a:t>红黑树是如何实现自平衡的</a:t>
+            </a:r>
+            <a:r>
+              <a:rPr lang="en-US" altLang="zh-CN" dirty="0"/>
+              <a:t>?</a:t>
+            </a:r>
+            <a:endParaRPr lang="zh-CN" altLang="en-US" dirty="0"/>
+          </a:p>
+        </p:txBody>
+      </p:sp>
+    </p:spTree>
+    <p:extLst>
+      <p:ext uri="{BB962C8B-B14F-4D97-AF65-F5344CB8AC3E}">
+        <p14:creationId xmlns:p14="http://schemas.microsoft.com/office/powerpoint/2010/main" val="864034653"/>
       </p:ext>
     </p:extLst>
   </p:cSld>

--- a/03/slide.pptx
+++ b/03/slide.pptx
@@ -5,7 +5,7 @@
     <p:sldMasterId id="2147483648" r:id="rId1"/>
   </p:sldMasterIdLst>
   <p:notesMasterIdLst>
-    <p:notesMasterId r:id="rId15"/>
+    <p:notesMasterId r:id="rId12"/>
   </p:notesMasterIdLst>
   <p:sldIdLst>
     <p:sldId id="256" r:id="rId2"/>
@@ -13,14 +13,11 @@
     <p:sldId id="259" r:id="rId4"/>
     <p:sldId id="260" r:id="rId5"/>
     <p:sldId id="261" r:id="rId6"/>
-    <p:sldId id="262" r:id="rId7"/>
-    <p:sldId id="263" r:id="rId8"/>
-    <p:sldId id="264" r:id="rId9"/>
-    <p:sldId id="265" r:id="rId10"/>
-    <p:sldId id="266" r:id="rId11"/>
-    <p:sldId id="267" r:id="rId12"/>
-    <p:sldId id="268" r:id="rId13"/>
-    <p:sldId id="269" r:id="rId14"/>
+    <p:sldId id="263" r:id="rId7"/>
+    <p:sldId id="264" r:id="rId8"/>
+    <p:sldId id="267" r:id="rId9"/>
+    <p:sldId id="268" r:id="rId10"/>
+    <p:sldId id="269" r:id="rId11"/>
   </p:sldIdLst>
   <p:sldSz cx="12192000" cy="6858000"/>
   <p:notesSz cx="6858000" cy="9144000"/>
@@ -209,7 +206,7 @@
           <a:p>
             <a:fld id="{A04D7458-775E-434F-9ECB-2C00DF11F255}" type="datetimeFigureOut">
               <a:rPr lang="zh-CN" altLang="en-US" smtClean="0"/>
-              <a:t>2021/12/20</a:t>
+              <a:t>2021/12/23</a:t>
             </a:fld>
             <a:endParaRPr lang="zh-CN" altLang="en-US"/>
           </a:p>
@@ -711,7 +708,7 @@
           <a:p>
             <a:fld id="{C05EF923-5F2A-4BF7-A2A8-1E76AACAB3EC}" type="datetimeFigureOut">
               <a:rPr lang="zh-CN" altLang="en-US" smtClean="0"/>
-              <a:t>2021/12/20</a:t>
+              <a:t>2021/12/23</a:t>
             </a:fld>
             <a:endParaRPr lang="zh-CN" altLang="en-US"/>
           </a:p>
@@ -909,7 +906,7 @@
           <a:p>
             <a:fld id="{C05EF923-5F2A-4BF7-A2A8-1E76AACAB3EC}" type="datetimeFigureOut">
               <a:rPr lang="zh-CN" altLang="en-US" smtClean="0"/>
-              <a:t>2021/12/20</a:t>
+              <a:t>2021/12/23</a:t>
             </a:fld>
             <a:endParaRPr lang="zh-CN" altLang="en-US"/>
           </a:p>
@@ -1117,7 +1114,7 @@
           <a:p>
             <a:fld id="{C05EF923-5F2A-4BF7-A2A8-1E76AACAB3EC}" type="datetimeFigureOut">
               <a:rPr lang="zh-CN" altLang="en-US" smtClean="0"/>
-              <a:t>2021/12/20</a:t>
+              <a:t>2021/12/23</a:t>
             </a:fld>
             <a:endParaRPr lang="zh-CN" altLang="en-US"/>
           </a:p>
@@ -1315,7 +1312,7 @@
           <a:p>
             <a:fld id="{C05EF923-5F2A-4BF7-A2A8-1E76AACAB3EC}" type="datetimeFigureOut">
               <a:rPr lang="zh-CN" altLang="en-US" smtClean="0"/>
-              <a:t>2021/12/20</a:t>
+              <a:t>2021/12/23</a:t>
             </a:fld>
             <a:endParaRPr lang="zh-CN" altLang="en-US"/>
           </a:p>
@@ -1590,7 +1587,7 @@
           <a:p>
             <a:fld id="{C05EF923-5F2A-4BF7-A2A8-1E76AACAB3EC}" type="datetimeFigureOut">
               <a:rPr lang="zh-CN" altLang="en-US" smtClean="0"/>
-              <a:t>2021/12/20</a:t>
+              <a:t>2021/12/23</a:t>
             </a:fld>
             <a:endParaRPr lang="zh-CN" altLang="en-US"/>
           </a:p>
@@ -1855,7 +1852,7 @@
           <a:p>
             <a:fld id="{C05EF923-5F2A-4BF7-A2A8-1E76AACAB3EC}" type="datetimeFigureOut">
               <a:rPr lang="zh-CN" altLang="en-US" smtClean="0"/>
-              <a:t>2021/12/20</a:t>
+              <a:t>2021/12/23</a:t>
             </a:fld>
             <a:endParaRPr lang="zh-CN" altLang="en-US"/>
           </a:p>
@@ -2267,7 +2264,7 @@
           <a:p>
             <a:fld id="{C05EF923-5F2A-4BF7-A2A8-1E76AACAB3EC}" type="datetimeFigureOut">
               <a:rPr lang="zh-CN" altLang="en-US" smtClean="0"/>
-              <a:t>2021/12/20</a:t>
+              <a:t>2021/12/23</a:t>
             </a:fld>
             <a:endParaRPr lang="zh-CN" altLang="en-US"/>
           </a:p>
@@ -2408,7 +2405,7 @@
           <a:p>
             <a:fld id="{C05EF923-5F2A-4BF7-A2A8-1E76AACAB3EC}" type="datetimeFigureOut">
               <a:rPr lang="zh-CN" altLang="en-US" smtClean="0"/>
-              <a:t>2021/12/20</a:t>
+              <a:t>2021/12/23</a:t>
             </a:fld>
             <a:endParaRPr lang="zh-CN" altLang="en-US"/>
           </a:p>
@@ -2521,7 +2518,7 @@
           <a:p>
             <a:fld id="{C05EF923-5F2A-4BF7-A2A8-1E76AACAB3EC}" type="datetimeFigureOut">
               <a:rPr lang="zh-CN" altLang="en-US" smtClean="0"/>
-              <a:t>2021/12/20</a:t>
+              <a:t>2021/12/23</a:t>
             </a:fld>
             <a:endParaRPr lang="zh-CN" altLang="en-US"/>
           </a:p>
@@ -2832,7 +2829,7 @@
           <a:p>
             <a:fld id="{C05EF923-5F2A-4BF7-A2A8-1E76AACAB3EC}" type="datetimeFigureOut">
               <a:rPr lang="zh-CN" altLang="en-US" smtClean="0"/>
-              <a:t>2021/12/20</a:t>
+              <a:t>2021/12/23</a:t>
             </a:fld>
             <a:endParaRPr lang="zh-CN" altLang="en-US"/>
           </a:p>
@@ -3120,7 +3117,7 @@
           <a:p>
             <a:fld id="{C05EF923-5F2A-4BF7-A2A8-1E76AACAB3EC}" type="datetimeFigureOut">
               <a:rPr lang="zh-CN" altLang="en-US" smtClean="0"/>
-              <a:t>2021/12/20</a:t>
+              <a:t>2021/12/23</a:t>
             </a:fld>
             <a:endParaRPr lang="zh-CN" altLang="en-US"/>
           </a:p>
@@ -3361,7 +3358,7 @@
           <a:p>
             <a:fld id="{C05EF923-5F2A-4BF7-A2A8-1E76AACAB3EC}" type="datetimeFigureOut">
               <a:rPr lang="zh-CN" altLang="en-US" smtClean="0"/>
-              <a:t>2021/12/20</a:t>
+              <a:t>2021/12/23</a:t>
             </a:fld>
             <a:endParaRPr lang="zh-CN" altLang="en-US"/>
           </a:p>
@@ -4947,3289 +4944,6 @@
                   <a:schemeClr val="bg1"/>
                 </a:solidFill>
               </a:rPr>
-              <a:t>核心代码 </a:t>
-            </a:r>
-            <a:r>
-              <a:rPr lang="en-US" altLang="zh-CN" i="1" dirty="0">
-                <a:solidFill>
-                  <a:schemeClr val="bg1"/>
-                </a:solidFill>
-              </a:rPr>
-              <a:t>—— “</a:t>
-            </a:r>
-            <a:r>
-              <a:rPr lang="zh-CN" altLang="en-US" i="1" dirty="0">
-                <a:solidFill>
-                  <a:schemeClr val="bg1"/>
-                </a:solidFill>
-              </a:rPr>
-              <a:t>后端</a:t>
-            </a:r>
-            <a:r>
-              <a:rPr lang="en-US" altLang="zh-CN" i="1" dirty="0">
-                <a:solidFill>
-                  <a:schemeClr val="bg1"/>
-                </a:solidFill>
-              </a:rPr>
-              <a:t>”</a:t>
-            </a:r>
-            <a:endParaRPr lang="zh-CN" altLang="en-US" i="1" dirty="0">
-              <a:solidFill>
-                <a:schemeClr val="bg1"/>
-              </a:solidFill>
-            </a:endParaRPr>
-          </a:p>
-        </p:txBody>
-      </p:sp>
-      <p:sp>
-        <p:nvSpPr>
-          <p:cNvPr id="16" name="椭圆 15">
-            <a:extLst>
-              <a:ext uri="{FF2B5EF4-FFF2-40B4-BE49-F238E27FC236}">
-                <a16:creationId xmlns:a16="http://schemas.microsoft.com/office/drawing/2014/main" id="{45793BEF-F301-45E9-A457-B9841FD885D8}"/>
-              </a:ext>
-            </a:extLst>
-          </p:cNvPr>
-          <p:cNvSpPr/>
-          <p:nvPr/>
-        </p:nvSpPr>
-        <p:spPr>
-          <a:xfrm>
-            <a:off x="113553" y="143435"/>
-            <a:ext cx="95624" cy="103497"/>
-          </a:xfrm>
-          <a:prstGeom prst="ellipse">
-            <a:avLst/>
-          </a:prstGeom>
-          <a:solidFill>
-            <a:schemeClr val="bg1"/>
-          </a:solidFill>
-          <a:ln>
-            <a:solidFill>
-              <a:schemeClr val="bg1"/>
-            </a:solidFill>
-          </a:ln>
-        </p:spPr>
-        <p:style>
-          <a:lnRef idx="2">
-            <a:schemeClr val="accent1">
-              <a:shade val="50000"/>
-            </a:schemeClr>
-          </a:lnRef>
-          <a:fillRef idx="1">
-            <a:schemeClr val="accent1"/>
-          </a:fillRef>
-          <a:effectRef idx="0">
-            <a:schemeClr val="accent1"/>
-          </a:effectRef>
-          <a:fontRef idx="minor">
-            <a:schemeClr val="lt1"/>
-          </a:fontRef>
-        </p:style>
-        <p:txBody>
-          <a:bodyPr rtlCol="0" anchor="ctr"/>
-          <a:lstStyle/>
-          <a:p>
-            <a:pPr algn="ctr"/>
-            <a:endParaRPr lang="zh-CN" altLang="en-US"/>
-          </a:p>
-        </p:txBody>
-      </p:sp>
-      <p:sp>
-        <p:nvSpPr>
-          <p:cNvPr id="17" name="流程图: 接点 16">
-            <a:extLst>
-              <a:ext uri="{FF2B5EF4-FFF2-40B4-BE49-F238E27FC236}">
-                <a16:creationId xmlns:a16="http://schemas.microsoft.com/office/drawing/2014/main" id="{44E565C7-5B3A-4321-B035-0F3FA9387591}"/>
-              </a:ext>
-            </a:extLst>
-          </p:cNvPr>
-          <p:cNvSpPr/>
-          <p:nvPr/>
-        </p:nvSpPr>
-        <p:spPr>
-          <a:xfrm>
-            <a:off x="1639721" y="132323"/>
-            <a:ext cx="108000" cy="108000"/>
-          </a:xfrm>
-          <a:prstGeom prst="flowChartConnector">
-            <a:avLst/>
-          </a:prstGeom>
-          <a:solidFill>
-            <a:schemeClr val="bg1"/>
-          </a:solidFill>
-          <a:ln>
-            <a:solidFill>
-              <a:schemeClr val="bg1"/>
-            </a:solidFill>
-          </a:ln>
-        </p:spPr>
-        <p:style>
-          <a:lnRef idx="2">
-            <a:schemeClr val="accent1">
-              <a:shade val="50000"/>
-            </a:schemeClr>
-          </a:lnRef>
-          <a:fillRef idx="1">
-            <a:schemeClr val="accent1"/>
-          </a:fillRef>
-          <a:effectRef idx="0">
-            <a:schemeClr val="accent1"/>
-          </a:effectRef>
-          <a:fontRef idx="minor">
-            <a:schemeClr val="lt1"/>
-          </a:fontRef>
-        </p:style>
-        <p:txBody>
-          <a:bodyPr rtlCol="0" anchor="ctr"/>
-          <a:lstStyle/>
-          <a:p>
-            <a:pPr algn="ctr"/>
-            <a:endParaRPr lang="zh-CN" altLang="en-US"/>
-          </a:p>
-        </p:txBody>
-      </p:sp>
-      <p:sp>
-        <p:nvSpPr>
-          <p:cNvPr id="19" name="矩形 18">
-            <a:extLst>
-              <a:ext uri="{FF2B5EF4-FFF2-40B4-BE49-F238E27FC236}">
-                <a16:creationId xmlns:a16="http://schemas.microsoft.com/office/drawing/2014/main" id="{4B6E39CF-6CAF-4236-AEB5-94CD96D500A7}"/>
-              </a:ext>
-            </a:extLst>
-          </p:cNvPr>
-          <p:cNvSpPr/>
-          <p:nvPr/>
-        </p:nvSpPr>
-        <p:spPr>
-          <a:xfrm>
-            <a:off x="0" y="0"/>
-            <a:ext cx="12192000" cy="392723"/>
-          </a:xfrm>
-          <a:prstGeom prst="rect">
-            <a:avLst/>
-          </a:prstGeom>
-          <a:solidFill>
-            <a:srgbClr val="460009"/>
-          </a:solidFill>
-          <a:ln>
-            <a:solidFill>
-              <a:srgbClr val="FF0000"/>
-            </a:solidFill>
-          </a:ln>
-        </p:spPr>
-        <p:style>
-          <a:lnRef idx="2">
-            <a:schemeClr val="accent1">
-              <a:shade val="50000"/>
-            </a:schemeClr>
-          </a:lnRef>
-          <a:fillRef idx="1">
-            <a:schemeClr val="accent1"/>
-          </a:fillRef>
-          <a:effectRef idx="0">
-            <a:schemeClr val="accent1"/>
-          </a:effectRef>
-          <a:fontRef idx="minor">
-            <a:schemeClr val="lt1"/>
-          </a:fontRef>
-        </p:style>
-        <p:txBody>
-          <a:bodyPr rtlCol="0" anchor="ctr"/>
-          <a:lstStyle/>
-          <a:p>
-            <a:endParaRPr lang="zh-CN" altLang="en-US" sz="800" dirty="0">
-              <a:solidFill>
-                <a:schemeClr val="bg1"/>
-              </a:solidFill>
-            </a:endParaRPr>
-          </a:p>
-        </p:txBody>
-      </p:sp>
-      <p:sp>
-        <p:nvSpPr>
-          <p:cNvPr id="20" name="流程图: 接点 19">
-            <a:extLst>
-              <a:ext uri="{FF2B5EF4-FFF2-40B4-BE49-F238E27FC236}">
-                <a16:creationId xmlns:a16="http://schemas.microsoft.com/office/drawing/2014/main" id="{C922A49D-1977-4BE4-A52B-E120832E2CB6}"/>
-              </a:ext>
-            </a:extLst>
-          </p:cNvPr>
-          <p:cNvSpPr/>
-          <p:nvPr/>
-        </p:nvSpPr>
-        <p:spPr>
-          <a:xfrm>
-            <a:off x="214712" y="142362"/>
-            <a:ext cx="108000" cy="108000"/>
-          </a:xfrm>
-          <a:prstGeom prst="flowChartConnector">
-            <a:avLst/>
-          </a:prstGeom>
-          <a:solidFill>
-            <a:srgbClr val="460009"/>
-          </a:solidFill>
-          <a:ln>
-            <a:solidFill>
-              <a:schemeClr val="bg1"/>
-            </a:solidFill>
-          </a:ln>
-        </p:spPr>
-        <p:style>
-          <a:lnRef idx="2">
-            <a:schemeClr val="accent1">
-              <a:shade val="50000"/>
-            </a:schemeClr>
-          </a:lnRef>
-          <a:fillRef idx="1">
-            <a:schemeClr val="accent1"/>
-          </a:fillRef>
-          <a:effectRef idx="0">
-            <a:schemeClr val="accent1"/>
-          </a:effectRef>
-          <a:fontRef idx="minor">
-            <a:schemeClr val="lt1"/>
-          </a:fontRef>
-        </p:style>
-        <p:txBody>
-          <a:bodyPr rtlCol="0" anchor="ctr"/>
-          <a:lstStyle/>
-          <a:p>
-            <a:pPr algn="ctr"/>
-            <a:endParaRPr lang="zh-CN" altLang="en-US"/>
-          </a:p>
-        </p:txBody>
-      </p:sp>
-      <p:sp>
-        <p:nvSpPr>
-          <p:cNvPr id="21" name="流程图: 接点 20">
-            <a:extLst>
-              <a:ext uri="{FF2B5EF4-FFF2-40B4-BE49-F238E27FC236}">
-                <a16:creationId xmlns:a16="http://schemas.microsoft.com/office/drawing/2014/main" id="{0E0FFAE2-C28B-4B9A-80AB-528CC75DAE7C}"/>
-              </a:ext>
-            </a:extLst>
-          </p:cNvPr>
-          <p:cNvSpPr/>
-          <p:nvPr/>
-        </p:nvSpPr>
-        <p:spPr>
-          <a:xfrm>
-            <a:off x="362312" y="142361"/>
-            <a:ext cx="108000" cy="108000"/>
-          </a:xfrm>
-          <a:prstGeom prst="flowChartConnector">
-            <a:avLst/>
-          </a:prstGeom>
-          <a:solidFill>
-            <a:srgbClr val="460009"/>
-          </a:solidFill>
-          <a:ln>
-            <a:solidFill>
-              <a:schemeClr val="bg1"/>
-            </a:solidFill>
-          </a:ln>
-        </p:spPr>
-        <p:style>
-          <a:lnRef idx="2">
-            <a:schemeClr val="accent1">
-              <a:shade val="50000"/>
-            </a:schemeClr>
-          </a:lnRef>
-          <a:fillRef idx="1">
-            <a:schemeClr val="accent1"/>
-          </a:fillRef>
-          <a:effectRef idx="0">
-            <a:schemeClr val="accent1"/>
-          </a:effectRef>
-          <a:fontRef idx="minor">
-            <a:schemeClr val="lt1"/>
-          </a:fontRef>
-        </p:style>
-        <p:txBody>
-          <a:bodyPr rtlCol="0" anchor="ctr"/>
-          <a:lstStyle/>
-          <a:p>
-            <a:pPr algn="ctr"/>
-            <a:endParaRPr lang="zh-CN" altLang="en-US"/>
-          </a:p>
-        </p:txBody>
-      </p:sp>
-      <p:sp>
-        <p:nvSpPr>
-          <p:cNvPr id="22" name="流程图: 接点 21">
-            <a:extLst>
-              <a:ext uri="{FF2B5EF4-FFF2-40B4-BE49-F238E27FC236}">
-                <a16:creationId xmlns:a16="http://schemas.microsoft.com/office/drawing/2014/main" id="{6486184B-9DFF-4A00-A61F-011E1DF81DA7}"/>
-              </a:ext>
-            </a:extLst>
-          </p:cNvPr>
-          <p:cNvSpPr/>
-          <p:nvPr/>
-        </p:nvSpPr>
-        <p:spPr>
-          <a:xfrm>
-            <a:off x="509912" y="142361"/>
-            <a:ext cx="108000" cy="108000"/>
-          </a:xfrm>
-          <a:prstGeom prst="flowChartConnector">
-            <a:avLst/>
-          </a:prstGeom>
-          <a:solidFill>
-            <a:srgbClr val="460009"/>
-          </a:solidFill>
-          <a:ln>
-            <a:solidFill>
-              <a:schemeClr val="bg1"/>
-            </a:solidFill>
-          </a:ln>
-        </p:spPr>
-        <p:style>
-          <a:lnRef idx="2">
-            <a:schemeClr val="accent1">
-              <a:shade val="50000"/>
-            </a:schemeClr>
-          </a:lnRef>
-          <a:fillRef idx="1">
-            <a:schemeClr val="accent1"/>
-          </a:fillRef>
-          <a:effectRef idx="0">
-            <a:schemeClr val="accent1"/>
-          </a:effectRef>
-          <a:fontRef idx="minor">
-            <a:schemeClr val="lt1"/>
-          </a:fontRef>
-        </p:style>
-        <p:txBody>
-          <a:bodyPr rtlCol="0" anchor="ctr"/>
-          <a:lstStyle/>
-          <a:p>
-            <a:pPr algn="ctr"/>
-            <a:endParaRPr lang="zh-CN" altLang="en-US"/>
-          </a:p>
-        </p:txBody>
-      </p:sp>
-      <p:sp>
-        <p:nvSpPr>
-          <p:cNvPr id="23" name="流程图: 接点 22">
-            <a:extLst>
-              <a:ext uri="{FF2B5EF4-FFF2-40B4-BE49-F238E27FC236}">
-                <a16:creationId xmlns:a16="http://schemas.microsoft.com/office/drawing/2014/main" id="{9F77FCE4-D267-4F13-8889-7608F4820003}"/>
-              </a:ext>
-            </a:extLst>
-          </p:cNvPr>
-          <p:cNvSpPr/>
-          <p:nvPr/>
-        </p:nvSpPr>
-        <p:spPr>
-          <a:xfrm>
-            <a:off x="657512" y="142361"/>
-            <a:ext cx="108000" cy="108000"/>
-          </a:xfrm>
-          <a:prstGeom prst="flowChartConnector">
-            <a:avLst/>
-          </a:prstGeom>
-          <a:solidFill>
-            <a:srgbClr val="460009"/>
-          </a:solidFill>
-          <a:ln>
-            <a:solidFill>
-              <a:schemeClr val="bg1"/>
-            </a:solidFill>
-          </a:ln>
-        </p:spPr>
-        <p:style>
-          <a:lnRef idx="2">
-            <a:schemeClr val="accent1">
-              <a:shade val="50000"/>
-            </a:schemeClr>
-          </a:lnRef>
-          <a:fillRef idx="1">
-            <a:schemeClr val="accent1"/>
-          </a:fillRef>
-          <a:effectRef idx="0">
-            <a:schemeClr val="accent1"/>
-          </a:effectRef>
-          <a:fontRef idx="minor">
-            <a:schemeClr val="lt1"/>
-          </a:fontRef>
-        </p:style>
-        <p:txBody>
-          <a:bodyPr rtlCol="0" anchor="ctr"/>
-          <a:lstStyle/>
-          <a:p>
-            <a:pPr algn="ctr"/>
-            <a:endParaRPr lang="zh-CN" altLang="en-US"/>
-          </a:p>
-        </p:txBody>
-      </p:sp>
-      <p:sp>
-        <p:nvSpPr>
-          <p:cNvPr id="24" name="流程图: 接点 23">
-            <a:extLst>
-              <a:ext uri="{FF2B5EF4-FFF2-40B4-BE49-F238E27FC236}">
-                <a16:creationId xmlns:a16="http://schemas.microsoft.com/office/drawing/2014/main" id="{43F7E76C-F362-45D9-A2F4-06B6171F2BCB}"/>
-              </a:ext>
-            </a:extLst>
-          </p:cNvPr>
-          <p:cNvSpPr/>
-          <p:nvPr/>
-        </p:nvSpPr>
-        <p:spPr>
-          <a:xfrm>
-            <a:off x="805112" y="142361"/>
-            <a:ext cx="108000" cy="108000"/>
-          </a:xfrm>
-          <a:prstGeom prst="flowChartConnector">
-            <a:avLst/>
-          </a:prstGeom>
-          <a:solidFill>
-            <a:schemeClr val="bg1"/>
-          </a:solidFill>
-          <a:ln>
-            <a:solidFill>
-              <a:schemeClr val="bg1"/>
-            </a:solidFill>
-          </a:ln>
-        </p:spPr>
-        <p:style>
-          <a:lnRef idx="2">
-            <a:schemeClr val="accent1">
-              <a:shade val="50000"/>
-            </a:schemeClr>
-          </a:lnRef>
-          <a:fillRef idx="1">
-            <a:schemeClr val="accent1"/>
-          </a:fillRef>
-          <a:effectRef idx="0">
-            <a:schemeClr val="accent1"/>
-          </a:effectRef>
-          <a:fontRef idx="minor">
-            <a:schemeClr val="lt1"/>
-          </a:fontRef>
-        </p:style>
-        <p:txBody>
-          <a:bodyPr rtlCol="0" anchor="ctr"/>
-          <a:lstStyle/>
-          <a:p>
-            <a:pPr algn="ctr"/>
-            <a:endParaRPr lang="zh-CN" altLang="en-US"/>
-          </a:p>
-        </p:txBody>
-      </p:sp>
-      <p:sp>
-        <p:nvSpPr>
-          <p:cNvPr id="25" name="流程图: 接点 24">
-            <a:extLst>
-              <a:ext uri="{FF2B5EF4-FFF2-40B4-BE49-F238E27FC236}">
-                <a16:creationId xmlns:a16="http://schemas.microsoft.com/office/drawing/2014/main" id="{10233A9F-47D8-45DE-AC24-15B71EC0669C}"/>
-              </a:ext>
-            </a:extLst>
-          </p:cNvPr>
-          <p:cNvSpPr/>
-          <p:nvPr/>
-        </p:nvSpPr>
-        <p:spPr>
-          <a:xfrm>
-            <a:off x="952712" y="142361"/>
-            <a:ext cx="108000" cy="108000"/>
-          </a:xfrm>
-          <a:prstGeom prst="flowChartConnector">
-            <a:avLst/>
-          </a:prstGeom>
-          <a:solidFill>
-            <a:srgbClr val="460009"/>
-          </a:solidFill>
-          <a:ln>
-            <a:solidFill>
-              <a:schemeClr val="bg1"/>
-            </a:solidFill>
-          </a:ln>
-        </p:spPr>
-        <p:style>
-          <a:lnRef idx="2">
-            <a:schemeClr val="accent1">
-              <a:shade val="50000"/>
-            </a:schemeClr>
-          </a:lnRef>
-          <a:fillRef idx="1">
-            <a:schemeClr val="accent1"/>
-          </a:fillRef>
-          <a:effectRef idx="0">
-            <a:schemeClr val="accent1"/>
-          </a:effectRef>
-          <a:fontRef idx="minor">
-            <a:schemeClr val="lt1"/>
-          </a:fontRef>
-        </p:style>
-        <p:txBody>
-          <a:bodyPr rtlCol="0" anchor="ctr"/>
-          <a:lstStyle/>
-          <a:p>
-            <a:pPr algn="ctr"/>
-            <a:endParaRPr lang="zh-CN" altLang="en-US"/>
-          </a:p>
-        </p:txBody>
-      </p:sp>
-      <p:sp>
-        <p:nvSpPr>
-          <p:cNvPr id="26" name="流程图: 接点 25">
-            <a:extLst>
-              <a:ext uri="{FF2B5EF4-FFF2-40B4-BE49-F238E27FC236}">
-                <a16:creationId xmlns:a16="http://schemas.microsoft.com/office/drawing/2014/main" id="{101452D9-E881-44E7-9A25-EB3B700FFAFD}"/>
-              </a:ext>
-            </a:extLst>
-          </p:cNvPr>
-          <p:cNvSpPr/>
-          <p:nvPr/>
-        </p:nvSpPr>
-        <p:spPr>
-          <a:xfrm>
-            <a:off x="1100312" y="142361"/>
-            <a:ext cx="108000" cy="108000"/>
-          </a:xfrm>
-          <a:prstGeom prst="flowChartConnector">
-            <a:avLst/>
-          </a:prstGeom>
-          <a:solidFill>
-            <a:srgbClr val="460009"/>
-          </a:solidFill>
-          <a:ln>
-            <a:solidFill>
-              <a:schemeClr val="bg1"/>
-            </a:solidFill>
-          </a:ln>
-        </p:spPr>
-        <p:style>
-          <a:lnRef idx="2">
-            <a:schemeClr val="accent1">
-              <a:shade val="50000"/>
-            </a:schemeClr>
-          </a:lnRef>
-          <a:fillRef idx="1">
-            <a:schemeClr val="accent1"/>
-          </a:fillRef>
-          <a:effectRef idx="0">
-            <a:schemeClr val="accent1"/>
-          </a:effectRef>
-          <a:fontRef idx="minor">
-            <a:schemeClr val="lt1"/>
-          </a:fontRef>
-        </p:style>
-        <p:txBody>
-          <a:bodyPr rtlCol="0" anchor="ctr"/>
-          <a:lstStyle/>
-          <a:p>
-            <a:pPr algn="ctr"/>
-            <a:endParaRPr lang="zh-CN" altLang="en-US"/>
-          </a:p>
-        </p:txBody>
-      </p:sp>
-      <p:sp>
-        <p:nvSpPr>
-          <p:cNvPr id="30" name="矩形 29">
-            <a:extLst>
-              <a:ext uri="{FF2B5EF4-FFF2-40B4-BE49-F238E27FC236}">
-                <a16:creationId xmlns:a16="http://schemas.microsoft.com/office/drawing/2014/main" id="{D361DD08-75CE-43CE-9174-74442FDECBCA}"/>
-              </a:ext>
-            </a:extLst>
-          </p:cNvPr>
-          <p:cNvSpPr/>
-          <p:nvPr/>
-        </p:nvSpPr>
-        <p:spPr>
-          <a:xfrm>
-            <a:off x="1055077" y="2033953"/>
-            <a:ext cx="140677" cy="93785"/>
-          </a:xfrm>
-          <a:prstGeom prst="rect">
-            <a:avLst/>
-          </a:prstGeom>
-          <a:solidFill>
-            <a:srgbClr val="BA385D"/>
-          </a:solidFill>
-          <a:ln>
-            <a:solidFill>
-              <a:srgbClr val="BA385D"/>
-            </a:solidFill>
-          </a:ln>
-        </p:spPr>
-        <p:style>
-          <a:lnRef idx="2">
-            <a:schemeClr val="accent1">
-              <a:shade val="50000"/>
-            </a:schemeClr>
-          </a:lnRef>
-          <a:fillRef idx="1">
-            <a:schemeClr val="accent1"/>
-          </a:fillRef>
-          <a:effectRef idx="0">
-            <a:schemeClr val="accent1"/>
-          </a:effectRef>
-          <a:fontRef idx="minor">
-            <a:schemeClr val="lt1"/>
-          </a:fontRef>
-        </p:style>
-        <p:txBody>
-          <a:bodyPr rtlCol="0" anchor="ctr"/>
-          <a:lstStyle/>
-          <a:p>
-            <a:pPr algn="ctr"/>
-            <a:endParaRPr lang="zh-CN" altLang="en-US"/>
-          </a:p>
-        </p:txBody>
-      </p:sp>
-      <p:sp>
-        <p:nvSpPr>
-          <p:cNvPr id="32" name="文本框 31">
-            <a:extLst>
-              <a:ext uri="{FF2B5EF4-FFF2-40B4-BE49-F238E27FC236}">
-                <a16:creationId xmlns:a16="http://schemas.microsoft.com/office/drawing/2014/main" id="{FF297D70-9930-4C01-83A6-C50DABE9CA18}"/>
-              </a:ext>
-            </a:extLst>
-          </p:cNvPr>
-          <p:cNvSpPr txBox="1"/>
-          <p:nvPr/>
-        </p:nvSpPr>
-        <p:spPr>
-          <a:xfrm>
-            <a:off x="1306439" y="1896179"/>
-            <a:ext cx="5107488" cy="369332"/>
-          </a:xfrm>
-          <a:prstGeom prst="rect">
-            <a:avLst/>
-          </a:prstGeom>
-          <a:noFill/>
-        </p:spPr>
-        <p:txBody>
-          <a:bodyPr wrap="none" rtlCol="0">
-            <a:spAutoFit/>
-          </a:bodyPr>
-          <a:lstStyle/>
-          <a:p>
-            <a:r>
-              <a:rPr lang="zh-CN" altLang="en-US" dirty="0"/>
-              <a:t>关于</a:t>
-            </a:r>
-            <a:r>
-              <a:rPr lang="en-US" altLang="zh-CN" dirty="0" err="1"/>
-              <a:t>setTimeout</a:t>
-            </a:r>
-            <a:r>
-              <a:rPr lang="zh-CN" altLang="en-US" dirty="0"/>
-              <a:t>的异步 </a:t>
-            </a:r>
-            <a:r>
-              <a:rPr lang="en-US" altLang="zh-CN" dirty="0"/>
-              <a:t>—— </a:t>
-            </a:r>
-            <a:r>
-              <a:rPr lang="zh-CN" altLang="en-US" dirty="0"/>
-              <a:t>我在网络上查找到的</a:t>
-            </a:r>
-          </a:p>
-        </p:txBody>
-      </p:sp>
-      <p:pic>
-        <p:nvPicPr>
-          <p:cNvPr id="3" name="图片 2">
-            <a:extLst>
-              <a:ext uri="{FF2B5EF4-FFF2-40B4-BE49-F238E27FC236}">
-                <a16:creationId xmlns:a16="http://schemas.microsoft.com/office/drawing/2014/main" id="{A5E8893D-4FAF-43FA-9947-78DB30231F6B}"/>
-              </a:ext>
-            </a:extLst>
-          </p:cNvPr>
-          <p:cNvPicPr>
-            <a:picLocks noChangeAspect="1"/>
-          </p:cNvPicPr>
-          <p:nvPr/>
-        </p:nvPicPr>
-        <p:blipFill>
-          <a:blip r:embed="rId2">
-            <a:extLst>
-              <a:ext uri="{28A0092B-C50C-407E-A947-70E740481C1C}">
-                <a14:useLocalDpi xmlns:a14="http://schemas.microsoft.com/office/drawing/2010/main" val="0"/>
-              </a:ext>
-            </a:extLst>
-          </a:blip>
-          <a:stretch>
-            <a:fillRect/>
-          </a:stretch>
-        </p:blipFill>
-        <p:spPr>
-          <a:xfrm>
-            <a:off x="1306439" y="2334072"/>
-            <a:ext cx="7902038" cy="3786393"/>
-          </a:xfrm>
-          <a:prstGeom prst="rect">
-            <a:avLst/>
-          </a:prstGeom>
-        </p:spPr>
-      </p:pic>
-      <p:sp>
-        <p:nvSpPr>
-          <p:cNvPr id="5" name="文本框 4">
-            <a:extLst>
-              <a:ext uri="{FF2B5EF4-FFF2-40B4-BE49-F238E27FC236}">
-                <a16:creationId xmlns:a16="http://schemas.microsoft.com/office/drawing/2014/main" id="{E4BABEE1-C182-403F-A0D8-4C6460DAD266}"/>
-              </a:ext>
-            </a:extLst>
-          </p:cNvPr>
-          <p:cNvSpPr txBox="1"/>
-          <p:nvPr/>
-        </p:nvSpPr>
-        <p:spPr>
-          <a:xfrm>
-            <a:off x="3975002" y="4598350"/>
-            <a:ext cx="4547675" cy="646331"/>
-          </a:xfrm>
-          <a:prstGeom prst="rect">
-            <a:avLst/>
-          </a:prstGeom>
-          <a:noFill/>
-        </p:spPr>
-        <p:txBody>
-          <a:bodyPr wrap="square" rtlCol="0">
-            <a:spAutoFit/>
-          </a:bodyPr>
-          <a:lstStyle/>
-          <a:p>
-            <a:r>
-              <a:rPr lang="en-US" altLang="zh-CN" dirty="0"/>
-              <a:t>https://www.cnblogs.com/ceceliahappycoding/p/10772351.html</a:t>
-            </a:r>
-            <a:endParaRPr lang="zh-CN" altLang="en-US" dirty="0"/>
-          </a:p>
-        </p:txBody>
-      </p:sp>
-      <p:sp>
-        <p:nvSpPr>
-          <p:cNvPr id="27" name="流程图: 接点 26">
-            <a:extLst>
-              <a:ext uri="{FF2B5EF4-FFF2-40B4-BE49-F238E27FC236}">
-                <a16:creationId xmlns:a16="http://schemas.microsoft.com/office/drawing/2014/main" id="{D30A19D8-ABA6-4B47-85D9-A5894E542FEB}"/>
-              </a:ext>
-            </a:extLst>
-          </p:cNvPr>
-          <p:cNvSpPr/>
-          <p:nvPr/>
-        </p:nvSpPr>
-        <p:spPr>
-          <a:xfrm>
-            <a:off x="1252439" y="148360"/>
-            <a:ext cx="108000" cy="108000"/>
-          </a:xfrm>
-          <a:prstGeom prst="flowChartConnector">
-            <a:avLst/>
-          </a:prstGeom>
-          <a:solidFill>
-            <a:srgbClr val="460009"/>
-          </a:solidFill>
-          <a:ln>
-            <a:solidFill>
-              <a:schemeClr val="bg1"/>
-            </a:solidFill>
-          </a:ln>
-        </p:spPr>
-        <p:style>
-          <a:lnRef idx="2">
-            <a:schemeClr val="accent1">
-              <a:shade val="50000"/>
-            </a:schemeClr>
-          </a:lnRef>
-          <a:fillRef idx="1">
-            <a:schemeClr val="accent1"/>
-          </a:fillRef>
-          <a:effectRef idx="0">
-            <a:schemeClr val="accent1"/>
-          </a:effectRef>
-          <a:fontRef idx="minor">
-            <a:schemeClr val="lt1"/>
-          </a:fontRef>
-        </p:style>
-        <p:txBody>
-          <a:bodyPr rtlCol="0" anchor="ctr"/>
-          <a:lstStyle/>
-          <a:p>
-            <a:pPr algn="ctr"/>
-            <a:endParaRPr lang="zh-CN" altLang="en-US"/>
-          </a:p>
-        </p:txBody>
-      </p:sp>
-    </p:spTree>
-    <p:extLst>
-      <p:ext uri="{BB962C8B-B14F-4D97-AF65-F5344CB8AC3E}">
-        <p14:creationId xmlns:p14="http://schemas.microsoft.com/office/powerpoint/2010/main" val="1888906182"/>
-      </p:ext>
-    </p:extLst>
-  </p:cSld>
-  <p:clrMapOvr>
-    <a:masterClrMapping/>
-  </p:clrMapOvr>
-</p:sld>
-</file>
-
-<file path=ppt/slides/slide11.xml><?xml version="1.0" encoding="utf-8"?>
-<p:sld xmlns:a="http://schemas.openxmlformats.org/drawingml/2006/main" xmlns:r="http://schemas.openxmlformats.org/officeDocument/2006/relationships" xmlns:p="http://schemas.openxmlformats.org/presentationml/2006/main">
-  <p:cSld>
-    <p:spTree>
-      <p:nvGrpSpPr>
-        <p:cNvPr id="1" name=""/>
-        <p:cNvGrpSpPr/>
-        <p:nvPr/>
-      </p:nvGrpSpPr>
-      <p:grpSpPr>
-        <a:xfrm>
-          <a:off x="0" y="0"/>
-          <a:ext cx="0" cy="0"/>
-          <a:chOff x="0" y="0"/>
-          <a:chExt cx="0" cy="0"/>
-        </a:xfrm>
-      </p:grpSpPr>
-      <p:sp>
-        <p:nvSpPr>
-          <p:cNvPr id="8" name="矩形 7">
-            <a:extLst>
-              <a:ext uri="{FF2B5EF4-FFF2-40B4-BE49-F238E27FC236}">
-                <a16:creationId xmlns:a16="http://schemas.microsoft.com/office/drawing/2014/main" id="{32EB45AD-92AE-4408-9CBB-C06719C8D796}"/>
-              </a:ext>
-            </a:extLst>
-          </p:cNvPr>
-          <p:cNvSpPr/>
-          <p:nvPr/>
-        </p:nvSpPr>
-        <p:spPr>
-          <a:xfrm>
-            <a:off x="0" y="392723"/>
-            <a:ext cx="12192000" cy="240323"/>
-          </a:xfrm>
-          <a:prstGeom prst="rect">
-            <a:avLst/>
-          </a:prstGeom>
-          <a:solidFill>
-            <a:srgbClr val="8B0012"/>
-          </a:solidFill>
-          <a:ln>
-            <a:solidFill>
-              <a:srgbClr val="FF0000"/>
-            </a:solidFill>
-          </a:ln>
-        </p:spPr>
-        <p:style>
-          <a:lnRef idx="2">
-            <a:schemeClr val="accent1">
-              <a:shade val="50000"/>
-            </a:schemeClr>
-          </a:lnRef>
-          <a:fillRef idx="1">
-            <a:schemeClr val="accent1"/>
-          </a:fillRef>
-          <a:effectRef idx="0">
-            <a:schemeClr val="accent1"/>
-          </a:effectRef>
-          <a:fontRef idx="minor">
-            <a:schemeClr val="lt1"/>
-          </a:fontRef>
-        </p:style>
-        <p:txBody>
-          <a:bodyPr rtlCol="0" anchor="ctr"/>
-          <a:lstStyle/>
-          <a:p>
-            <a:pPr algn="ctr"/>
-            <a:endParaRPr lang="zh-CN" altLang="en-US" dirty="0">
-              <a:solidFill>
-                <a:srgbClr val="FF0000"/>
-              </a:solidFill>
-            </a:endParaRPr>
-          </a:p>
-        </p:txBody>
-      </p:sp>
-      <p:sp>
-        <p:nvSpPr>
-          <p:cNvPr id="11" name="矩形 10">
-            <a:extLst>
-              <a:ext uri="{FF2B5EF4-FFF2-40B4-BE49-F238E27FC236}">
-                <a16:creationId xmlns:a16="http://schemas.microsoft.com/office/drawing/2014/main" id="{E8D42275-5595-47D9-9C97-E00572AB4926}"/>
-              </a:ext>
-            </a:extLst>
-          </p:cNvPr>
-          <p:cNvSpPr/>
-          <p:nvPr/>
-        </p:nvSpPr>
-        <p:spPr>
-          <a:xfrm>
-            <a:off x="0" y="6465277"/>
-            <a:ext cx="12192000" cy="392723"/>
-          </a:xfrm>
-          <a:prstGeom prst="rect">
-            <a:avLst/>
-          </a:prstGeom>
-          <a:solidFill>
-            <a:srgbClr val="460009"/>
-          </a:solidFill>
-          <a:ln>
-            <a:solidFill>
-              <a:srgbClr val="FF0000"/>
-            </a:solidFill>
-          </a:ln>
-        </p:spPr>
-        <p:style>
-          <a:lnRef idx="2">
-            <a:schemeClr val="accent1">
-              <a:shade val="50000"/>
-            </a:schemeClr>
-          </a:lnRef>
-          <a:fillRef idx="1">
-            <a:schemeClr val="accent1"/>
-          </a:fillRef>
-          <a:effectRef idx="0">
-            <a:schemeClr val="accent1"/>
-          </a:effectRef>
-          <a:fontRef idx="minor">
-            <a:schemeClr val="lt1"/>
-          </a:fontRef>
-        </p:style>
-        <p:txBody>
-          <a:bodyPr rtlCol="0" anchor="ctr"/>
-          <a:lstStyle/>
-          <a:p>
-            <a:r>
-              <a:rPr lang="en-US" altLang="zh-CN" i="1" dirty="0"/>
-              <a:t>Web</a:t>
-            </a:r>
-            <a:r>
-              <a:rPr lang="zh-CN" altLang="en-US" i="1" dirty="0"/>
-              <a:t>课程大作业 </a:t>
-            </a:r>
-            <a:r>
-              <a:rPr lang="en-US" altLang="zh-CN" i="1" dirty="0"/>
-              <a:t>—— </a:t>
-            </a:r>
-            <a:r>
-              <a:rPr lang="zh-CN" altLang="en-US" i="1" dirty="0"/>
-              <a:t>红黑树动态可视化</a:t>
-            </a:r>
-            <a:endParaRPr lang="zh-CN" altLang="en-US" sz="4400" i="1" dirty="0">
-              <a:solidFill>
-                <a:schemeClr val="bg1"/>
-              </a:solidFill>
-            </a:endParaRPr>
-          </a:p>
-        </p:txBody>
-      </p:sp>
-      <p:sp>
-        <p:nvSpPr>
-          <p:cNvPr id="12" name="矩形 11">
-            <a:extLst>
-              <a:ext uri="{FF2B5EF4-FFF2-40B4-BE49-F238E27FC236}">
-                <a16:creationId xmlns:a16="http://schemas.microsoft.com/office/drawing/2014/main" id="{80C30714-03B5-4511-B969-688166456E11}"/>
-              </a:ext>
-            </a:extLst>
-          </p:cNvPr>
-          <p:cNvSpPr/>
-          <p:nvPr/>
-        </p:nvSpPr>
-        <p:spPr>
-          <a:xfrm>
-            <a:off x="0" y="6230815"/>
-            <a:ext cx="12192000" cy="240323"/>
-          </a:xfrm>
-          <a:prstGeom prst="rect">
-            <a:avLst/>
-          </a:prstGeom>
-          <a:solidFill>
-            <a:srgbClr val="8B0012"/>
-          </a:solidFill>
-          <a:ln>
-            <a:solidFill>
-              <a:srgbClr val="FF0000"/>
-            </a:solidFill>
-          </a:ln>
-        </p:spPr>
-        <p:style>
-          <a:lnRef idx="2">
-            <a:schemeClr val="accent1">
-              <a:shade val="50000"/>
-            </a:schemeClr>
-          </a:lnRef>
-          <a:fillRef idx="1">
-            <a:schemeClr val="accent1"/>
-          </a:fillRef>
-          <a:effectRef idx="0">
-            <a:schemeClr val="accent1"/>
-          </a:effectRef>
-          <a:fontRef idx="minor">
-            <a:schemeClr val="lt1"/>
-          </a:fontRef>
-        </p:style>
-        <p:txBody>
-          <a:bodyPr rtlCol="0" anchor="ctr"/>
-          <a:lstStyle/>
-          <a:p>
-            <a:r>
-              <a:rPr lang="zh-CN" altLang="en-US" sz="1600" i="1" dirty="0">
-                <a:solidFill>
-                  <a:schemeClr val="bg1"/>
-                </a:solidFill>
-              </a:rPr>
-              <a:t>陈首翱</a:t>
-            </a:r>
-            <a:r>
-              <a:rPr lang="en-US" altLang="zh-CN" sz="1600" i="1" dirty="0">
-                <a:solidFill>
-                  <a:schemeClr val="bg1"/>
-                </a:solidFill>
-              </a:rPr>
-              <a:t> @ web</a:t>
-            </a:r>
-            <a:r>
-              <a:rPr lang="zh-CN" altLang="en-US" sz="1600" i="1" dirty="0">
-                <a:solidFill>
-                  <a:schemeClr val="bg1"/>
-                </a:solidFill>
-              </a:rPr>
-              <a:t>课程报告</a:t>
-            </a:r>
-            <a:r>
-              <a:rPr lang="en-US" altLang="zh-CN" sz="1600" i="1" dirty="0">
-                <a:solidFill>
-                  <a:schemeClr val="bg1"/>
-                </a:solidFill>
-              </a:rPr>
-              <a:t>      2021.12.23</a:t>
-            </a:r>
-            <a:endParaRPr lang="zh-CN" altLang="en-US" sz="1600" i="1" dirty="0">
-              <a:solidFill>
-                <a:schemeClr val="bg1"/>
-              </a:solidFill>
-            </a:endParaRPr>
-          </a:p>
-        </p:txBody>
-      </p:sp>
-      <p:sp>
-        <p:nvSpPr>
-          <p:cNvPr id="9" name="矩形 8">
-            <a:extLst>
-              <a:ext uri="{FF2B5EF4-FFF2-40B4-BE49-F238E27FC236}">
-                <a16:creationId xmlns:a16="http://schemas.microsoft.com/office/drawing/2014/main" id="{B1D2EC5C-5B12-4AC9-A47D-A1175AF0D104}"/>
-              </a:ext>
-            </a:extLst>
-          </p:cNvPr>
-          <p:cNvSpPr/>
-          <p:nvPr/>
-        </p:nvSpPr>
-        <p:spPr>
-          <a:xfrm>
-            <a:off x="0" y="627185"/>
-            <a:ext cx="12192000" cy="554892"/>
-          </a:xfrm>
-          <a:prstGeom prst="rect">
-            <a:avLst/>
-          </a:prstGeom>
-          <a:solidFill>
-            <a:srgbClr val="B53D3D"/>
-          </a:solidFill>
-          <a:ln>
-            <a:solidFill>
-              <a:srgbClr val="FF0000"/>
-            </a:solidFill>
-          </a:ln>
-        </p:spPr>
-        <p:style>
-          <a:lnRef idx="2">
-            <a:schemeClr val="accent1">
-              <a:shade val="50000"/>
-            </a:schemeClr>
-          </a:lnRef>
-          <a:fillRef idx="1">
-            <a:schemeClr val="accent1"/>
-          </a:fillRef>
-          <a:effectRef idx="0">
-            <a:schemeClr val="accent1"/>
-          </a:effectRef>
-          <a:fontRef idx="minor">
-            <a:schemeClr val="lt1"/>
-          </a:fontRef>
-        </p:style>
-        <p:txBody>
-          <a:bodyPr rtlCol="0" anchor="ctr"/>
-          <a:lstStyle/>
-          <a:p>
-            <a:r>
-              <a:rPr lang="zh-CN" altLang="en-US" i="1" dirty="0">
-                <a:solidFill>
-                  <a:schemeClr val="bg1"/>
-                </a:solidFill>
-              </a:rPr>
-              <a:t>源代码</a:t>
-            </a:r>
-          </a:p>
-        </p:txBody>
-      </p:sp>
-      <p:sp>
-        <p:nvSpPr>
-          <p:cNvPr id="16" name="椭圆 15">
-            <a:extLst>
-              <a:ext uri="{FF2B5EF4-FFF2-40B4-BE49-F238E27FC236}">
-                <a16:creationId xmlns:a16="http://schemas.microsoft.com/office/drawing/2014/main" id="{45793BEF-F301-45E9-A457-B9841FD885D8}"/>
-              </a:ext>
-            </a:extLst>
-          </p:cNvPr>
-          <p:cNvSpPr/>
-          <p:nvPr/>
-        </p:nvSpPr>
-        <p:spPr>
-          <a:xfrm>
-            <a:off x="113553" y="143435"/>
-            <a:ext cx="95624" cy="103497"/>
-          </a:xfrm>
-          <a:prstGeom prst="ellipse">
-            <a:avLst/>
-          </a:prstGeom>
-          <a:solidFill>
-            <a:schemeClr val="bg1"/>
-          </a:solidFill>
-          <a:ln>
-            <a:solidFill>
-              <a:schemeClr val="bg1"/>
-            </a:solidFill>
-          </a:ln>
-        </p:spPr>
-        <p:style>
-          <a:lnRef idx="2">
-            <a:schemeClr val="accent1">
-              <a:shade val="50000"/>
-            </a:schemeClr>
-          </a:lnRef>
-          <a:fillRef idx="1">
-            <a:schemeClr val="accent1"/>
-          </a:fillRef>
-          <a:effectRef idx="0">
-            <a:schemeClr val="accent1"/>
-          </a:effectRef>
-          <a:fontRef idx="minor">
-            <a:schemeClr val="lt1"/>
-          </a:fontRef>
-        </p:style>
-        <p:txBody>
-          <a:bodyPr rtlCol="0" anchor="ctr"/>
-          <a:lstStyle/>
-          <a:p>
-            <a:pPr algn="ctr"/>
-            <a:endParaRPr lang="zh-CN" altLang="en-US"/>
-          </a:p>
-        </p:txBody>
-      </p:sp>
-      <p:sp>
-        <p:nvSpPr>
-          <p:cNvPr id="17" name="流程图: 接点 16">
-            <a:extLst>
-              <a:ext uri="{FF2B5EF4-FFF2-40B4-BE49-F238E27FC236}">
-                <a16:creationId xmlns:a16="http://schemas.microsoft.com/office/drawing/2014/main" id="{44E565C7-5B3A-4321-B035-0F3FA9387591}"/>
-              </a:ext>
-            </a:extLst>
-          </p:cNvPr>
-          <p:cNvSpPr/>
-          <p:nvPr/>
-        </p:nvSpPr>
-        <p:spPr>
-          <a:xfrm>
-            <a:off x="1639721" y="132323"/>
-            <a:ext cx="108000" cy="108000"/>
-          </a:xfrm>
-          <a:prstGeom prst="flowChartConnector">
-            <a:avLst/>
-          </a:prstGeom>
-          <a:solidFill>
-            <a:schemeClr val="bg1"/>
-          </a:solidFill>
-          <a:ln>
-            <a:solidFill>
-              <a:schemeClr val="bg1"/>
-            </a:solidFill>
-          </a:ln>
-        </p:spPr>
-        <p:style>
-          <a:lnRef idx="2">
-            <a:schemeClr val="accent1">
-              <a:shade val="50000"/>
-            </a:schemeClr>
-          </a:lnRef>
-          <a:fillRef idx="1">
-            <a:schemeClr val="accent1"/>
-          </a:fillRef>
-          <a:effectRef idx="0">
-            <a:schemeClr val="accent1"/>
-          </a:effectRef>
-          <a:fontRef idx="minor">
-            <a:schemeClr val="lt1"/>
-          </a:fontRef>
-        </p:style>
-        <p:txBody>
-          <a:bodyPr rtlCol="0" anchor="ctr"/>
-          <a:lstStyle/>
-          <a:p>
-            <a:pPr algn="ctr"/>
-            <a:endParaRPr lang="zh-CN" altLang="en-US"/>
-          </a:p>
-        </p:txBody>
-      </p:sp>
-      <p:sp>
-        <p:nvSpPr>
-          <p:cNvPr id="19" name="矩形 18">
-            <a:extLst>
-              <a:ext uri="{FF2B5EF4-FFF2-40B4-BE49-F238E27FC236}">
-                <a16:creationId xmlns:a16="http://schemas.microsoft.com/office/drawing/2014/main" id="{4B6E39CF-6CAF-4236-AEB5-94CD96D500A7}"/>
-              </a:ext>
-            </a:extLst>
-          </p:cNvPr>
-          <p:cNvSpPr/>
-          <p:nvPr/>
-        </p:nvSpPr>
-        <p:spPr>
-          <a:xfrm>
-            <a:off x="0" y="0"/>
-            <a:ext cx="12192000" cy="392723"/>
-          </a:xfrm>
-          <a:prstGeom prst="rect">
-            <a:avLst/>
-          </a:prstGeom>
-          <a:solidFill>
-            <a:srgbClr val="460009"/>
-          </a:solidFill>
-          <a:ln>
-            <a:solidFill>
-              <a:srgbClr val="FF0000"/>
-            </a:solidFill>
-          </a:ln>
-        </p:spPr>
-        <p:style>
-          <a:lnRef idx="2">
-            <a:schemeClr val="accent1">
-              <a:shade val="50000"/>
-            </a:schemeClr>
-          </a:lnRef>
-          <a:fillRef idx="1">
-            <a:schemeClr val="accent1"/>
-          </a:fillRef>
-          <a:effectRef idx="0">
-            <a:schemeClr val="accent1"/>
-          </a:effectRef>
-          <a:fontRef idx="minor">
-            <a:schemeClr val="lt1"/>
-          </a:fontRef>
-        </p:style>
-        <p:txBody>
-          <a:bodyPr rtlCol="0" anchor="ctr"/>
-          <a:lstStyle/>
-          <a:p>
-            <a:endParaRPr lang="zh-CN" altLang="en-US" sz="800" dirty="0">
-              <a:solidFill>
-                <a:schemeClr val="bg1"/>
-              </a:solidFill>
-            </a:endParaRPr>
-          </a:p>
-        </p:txBody>
-      </p:sp>
-      <p:sp>
-        <p:nvSpPr>
-          <p:cNvPr id="20" name="流程图: 接点 19">
-            <a:extLst>
-              <a:ext uri="{FF2B5EF4-FFF2-40B4-BE49-F238E27FC236}">
-                <a16:creationId xmlns:a16="http://schemas.microsoft.com/office/drawing/2014/main" id="{C922A49D-1977-4BE4-A52B-E120832E2CB6}"/>
-              </a:ext>
-            </a:extLst>
-          </p:cNvPr>
-          <p:cNvSpPr/>
-          <p:nvPr/>
-        </p:nvSpPr>
-        <p:spPr>
-          <a:xfrm>
-            <a:off x="214712" y="142362"/>
-            <a:ext cx="108000" cy="108000"/>
-          </a:xfrm>
-          <a:prstGeom prst="flowChartConnector">
-            <a:avLst/>
-          </a:prstGeom>
-          <a:solidFill>
-            <a:srgbClr val="460009"/>
-          </a:solidFill>
-          <a:ln>
-            <a:solidFill>
-              <a:schemeClr val="bg1"/>
-            </a:solidFill>
-          </a:ln>
-        </p:spPr>
-        <p:style>
-          <a:lnRef idx="2">
-            <a:schemeClr val="accent1">
-              <a:shade val="50000"/>
-            </a:schemeClr>
-          </a:lnRef>
-          <a:fillRef idx="1">
-            <a:schemeClr val="accent1"/>
-          </a:fillRef>
-          <a:effectRef idx="0">
-            <a:schemeClr val="accent1"/>
-          </a:effectRef>
-          <a:fontRef idx="minor">
-            <a:schemeClr val="lt1"/>
-          </a:fontRef>
-        </p:style>
-        <p:txBody>
-          <a:bodyPr rtlCol="0" anchor="ctr"/>
-          <a:lstStyle/>
-          <a:p>
-            <a:pPr algn="ctr"/>
-            <a:endParaRPr lang="zh-CN" altLang="en-US"/>
-          </a:p>
-        </p:txBody>
-      </p:sp>
-      <p:sp>
-        <p:nvSpPr>
-          <p:cNvPr id="21" name="流程图: 接点 20">
-            <a:extLst>
-              <a:ext uri="{FF2B5EF4-FFF2-40B4-BE49-F238E27FC236}">
-                <a16:creationId xmlns:a16="http://schemas.microsoft.com/office/drawing/2014/main" id="{0E0FFAE2-C28B-4B9A-80AB-528CC75DAE7C}"/>
-              </a:ext>
-            </a:extLst>
-          </p:cNvPr>
-          <p:cNvSpPr/>
-          <p:nvPr/>
-        </p:nvSpPr>
-        <p:spPr>
-          <a:xfrm>
-            <a:off x="362312" y="142361"/>
-            <a:ext cx="108000" cy="108000"/>
-          </a:xfrm>
-          <a:prstGeom prst="flowChartConnector">
-            <a:avLst/>
-          </a:prstGeom>
-          <a:solidFill>
-            <a:srgbClr val="460009"/>
-          </a:solidFill>
-          <a:ln>
-            <a:solidFill>
-              <a:schemeClr val="bg1"/>
-            </a:solidFill>
-          </a:ln>
-        </p:spPr>
-        <p:style>
-          <a:lnRef idx="2">
-            <a:schemeClr val="accent1">
-              <a:shade val="50000"/>
-            </a:schemeClr>
-          </a:lnRef>
-          <a:fillRef idx="1">
-            <a:schemeClr val="accent1"/>
-          </a:fillRef>
-          <a:effectRef idx="0">
-            <a:schemeClr val="accent1"/>
-          </a:effectRef>
-          <a:fontRef idx="minor">
-            <a:schemeClr val="lt1"/>
-          </a:fontRef>
-        </p:style>
-        <p:txBody>
-          <a:bodyPr rtlCol="0" anchor="ctr"/>
-          <a:lstStyle/>
-          <a:p>
-            <a:pPr algn="ctr"/>
-            <a:endParaRPr lang="zh-CN" altLang="en-US"/>
-          </a:p>
-        </p:txBody>
-      </p:sp>
-      <p:sp>
-        <p:nvSpPr>
-          <p:cNvPr id="22" name="流程图: 接点 21">
-            <a:extLst>
-              <a:ext uri="{FF2B5EF4-FFF2-40B4-BE49-F238E27FC236}">
-                <a16:creationId xmlns:a16="http://schemas.microsoft.com/office/drawing/2014/main" id="{6486184B-9DFF-4A00-A61F-011E1DF81DA7}"/>
-              </a:ext>
-            </a:extLst>
-          </p:cNvPr>
-          <p:cNvSpPr/>
-          <p:nvPr/>
-        </p:nvSpPr>
-        <p:spPr>
-          <a:xfrm>
-            <a:off x="509912" y="142361"/>
-            <a:ext cx="108000" cy="108000"/>
-          </a:xfrm>
-          <a:prstGeom prst="flowChartConnector">
-            <a:avLst/>
-          </a:prstGeom>
-          <a:solidFill>
-            <a:srgbClr val="460009"/>
-          </a:solidFill>
-          <a:ln>
-            <a:solidFill>
-              <a:schemeClr val="bg1"/>
-            </a:solidFill>
-          </a:ln>
-        </p:spPr>
-        <p:style>
-          <a:lnRef idx="2">
-            <a:schemeClr val="accent1">
-              <a:shade val="50000"/>
-            </a:schemeClr>
-          </a:lnRef>
-          <a:fillRef idx="1">
-            <a:schemeClr val="accent1"/>
-          </a:fillRef>
-          <a:effectRef idx="0">
-            <a:schemeClr val="accent1"/>
-          </a:effectRef>
-          <a:fontRef idx="minor">
-            <a:schemeClr val="lt1"/>
-          </a:fontRef>
-        </p:style>
-        <p:txBody>
-          <a:bodyPr rtlCol="0" anchor="ctr"/>
-          <a:lstStyle/>
-          <a:p>
-            <a:pPr algn="ctr"/>
-            <a:endParaRPr lang="zh-CN" altLang="en-US"/>
-          </a:p>
-        </p:txBody>
-      </p:sp>
-      <p:sp>
-        <p:nvSpPr>
-          <p:cNvPr id="23" name="流程图: 接点 22">
-            <a:extLst>
-              <a:ext uri="{FF2B5EF4-FFF2-40B4-BE49-F238E27FC236}">
-                <a16:creationId xmlns:a16="http://schemas.microsoft.com/office/drawing/2014/main" id="{9F77FCE4-D267-4F13-8889-7608F4820003}"/>
-              </a:ext>
-            </a:extLst>
-          </p:cNvPr>
-          <p:cNvSpPr/>
-          <p:nvPr/>
-        </p:nvSpPr>
-        <p:spPr>
-          <a:xfrm>
-            <a:off x="657512" y="142361"/>
-            <a:ext cx="108000" cy="108000"/>
-          </a:xfrm>
-          <a:prstGeom prst="flowChartConnector">
-            <a:avLst/>
-          </a:prstGeom>
-          <a:solidFill>
-            <a:srgbClr val="460009"/>
-          </a:solidFill>
-          <a:ln>
-            <a:solidFill>
-              <a:schemeClr val="bg1"/>
-            </a:solidFill>
-          </a:ln>
-        </p:spPr>
-        <p:style>
-          <a:lnRef idx="2">
-            <a:schemeClr val="accent1">
-              <a:shade val="50000"/>
-            </a:schemeClr>
-          </a:lnRef>
-          <a:fillRef idx="1">
-            <a:schemeClr val="accent1"/>
-          </a:fillRef>
-          <a:effectRef idx="0">
-            <a:schemeClr val="accent1"/>
-          </a:effectRef>
-          <a:fontRef idx="minor">
-            <a:schemeClr val="lt1"/>
-          </a:fontRef>
-        </p:style>
-        <p:txBody>
-          <a:bodyPr rtlCol="0" anchor="ctr"/>
-          <a:lstStyle/>
-          <a:p>
-            <a:pPr algn="ctr"/>
-            <a:endParaRPr lang="zh-CN" altLang="en-US"/>
-          </a:p>
-        </p:txBody>
-      </p:sp>
-      <p:sp>
-        <p:nvSpPr>
-          <p:cNvPr id="24" name="流程图: 接点 23">
-            <a:extLst>
-              <a:ext uri="{FF2B5EF4-FFF2-40B4-BE49-F238E27FC236}">
-                <a16:creationId xmlns:a16="http://schemas.microsoft.com/office/drawing/2014/main" id="{43F7E76C-F362-45D9-A2F4-06B6171F2BCB}"/>
-              </a:ext>
-            </a:extLst>
-          </p:cNvPr>
-          <p:cNvSpPr/>
-          <p:nvPr/>
-        </p:nvSpPr>
-        <p:spPr>
-          <a:xfrm>
-            <a:off x="805112" y="142361"/>
-            <a:ext cx="108000" cy="108000"/>
-          </a:xfrm>
-          <a:prstGeom prst="flowChartConnector">
-            <a:avLst/>
-          </a:prstGeom>
-          <a:solidFill>
-            <a:srgbClr val="460009"/>
-          </a:solidFill>
-          <a:ln>
-            <a:solidFill>
-              <a:schemeClr val="bg1"/>
-            </a:solidFill>
-          </a:ln>
-        </p:spPr>
-        <p:style>
-          <a:lnRef idx="2">
-            <a:schemeClr val="accent1">
-              <a:shade val="50000"/>
-            </a:schemeClr>
-          </a:lnRef>
-          <a:fillRef idx="1">
-            <a:schemeClr val="accent1"/>
-          </a:fillRef>
-          <a:effectRef idx="0">
-            <a:schemeClr val="accent1"/>
-          </a:effectRef>
-          <a:fontRef idx="minor">
-            <a:schemeClr val="lt1"/>
-          </a:fontRef>
-        </p:style>
-        <p:txBody>
-          <a:bodyPr rtlCol="0" anchor="ctr"/>
-          <a:lstStyle/>
-          <a:p>
-            <a:pPr algn="ctr"/>
-            <a:endParaRPr lang="zh-CN" altLang="en-US"/>
-          </a:p>
-        </p:txBody>
-      </p:sp>
-      <p:sp>
-        <p:nvSpPr>
-          <p:cNvPr id="25" name="流程图: 接点 24">
-            <a:extLst>
-              <a:ext uri="{FF2B5EF4-FFF2-40B4-BE49-F238E27FC236}">
-                <a16:creationId xmlns:a16="http://schemas.microsoft.com/office/drawing/2014/main" id="{10233A9F-47D8-45DE-AC24-15B71EC0669C}"/>
-              </a:ext>
-            </a:extLst>
-          </p:cNvPr>
-          <p:cNvSpPr/>
-          <p:nvPr/>
-        </p:nvSpPr>
-        <p:spPr>
-          <a:xfrm>
-            <a:off x="952712" y="142361"/>
-            <a:ext cx="108000" cy="108000"/>
-          </a:xfrm>
-          <a:prstGeom prst="flowChartConnector">
-            <a:avLst/>
-          </a:prstGeom>
-          <a:solidFill>
-            <a:schemeClr val="bg1"/>
-          </a:solidFill>
-          <a:ln>
-            <a:solidFill>
-              <a:schemeClr val="bg1"/>
-            </a:solidFill>
-          </a:ln>
-        </p:spPr>
-        <p:style>
-          <a:lnRef idx="2">
-            <a:schemeClr val="accent1">
-              <a:shade val="50000"/>
-            </a:schemeClr>
-          </a:lnRef>
-          <a:fillRef idx="1">
-            <a:schemeClr val="accent1"/>
-          </a:fillRef>
-          <a:effectRef idx="0">
-            <a:schemeClr val="accent1"/>
-          </a:effectRef>
-          <a:fontRef idx="minor">
-            <a:schemeClr val="lt1"/>
-          </a:fontRef>
-        </p:style>
-        <p:txBody>
-          <a:bodyPr rtlCol="0" anchor="ctr"/>
-          <a:lstStyle/>
-          <a:p>
-            <a:pPr algn="ctr"/>
-            <a:endParaRPr lang="zh-CN" altLang="en-US"/>
-          </a:p>
-        </p:txBody>
-      </p:sp>
-      <p:sp>
-        <p:nvSpPr>
-          <p:cNvPr id="26" name="流程图: 接点 25">
-            <a:extLst>
-              <a:ext uri="{FF2B5EF4-FFF2-40B4-BE49-F238E27FC236}">
-                <a16:creationId xmlns:a16="http://schemas.microsoft.com/office/drawing/2014/main" id="{101452D9-E881-44E7-9A25-EB3B700FFAFD}"/>
-              </a:ext>
-            </a:extLst>
-          </p:cNvPr>
-          <p:cNvSpPr/>
-          <p:nvPr/>
-        </p:nvSpPr>
-        <p:spPr>
-          <a:xfrm>
-            <a:off x="1100312" y="142361"/>
-            <a:ext cx="108000" cy="108000"/>
-          </a:xfrm>
-          <a:prstGeom prst="flowChartConnector">
-            <a:avLst/>
-          </a:prstGeom>
-          <a:solidFill>
-            <a:srgbClr val="460009"/>
-          </a:solidFill>
-          <a:ln>
-            <a:solidFill>
-              <a:schemeClr val="bg1"/>
-            </a:solidFill>
-          </a:ln>
-        </p:spPr>
-        <p:style>
-          <a:lnRef idx="2">
-            <a:schemeClr val="accent1">
-              <a:shade val="50000"/>
-            </a:schemeClr>
-          </a:lnRef>
-          <a:fillRef idx="1">
-            <a:schemeClr val="accent1"/>
-          </a:fillRef>
-          <a:effectRef idx="0">
-            <a:schemeClr val="accent1"/>
-          </a:effectRef>
-          <a:fontRef idx="minor">
-            <a:schemeClr val="lt1"/>
-          </a:fontRef>
-        </p:style>
-        <p:txBody>
-          <a:bodyPr rtlCol="0" anchor="ctr"/>
-          <a:lstStyle/>
-          <a:p>
-            <a:pPr algn="ctr"/>
-            <a:endParaRPr lang="zh-CN" altLang="en-US"/>
-          </a:p>
-        </p:txBody>
-      </p:sp>
-      <p:sp>
-        <p:nvSpPr>
-          <p:cNvPr id="30" name="矩形 29">
-            <a:extLst>
-              <a:ext uri="{FF2B5EF4-FFF2-40B4-BE49-F238E27FC236}">
-                <a16:creationId xmlns:a16="http://schemas.microsoft.com/office/drawing/2014/main" id="{D361DD08-75CE-43CE-9174-74442FDECBCA}"/>
-              </a:ext>
-            </a:extLst>
-          </p:cNvPr>
-          <p:cNvSpPr/>
-          <p:nvPr/>
-        </p:nvSpPr>
-        <p:spPr>
-          <a:xfrm>
-            <a:off x="1055077" y="2033953"/>
-            <a:ext cx="140677" cy="93785"/>
-          </a:xfrm>
-          <a:prstGeom prst="rect">
-            <a:avLst/>
-          </a:prstGeom>
-          <a:solidFill>
-            <a:srgbClr val="BA385D"/>
-          </a:solidFill>
-          <a:ln>
-            <a:solidFill>
-              <a:srgbClr val="BA385D"/>
-            </a:solidFill>
-          </a:ln>
-        </p:spPr>
-        <p:style>
-          <a:lnRef idx="2">
-            <a:schemeClr val="accent1">
-              <a:shade val="50000"/>
-            </a:schemeClr>
-          </a:lnRef>
-          <a:fillRef idx="1">
-            <a:schemeClr val="accent1"/>
-          </a:fillRef>
-          <a:effectRef idx="0">
-            <a:schemeClr val="accent1"/>
-          </a:effectRef>
-          <a:fontRef idx="minor">
-            <a:schemeClr val="lt1"/>
-          </a:fontRef>
-        </p:style>
-        <p:txBody>
-          <a:bodyPr rtlCol="0" anchor="ctr"/>
-          <a:lstStyle/>
-          <a:p>
-            <a:pPr algn="ctr"/>
-            <a:endParaRPr lang="zh-CN" altLang="en-US"/>
-          </a:p>
-        </p:txBody>
-      </p:sp>
-      <p:sp>
-        <p:nvSpPr>
-          <p:cNvPr id="32" name="文本框 31">
-            <a:extLst>
-              <a:ext uri="{FF2B5EF4-FFF2-40B4-BE49-F238E27FC236}">
-                <a16:creationId xmlns:a16="http://schemas.microsoft.com/office/drawing/2014/main" id="{FF297D70-9930-4C01-83A6-C50DABE9CA18}"/>
-              </a:ext>
-            </a:extLst>
-          </p:cNvPr>
-          <p:cNvSpPr txBox="1"/>
-          <p:nvPr/>
-        </p:nvSpPr>
-        <p:spPr>
-          <a:xfrm>
-            <a:off x="1306439" y="1896179"/>
-            <a:ext cx="1107996" cy="369332"/>
-          </a:xfrm>
-          <a:prstGeom prst="rect">
-            <a:avLst/>
-          </a:prstGeom>
-          <a:noFill/>
-        </p:spPr>
-        <p:txBody>
-          <a:bodyPr wrap="none" rtlCol="0">
-            <a:spAutoFit/>
-          </a:bodyPr>
-          <a:lstStyle/>
-          <a:p>
-            <a:r>
-              <a:rPr lang="zh-CN" altLang="en-US" dirty="0"/>
-              <a:t>看看源码</a:t>
-            </a:r>
-          </a:p>
-        </p:txBody>
-      </p:sp>
-      <p:sp>
-        <p:nvSpPr>
-          <p:cNvPr id="2" name="文本框 1">
-            <a:extLst>
-              <a:ext uri="{FF2B5EF4-FFF2-40B4-BE49-F238E27FC236}">
-                <a16:creationId xmlns:a16="http://schemas.microsoft.com/office/drawing/2014/main" id="{B955710B-2D43-4830-9DCF-16774CA4C687}"/>
-              </a:ext>
-            </a:extLst>
-          </p:cNvPr>
-          <p:cNvSpPr txBox="1"/>
-          <p:nvPr/>
-        </p:nvSpPr>
-        <p:spPr>
-          <a:xfrm>
-            <a:off x="1436077" y="2725615"/>
-            <a:ext cx="1338828" cy="369332"/>
-          </a:xfrm>
-          <a:prstGeom prst="rect">
-            <a:avLst/>
-          </a:prstGeom>
-          <a:noFill/>
-        </p:spPr>
-        <p:txBody>
-          <a:bodyPr wrap="none" rtlCol="0">
-            <a:spAutoFit/>
-          </a:bodyPr>
-          <a:lstStyle/>
-          <a:p>
-            <a:r>
-              <a:rPr lang="zh-CN" altLang="en-US" dirty="0"/>
-              <a:t>异步信号量</a:t>
-            </a:r>
-          </a:p>
-        </p:txBody>
-      </p:sp>
-      <p:sp>
-        <p:nvSpPr>
-          <p:cNvPr id="27" name="椭圆 26">
-            <a:extLst>
-              <a:ext uri="{FF2B5EF4-FFF2-40B4-BE49-F238E27FC236}">
-                <a16:creationId xmlns:a16="http://schemas.microsoft.com/office/drawing/2014/main" id="{2C11594C-B4A8-4F02-9FA7-BAA1DEAF5AF8}"/>
-              </a:ext>
-            </a:extLst>
-          </p:cNvPr>
-          <p:cNvSpPr/>
-          <p:nvPr/>
-        </p:nvSpPr>
-        <p:spPr>
-          <a:xfrm>
-            <a:off x="1246983" y="2848275"/>
-            <a:ext cx="118911" cy="124012"/>
-          </a:xfrm>
-          <a:prstGeom prst="ellipse">
-            <a:avLst/>
-          </a:prstGeom>
-          <a:solidFill>
-            <a:srgbClr val="F20000"/>
-          </a:solidFill>
-          <a:ln>
-            <a:solidFill>
-              <a:srgbClr val="FF0000"/>
-            </a:solidFill>
-          </a:ln>
-        </p:spPr>
-        <p:style>
-          <a:lnRef idx="2">
-            <a:schemeClr val="accent1">
-              <a:shade val="50000"/>
-            </a:schemeClr>
-          </a:lnRef>
-          <a:fillRef idx="1">
-            <a:schemeClr val="accent1"/>
-          </a:fillRef>
-          <a:effectRef idx="0">
-            <a:schemeClr val="accent1"/>
-          </a:effectRef>
-          <a:fontRef idx="minor">
-            <a:schemeClr val="lt1"/>
-          </a:fontRef>
-        </p:style>
-        <p:txBody>
-          <a:bodyPr rtlCol="0" anchor="ctr"/>
-          <a:lstStyle/>
-          <a:p>
-            <a:pPr algn="ctr"/>
-            <a:endParaRPr lang="zh-CN" altLang="en-US"/>
-          </a:p>
-        </p:txBody>
-      </p:sp>
-      <p:sp>
-        <p:nvSpPr>
-          <p:cNvPr id="28" name="文本框 27">
-            <a:extLst>
-              <a:ext uri="{FF2B5EF4-FFF2-40B4-BE49-F238E27FC236}">
-                <a16:creationId xmlns:a16="http://schemas.microsoft.com/office/drawing/2014/main" id="{20A88BB4-9DAF-4864-A31B-795D685F4ECB}"/>
-              </a:ext>
-            </a:extLst>
-          </p:cNvPr>
-          <p:cNvSpPr txBox="1"/>
-          <p:nvPr/>
-        </p:nvSpPr>
-        <p:spPr>
-          <a:xfrm>
-            <a:off x="1436077" y="3891574"/>
-            <a:ext cx="2031325" cy="369332"/>
-          </a:xfrm>
-          <a:prstGeom prst="rect">
-            <a:avLst/>
-          </a:prstGeom>
-          <a:noFill/>
-        </p:spPr>
-        <p:txBody>
-          <a:bodyPr wrap="none" rtlCol="0">
-            <a:spAutoFit/>
-          </a:bodyPr>
-          <a:lstStyle/>
-          <a:p>
-            <a:r>
-              <a:rPr lang="zh-CN" altLang="en-US" dirty="0"/>
-              <a:t>如何展现动态过程</a:t>
-            </a:r>
-          </a:p>
-        </p:txBody>
-      </p:sp>
-      <p:sp>
-        <p:nvSpPr>
-          <p:cNvPr id="29" name="椭圆 28">
-            <a:extLst>
-              <a:ext uri="{FF2B5EF4-FFF2-40B4-BE49-F238E27FC236}">
-                <a16:creationId xmlns:a16="http://schemas.microsoft.com/office/drawing/2014/main" id="{2AE50369-04A3-484E-B2E1-FE99A0AEB38C}"/>
-              </a:ext>
-            </a:extLst>
-          </p:cNvPr>
-          <p:cNvSpPr/>
-          <p:nvPr/>
-        </p:nvSpPr>
-        <p:spPr>
-          <a:xfrm>
-            <a:off x="1246983" y="4014234"/>
-            <a:ext cx="118911" cy="124012"/>
-          </a:xfrm>
-          <a:prstGeom prst="ellipse">
-            <a:avLst/>
-          </a:prstGeom>
-          <a:solidFill>
-            <a:srgbClr val="F20000"/>
-          </a:solidFill>
-          <a:ln>
-            <a:solidFill>
-              <a:srgbClr val="FF0000"/>
-            </a:solidFill>
-          </a:ln>
-        </p:spPr>
-        <p:style>
-          <a:lnRef idx="2">
-            <a:schemeClr val="accent1">
-              <a:shade val="50000"/>
-            </a:schemeClr>
-          </a:lnRef>
-          <a:fillRef idx="1">
-            <a:schemeClr val="accent1"/>
-          </a:fillRef>
-          <a:effectRef idx="0">
-            <a:schemeClr val="accent1"/>
-          </a:effectRef>
-          <a:fontRef idx="minor">
-            <a:schemeClr val="lt1"/>
-          </a:fontRef>
-        </p:style>
-        <p:txBody>
-          <a:bodyPr rtlCol="0" anchor="ctr"/>
-          <a:lstStyle/>
-          <a:p>
-            <a:pPr algn="ctr"/>
-            <a:endParaRPr lang="zh-CN" altLang="en-US"/>
-          </a:p>
-        </p:txBody>
-      </p:sp>
-      <p:sp>
-        <p:nvSpPr>
-          <p:cNvPr id="31" name="流程图: 接点 30">
-            <a:extLst>
-              <a:ext uri="{FF2B5EF4-FFF2-40B4-BE49-F238E27FC236}">
-                <a16:creationId xmlns:a16="http://schemas.microsoft.com/office/drawing/2014/main" id="{33E12047-145C-493D-BAD0-D20783713498}"/>
-              </a:ext>
-            </a:extLst>
-          </p:cNvPr>
-          <p:cNvSpPr/>
-          <p:nvPr/>
-        </p:nvSpPr>
-        <p:spPr>
-          <a:xfrm>
-            <a:off x="1252439" y="148360"/>
-            <a:ext cx="108000" cy="108000"/>
-          </a:xfrm>
-          <a:prstGeom prst="flowChartConnector">
-            <a:avLst/>
-          </a:prstGeom>
-          <a:solidFill>
-            <a:srgbClr val="460009"/>
-          </a:solidFill>
-          <a:ln>
-            <a:solidFill>
-              <a:schemeClr val="bg1"/>
-            </a:solidFill>
-          </a:ln>
-        </p:spPr>
-        <p:style>
-          <a:lnRef idx="2">
-            <a:schemeClr val="accent1">
-              <a:shade val="50000"/>
-            </a:schemeClr>
-          </a:lnRef>
-          <a:fillRef idx="1">
-            <a:schemeClr val="accent1"/>
-          </a:fillRef>
-          <a:effectRef idx="0">
-            <a:schemeClr val="accent1"/>
-          </a:effectRef>
-          <a:fontRef idx="minor">
-            <a:schemeClr val="lt1"/>
-          </a:fontRef>
-        </p:style>
-        <p:txBody>
-          <a:bodyPr rtlCol="0" anchor="ctr"/>
-          <a:lstStyle/>
-          <a:p>
-            <a:pPr algn="ctr"/>
-            <a:endParaRPr lang="zh-CN" altLang="en-US"/>
-          </a:p>
-        </p:txBody>
-      </p:sp>
-    </p:spTree>
-    <p:extLst>
-      <p:ext uri="{BB962C8B-B14F-4D97-AF65-F5344CB8AC3E}">
-        <p14:creationId xmlns:p14="http://schemas.microsoft.com/office/powerpoint/2010/main" val="1228357192"/>
-      </p:ext>
-    </p:extLst>
-  </p:cSld>
-  <p:clrMapOvr>
-    <a:masterClrMapping/>
-  </p:clrMapOvr>
-</p:sld>
-</file>
-
-<file path=ppt/slides/slide12.xml><?xml version="1.0" encoding="utf-8"?>
-<p:sld xmlns:a="http://schemas.openxmlformats.org/drawingml/2006/main" xmlns:r="http://schemas.openxmlformats.org/officeDocument/2006/relationships" xmlns:p="http://schemas.openxmlformats.org/presentationml/2006/main">
-  <p:cSld>
-    <p:spTree>
-      <p:nvGrpSpPr>
-        <p:cNvPr id="1" name=""/>
-        <p:cNvGrpSpPr/>
-        <p:nvPr/>
-      </p:nvGrpSpPr>
-      <p:grpSpPr>
-        <a:xfrm>
-          <a:off x="0" y="0"/>
-          <a:ext cx="0" cy="0"/>
-          <a:chOff x="0" y="0"/>
-          <a:chExt cx="0" cy="0"/>
-        </a:xfrm>
-      </p:grpSpPr>
-      <p:sp>
-        <p:nvSpPr>
-          <p:cNvPr id="8" name="矩形 7">
-            <a:extLst>
-              <a:ext uri="{FF2B5EF4-FFF2-40B4-BE49-F238E27FC236}">
-                <a16:creationId xmlns:a16="http://schemas.microsoft.com/office/drawing/2014/main" id="{32EB45AD-92AE-4408-9CBB-C06719C8D796}"/>
-              </a:ext>
-            </a:extLst>
-          </p:cNvPr>
-          <p:cNvSpPr/>
-          <p:nvPr/>
-        </p:nvSpPr>
-        <p:spPr>
-          <a:xfrm>
-            <a:off x="0" y="392723"/>
-            <a:ext cx="12192000" cy="240323"/>
-          </a:xfrm>
-          <a:prstGeom prst="rect">
-            <a:avLst/>
-          </a:prstGeom>
-          <a:solidFill>
-            <a:srgbClr val="8B0012"/>
-          </a:solidFill>
-          <a:ln>
-            <a:solidFill>
-              <a:srgbClr val="FF0000"/>
-            </a:solidFill>
-          </a:ln>
-        </p:spPr>
-        <p:style>
-          <a:lnRef idx="2">
-            <a:schemeClr val="accent1">
-              <a:shade val="50000"/>
-            </a:schemeClr>
-          </a:lnRef>
-          <a:fillRef idx="1">
-            <a:schemeClr val="accent1"/>
-          </a:fillRef>
-          <a:effectRef idx="0">
-            <a:schemeClr val="accent1"/>
-          </a:effectRef>
-          <a:fontRef idx="minor">
-            <a:schemeClr val="lt1"/>
-          </a:fontRef>
-        </p:style>
-        <p:txBody>
-          <a:bodyPr rtlCol="0" anchor="ctr"/>
-          <a:lstStyle/>
-          <a:p>
-            <a:pPr algn="ctr"/>
-            <a:endParaRPr lang="zh-CN" altLang="en-US" dirty="0">
-              <a:solidFill>
-                <a:srgbClr val="FF0000"/>
-              </a:solidFill>
-            </a:endParaRPr>
-          </a:p>
-        </p:txBody>
-      </p:sp>
-      <p:sp>
-        <p:nvSpPr>
-          <p:cNvPr id="11" name="矩形 10">
-            <a:extLst>
-              <a:ext uri="{FF2B5EF4-FFF2-40B4-BE49-F238E27FC236}">
-                <a16:creationId xmlns:a16="http://schemas.microsoft.com/office/drawing/2014/main" id="{E8D42275-5595-47D9-9C97-E00572AB4926}"/>
-              </a:ext>
-            </a:extLst>
-          </p:cNvPr>
-          <p:cNvSpPr/>
-          <p:nvPr/>
-        </p:nvSpPr>
-        <p:spPr>
-          <a:xfrm>
-            <a:off x="0" y="6465277"/>
-            <a:ext cx="12192000" cy="392723"/>
-          </a:xfrm>
-          <a:prstGeom prst="rect">
-            <a:avLst/>
-          </a:prstGeom>
-          <a:solidFill>
-            <a:srgbClr val="460009"/>
-          </a:solidFill>
-          <a:ln>
-            <a:solidFill>
-              <a:srgbClr val="FF0000"/>
-            </a:solidFill>
-          </a:ln>
-        </p:spPr>
-        <p:style>
-          <a:lnRef idx="2">
-            <a:schemeClr val="accent1">
-              <a:shade val="50000"/>
-            </a:schemeClr>
-          </a:lnRef>
-          <a:fillRef idx="1">
-            <a:schemeClr val="accent1"/>
-          </a:fillRef>
-          <a:effectRef idx="0">
-            <a:schemeClr val="accent1"/>
-          </a:effectRef>
-          <a:fontRef idx="minor">
-            <a:schemeClr val="lt1"/>
-          </a:fontRef>
-        </p:style>
-        <p:txBody>
-          <a:bodyPr rtlCol="0" anchor="ctr"/>
-          <a:lstStyle/>
-          <a:p>
-            <a:r>
-              <a:rPr lang="en-US" altLang="zh-CN" i="1" dirty="0"/>
-              <a:t>Web</a:t>
-            </a:r>
-            <a:r>
-              <a:rPr lang="zh-CN" altLang="en-US" i="1" dirty="0"/>
-              <a:t>课程大作业 </a:t>
-            </a:r>
-            <a:r>
-              <a:rPr lang="en-US" altLang="zh-CN" i="1" dirty="0"/>
-              <a:t>—— </a:t>
-            </a:r>
-            <a:r>
-              <a:rPr lang="zh-CN" altLang="en-US" i="1" dirty="0"/>
-              <a:t>红黑树动态可视化</a:t>
-            </a:r>
-            <a:endParaRPr lang="zh-CN" altLang="en-US" sz="4400" i="1" dirty="0">
-              <a:solidFill>
-                <a:schemeClr val="bg1"/>
-              </a:solidFill>
-            </a:endParaRPr>
-          </a:p>
-        </p:txBody>
-      </p:sp>
-      <p:sp>
-        <p:nvSpPr>
-          <p:cNvPr id="12" name="矩形 11">
-            <a:extLst>
-              <a:ext uri="{FF2B5EF4-FFF2-40B4-BE49-F238E27FC236}">
-                <a16:creationId xmlns:a16="http://schemas.microsoft.com/office/drawing/2014/main" id="{80C30714-03B5-4511-B969-688166456E11}"/>
-              </a:ext>
-            </a:extLst>
-          </p:cNvPr>
-          <p:cNvSpPr/>
-          <p:nvPr/>
-        </p:nvSpPr>
-        <p:spPr>
-          <a:xfrm>
-            <a:off x="0" y="6230815"/>
-            <a:ext cx="12192000" cy="240323"/>
-          </a:xfrm>
-          <a:prstGeom prst="rect">
-            <a:avLst/>
-          </a:prstGeom>
-          <a:solidFill>
-            <a:srgbClr val="8B0012"/>
-          </a:solidFill>
-          <a:ln>
-            <a:solidFill>
-              <a:srgbClr val="FF0000"/>
-            </a:solidFill>
-          </a:ln>
-        </p:spPr>
-        <p:style>
-          <a:lnRef idx="2">
-            <a:schemeClr val="accent1">
-              <a:shade val="50000"/>
-            </a:schemeClr>
-          </a:lnRef>
-          <a:fillRef idx="1">
-            <a:schemeClr val="accent1"/>
-          </a:fillRef>
-          <a:effectRef idx="0">
-            <a:schemeClr val="accent1"/>
-          </a:effectRef>
-          <a:fontRef idx="minor">
-            <a:schemeClr val="lt1"/>
-          </a:fontRef>
-        </p:style>
-        <p:txBody>
-          <a:bodyPr rtlCol="0" anchor="ctr"/>
-          <a:lstStyle/>
-          <a:p>
-            <a:r>
-              <a:rPr lang="zh-CN" altLang="en-US" sz="1600" i="1" dirty="0">
-                <a:solidFill>
-                  <a:schemeClr val="bg1"/>
-                </a:solidFill>
-              </a:rPr>
-              <a:t>陈首翱</a:t>
-            </a:r>
-            <a:r>
-              <a:rPr lang="en-US" altLang="zh-CN" sz="1600" i="1" dirty="0">
-                <a:solidFill>
-                  <a:schemeClr val="bg1"/>
-                </a:solidFill>
-              </a:rPr>
-              <a:t> @ web</a:t>
-            </a:r>
-            <a:r>
-              <a:rPr lang="zh-CN" altLang="en-US" sz="1600" i="1" dirty="0">
-                <a:solidFill>
-                  <a:schemeClr val="bg1"/>
-                </a:solidFill>
-              </a:rPr>
-              <a:t>课程报告</a:t>
-            </a:r>
-            <a:r>
-              <a:rPr lang="en-US" altLang="zh-CN" sz="1600" i="1" dirty="0">
-                <a:solidFill>
-                  <a:schemeClr val="bg1"/>
-                </a:solidFill>
-              </a:rPr>
-              <a:t>      2021.12.23</a:t>
-            </a:r>
-            <a:endParaRPr lang="zh-CN" altLang="en-US" sz="1600" i="1" dirty="0">
-              <a:solidFill>
-                <a:schemeClr val="bg1"/>
-              </a:solidFill>
-            </a:endParaRPr>
-          </a:p>
-        </p:txBody>
-      </p:sp>
-      <p:sp>
-        <p:nvSpPr>
-          <p:cNvPr id="9" name="矩形 8">
-            <a:extLst>
-              <a:ext uri="{FF2B5EF4-FFF2-40B4-BE49-F238E27FC236}">
-                <a16:creationId xmlns:a16="http://schemas.microsoft.com/office/drawing/2014/main" id="{B1D2EC5C-5B12-4AC9-A47D-A1175AF0D104}"/>
-              </a:ext>
-            </a:extLst>
-          </p:cNvPr>
-          <p:cNvSpPr/>
-          <p:nvPr/>
-        </p:nvSpPr>
-        <p:spPr>
-          <a:xfrm>
-            <a:off x="0" y="627185"/>
-            <a:ext cx="12192000" cy="554892"/>
-          </a:xfrm>
-          <a:prstGeom prst="rect">
-            <a:avLst/>
-          </a:prstGeom>
-          <a:solidFill>
-            <a:srgbClr val="B53D3D"/>
-          </a:solidFill>
-          <a:ln>
-            <a:solidFill>
-              <a:srgbClr val="FF0000"/>
-            </a:solidFill>
-          </a:ln>
-        </p:spPr>
-        <p:style>
-          <a:lnRef idx="2">
-            <a:schemeClr val="accent1">
-              <a:shade val="50000"/>
-            </a:schemeClr>
-          </a:lnRef>
-          <a:fillRef idx="1">
-            <a:schemeClr val="accent1"/>
-          </a:fillRef>
-          <a:effectRef idx="0">
-            <a:schemeClr val="accent1"/>
-          </a:effectRef>
-          <a:fontRef idx="minor">
-            <a:schemeClr val="lt1"/>
-          </a:fontRef>
-        </p:style>
-        <p:txBody>
-          <a:bodyPr rtlCol="0" anchor="ctr"/>
-          <a:lstStyle/>
-          <a:p>
-            <a:r>
-              <a:rPr lang="zh-CN" altLang="en-US" i="1" dirty="0">
-                <a:solidFill>
-                  <a:schemeClr val="bg1"/>
-                </a:solidFill>
-              </a:rPr>
-              <a:t>看看效果</a:t>
-            </a:r>
-          </a:p>
-        </p:txBody>
-      </p:sp>
-      <p:sp>
-        <p:nvSpPr>
-          <p:cNvPr id="16" name="椭圆 15">
-            <a:extLst>
-              <a:ext uri="{FF2B5EF4-FFF2-40B4-BE49-F238E27FC236}">
-                <a16:creationId xmlns:a16="http://schemas.microsoft.com/office/drawing/2014/main" id="{45793BEF-F301-45E9-A457-B9841FD885D8}"/>
-              </a:ext>
-            </a:extLst>
-          </p:cNvPr>
-          <p:cNvSpPr/>
-          <p:nvPr/>
-        </p:nvSpPr>
-        <p:spPr>
-          <a:xfrm>
-            <a:off x="113553" y="143435"/>
-            <a:ext cx="95624" cy="103497"/>
-          </a:xfrm>
-          <a:prstGeom prst="ellipse">
-            <a:avLst/>
-          </a:prstGeom>
-          <a:solidFill>
-            <a:schemeClr val="bg1"/>
-          </a:solidFill>
-          <a:ln>
-            <a:solidFill>
-              <a:schemeClr val="bg1"/>
-            </a:solidFill>
-          </a:ln>
-        </p:spPr>
-        <p:style>
-          <a:lnRef idx="2">
-            <a:schemeClr val="accent1">
-              <a:shade val="50000"/>
-            </a:schemeClr>
-          </a:lnRef>
-          <a:fillRef idx="1">
-            <a:schemeClr val="accent1"/>
-          </a:fillRef>
-          <a:effectRef idx="0">
-            <a:schemeClr val="accent1"/>
-          </a:effectRef>
-          <a:fontRef idx="minor">
-            <a:schemeClr val="lt1"/>
-          </a:fontRef>
-        </p:style>
-        <p:txBody>
-          <a:bodyPr rtlCol="0" anchor="ctr"/>
-          <a:lstStyle/>
-          <a:p>
-            <a:pPr algn="ctr"/>
-            <a:endParaRPr lang="zh-CN" altLang="en-US"/>
-          </a:p>
-        </p:txBody>
-      </p:sp>
-      <p:sp>
-        <p:nvSpPr>
-          <p:cNvPr id="17" name="流程图: 接点 16">
-            <a:extLst>
-              <a:ext uri="{FF2B5EF4-FFF2-40B4-BE49-F238E27FC236}">
-                <a16:creationId xmlns:a16="http://schemas.microsoft.com/office/drawing/2014/main" id="{44E565C7-5B3A-4321-B035-0F3FA9387591}"/>
-              </a:ext>
-            </a:extLst>
-          </p:cNvPr>
-          <p:cNvSpPr/>
-          <p:nvPr/>
-        </p:nvSpPr>
-        <p:spPr>
-          <a:xfrm>
-            <a:off x="1639721" y="132323"/>
-            <a:ext cx="108000" cy="108000"/>
-          </a:xfrm>
-          <a:prstGeom prst="flowChartConnector">
-            <a:avLst/>
-          </a:prstGeom>
-          <a:solidFill>
-            <a:schemeClr val="bg1"/>
-          </a:solidFill>
-          <a:ln>
-            <a:solidFill>
-              <a:schemeClr val="bg1"/>
-            </a:solidFill>
-          </a:ln>
-        </p:spPr>
-        <p:style>
-          <a:lnRef idx="2">
-            <a:schemeClr val="accent1">
-              <a:shade val="50000"/>
-            </a:schemeClr>
-          </a:lnRef>
-          <a:fillRef idx="1">
-            <a:schemeClr val="accent1"/>
-          </a:fillRef>
-          <a:effectRef idx="0">
-            <a:schemeClr val="accent1"/>
-          </a:effectRef>
-          <a:fontRef idx="minor">
-            <a:schemeClr val="lt1"/>
-          </a:fontRef>
-        </p:style>
-        <p:txBody>
-          <a:bodyPr rtlCol="0" anchor="ctr"/>
-          <a:lstStyle/>
-          <a:p>
-            <a:pPr algn="ctr"/>
-            <a:endParaRPr lang="zh-CN" altLang="en-US"/>
-          </a:p>
-        </p:txBody>
-      </p:sp>
-      <p:sp>
-        <p:nvSpPr>
-          <p:cNvPr id="19" name="矩形 18">
-            <a:extLst>
-              <a:ext uri="{FF2B5EF4-FFF2-40B4-BE49-F238E27FC236}">
-                <a16:creationId xmlns:a16="http://schemas.microsoft.com/office/drawing/2014/main" id="{4B6E39CF-6CAF-4236-AEB5-94CD96D500A7}"/>
-              </a:ext>
-            </a:extLst>
-          </p:cNvPr>
-          <p:cNvSpPr/>
-          <p:nvPr/>
-        </p:nvSpPr>
-        <p:spPr>
-          <a:xfrm>
-            <a:off x="0" y="0"/>
-            <a:ext cx="12192000" cy="392723"/>
-          </a:xfrm>
-          <a:prstGeom prst="rect">
-            <a:avLst/>
-          </a:prstGeom>
-          <a:solidFill>
-            <a:srgbClr val="460009"/>
-          </a:solidFill>
-          <a:ln>
-            <a:solidFill>
-              <a:srgbClr val="FF0000"/>
-            </a:solidFill>
-          </a:ln>
-        </p:spPr>
-        <p:style>
-          <a:lnRef idx="2">
-            <a:schemeClr val="accent1">
-              <a:shade val="50000"/>
-            </a:schemeClr>
-          </a:lnRef>
-          <a:fillRef idx="1">
-            <a:schemeClr val="accent1"/>
-          </a:fillRef>
-          <a:effectRef idx="0">
-            <a:schemeClr val="accent1"/>
-          </a:effectRef>
-          <a:fontRef idx="minor">
-            <a:schemeClr val="lt1"/>
-          </a:fontRef>
-        </p:style>
-        <p:txBody>
-          <a:bodyPr rtlCol="0" anchor="ctr"/>
-          <a:lstStyle/>
-          <a:p>
-            <a:endParaRPr lang="zh-CN" altLang="en-US" sz="800" dirty="0">
-              <a:solidFill>
-                <a:schemeClr val="bg1"/>
-              </a:solidFill>
-            </a:endParaRPr>
-          </a:p>
-        </p:txBody>
-      </p:sp>
-      <p:sp>
-        <p:nvSpPr>
-          <p:cNvPr id="20" name="流程图: 接点 19">
-            <a:extLst>
-              <a:ext uri="{FF2B5EF4-FFF2-40B4-BE49-F238E27FC236}">
-                <a16:creationId xmlns:a16="http://schemas.microsoft.com/office/drawing/2014/main" id="{C922A49D-1977-4BE4-A52B-E120832E2CB6}"/>
-              </a:ext>
-            </a:extLst>
-          </p:cNvPr>
-          <p:cNvSpPr/>
-          <p:nvPr/>
-        </p:nvSpPr>
-        <p:spPr>
-          <a:xfrm>
-            <a:off x="214712" y="142362"/>
-            <a:ext cx="108000" cy="108000"/>
-          </a:xfrm>
-          <a:prstGeom prst="flowChartConnector">
-            <a:avLst/>
-          </a:prstGeom>
-          <a:solidFill>
-            <a:srgbClr val="460009"/>
-          </a:solidFill>
-          <a:ln>
-            <a:solidFill>
-              <a:schemeClr val="bg1"/>
-            </a:solidFill>
-          </a:ln>
-        </p:spPr>
-        <p:style>
-          <a:lnRef idx="2">
-            <a:schemeClr val="accent1">
-              <a:shade val="50000"/>
-            </a:schemeClr>
-          </a:lnRef>
-          <a:fillRef idx="1">
-            <a:schemeClr val="accent1"/>
-          </a:fillRef>
-          <a:effectRef idx="0">
-            <a:schemeClr val="accent1"/>
-          </a:effectRef>
-          <a:fontRef idx="minor">
-            <a:schemeClr val="lt1"/>
-          </a:fontRef>
-        </p:style>
-        <p:txBody>
-          <a:bodyPr rtlCol="0" anchor="ctr"/>
-          <a:lstStyle/>
-          <a:p>
-            <a:pPr algn="ctr"/>
-            <a:endParaRPr lang="zh-CN" altLang="en-US"/>
-          </a:p>
-        </p:txBody>
-      </p:sp>
-      <p:sp>
-        <p:nvSpPr>
-          <p:cNvPr id="21" name="流程图: 接点 20">
-            <a:extLst>
-              <a:ext uri="{FF2B5EF4-FFF2-40B4-BE49-F238E27FC236}">
-                <a16:creationId xmlns:a16="http://schemas.microsoft.com/office/drawing/2014/main" id="{0E0FFAE2-C28B-4B9A-80AB-528CC75DAE7C}"/>
-              </a:ext>
-            </a:extLst>
-          </p:cNvPr>
-          <p:cNvSpPr/>
-          <p:nvPr/>
-        </p:nvSpPr>
-        <p:spPr>
-          <a:xfrm>
-            <a:off x="362312" y="142361"/>
-            <a:ext cx="108000" cy="108000"/>
-          </a:xfrm>
-          <a:prstGeom prst="flowChartConnector">
-            <a:avLst/>
-          </a:prstGeom>
-          <a:solidFill>
-            <a:srgbClr val="460009"/>
-          </a:solidFill>
-          <a:ln>
-            <a:solidFill>
-              <a:schemeClr val="bg1"/>
-            </a:solidFill>
-          </a:ln>
-        </p:spPr>
-        <p:style>
-          <a:lnRef idx="2">
-            <a:schemeClr val="accent1">
-              <a:shade val="50000"/>
-            </a:schemeClr>
-          </a:lnRef>
-          <a:fillRef idx="1">
-            <a:schemeClr val="accent1"/>
-          </a:fillRef>
-          <a:effectRef idx="0">
-            <a:schemeClr val="accent1"/>
-          </a:effectRef>
-          <a:fontRef idx="minor">
-            <a:schemeClr val="lt1"/>
-          </a:fontRef>
-        </p:style>
-        <p:txBody>
-          <a:bodyPr rtlCol="0" anchor="ctr"/>
-          <a:lstStyle/>
-          <a:p>
-            <a:pPr algn="ctr"/>
-            <a:endParaRPr lang="zh-CN" altLang="en-US"/>
-          </a:p>
-        </p:txBody>
-      </p:sp>
-      <p:sp>
-        <p:nvSpPr>
-          <p:cNvPr id="22" name="流程图: 接点 21">
-            <a:extLst>
-              <a:ext uri="{FF2B5EF4-FFF2-40B4-BE49-F238E27FC236}">
-                <a16:creationId xmlns:a16="http://schemas.microsoft.com/office/drawing/2014/main" id="{6486184B-9DFF-4A00-A61F-011E1DF81DA7}"/>
-              </a:ext>
-            </a:extLst>
-          </p:cNvPr>
-          <p:cNvSpPr/>
-          <p:nvPr/>
-        </p:nvSpPr>
-        <p:spPr>
-          <a:xfrm>
-            <a:off x="509912" y="142361"/>
-            <a:ext cx="108000" cy="108000"/>
-          </a:xfrm>
-          <a:prstGeom prst="flowChartConnector">
-            <a:avLst/>
-          </a:prstGeom>
-          <a:solidFill>
-            <a:srgbClr val="460009"/>
-          </a:solidFill>
-          <a:ln>
-            <a:solidFill>
-              <a:schemeClr val="bg1"/>
-            </a:solidFill>
-          </a:ln>
-        </p:spPr>
-        <p:style>
-          <a:lnRef idx="2">
-            <a:schemeClr val="accent1">
-              <a:shade val="50000"/>
-            </a:schemeClr>
-          </a:lnRef>
-          <a:fillRef idx="1">
-            <a:schemeClr val="accent1"/>
-          </a:fillRef>
-          <a:effectRef idx="0">
-            <a:schemeClr val="accent1"/>
-          </a:effectRef>
-          <a:fontRef idx="minor">
-            <a:schemeClr val="lt1"/>
-          </a:fontRef>
-        </p:style>
-        <p:txBody>
-          <a:bodyPr rtlCol="0" anchor="ctr"/>
-          <a:lstStyle/>
-          <a:p>
-            <a:pPr algn="ctr"/>
-            <a:endParaRPr lang="zh-CN" altLang="en-US"/>
-          </a:p>
-        </p:txBody>
-      </p:sp>
-      <p:sp>
-        <p:nvSpPr>
-          <p:cNvPr id="23" name="流程图: 接点 22">
-            <a:extLst>
-              <a:ext uri="{FF2B5EF4-FFF2-40B4-BE49-F238E27FC236}">
-                <a16:creationId xmlns:a16="http://schemas.microsoft.com/office/drawing/2014/main" id="{9F77FCE4-D267-4F13-8889-7608F4820003}"/>
-              </a:ext>
-            </a:extLst>
-          </p:cNvPr>
-          <p:cNvSpPr/>
-          <p:nvPr/>
-        </p:nvSpPr>
-        <p:spPr>
-          <a:xfrm>
-            <a:off x="657512" y="142361"/>
-            <a:ext cx="108000" cy="108000"/>
-          </a:xfrm>
-          <a:prstGeom prst="flowChartConnector">
-            <a:avLst/>
-          </a:prstGeom>
-          <a:solidFill>
-            <a:srgbClr val="460009"/>
-          </a:solidFill>
-          <a:ln>
-            <a:solidFill>
-              <a:schemeClr val="bg1"/>
-            </a:solidFill>
-          </a:ln>
-        </p:spPr>
-        <p:style>
-          <a:lnRef idx="2">
-            <a:schemeClr val="accent1">
-              <a:shade val="50000"/>
-            </a:schemeClr>
-          </a:lnRef>
-          <a:fillRef idx="1">
-            <a:schemeClr val="accent1"/>
-          </a:fillRef>
-          <a:effectRef idx="0">
-            <a:schemeClr val="accent1"/>
-          </a:effectRef>
-          <a:fontRef idx="minor">
-            <a:schemeClr val="lt1"/>
-          </a:fontRef>
-        </p:style>
-        <p:txBody>
-          <a:bodyPr rtlCol="0" anchor="ctr"/>
-          <a:lstStyle/>
-          <a:p>
-            <a:pPr algn="ctr"/>
-            <a:endParaRPr lang="zh-CN" altLang="en-US"/>
-          </a:p>
-        </p:txBody>
-      </p:sp>
-      <p:sp>
-        <p:nvSpPr>
-          <p:cNvPr id="24" name="流程图: 接点 23">
-            <a:extLst>
-              <a:ext uri="{FF2B5EF4-FFF2-40B4-BE49-F238E27FC236}">
-                <a16:creationId xmlns:a16="http://schemas.microsoft.com/office/drawing/2014/main" id="{43F7E76C-F362-45D9-A2F4-06B6171F2BCB}"/>
-              </a:ext>
-            </a:extLst>
-          </p:cNvPr>
-          <p:cNvSpPr/>
-          <p:nvPr/>
-        </p:nvSpPr>
-        <p:spPr>
-          <a:xfrm>
-            <a:off x="805112" y="142361"/>
-            <a:ext cx="108000" cy="108000"/>
-          </a:xfrm>
-          <a:prstGeom prst="flowChartConnector">
-            <a:avLst/>
-          </a:prstGeom>
-          <a:solidFill>
-            <a:srgbClr val="460009"/>
-          </a:solidFill>
-          <a:ln>
-            <a:solidFill>
-              <a:schemeClr val="bg1"/>
-            </a:solidFill>
-          </a:ln>
-        </p:spPr>
-        <p:style>
-          <a:lnRef idx="2">
-            <a:schemeClr val="accent1">
-              <a:shade val="50000"/>
-            </a:schemeClr>
-          </a:lnRef>
-          <a:fillRef idx="1">
-            <a:schemeClr val="accent1"/>
-          </a:fillRef>
-          <a:effectRef idx="0">
-            <a:schemeClr val="accent1"/>
-          </a:effectRef>
-          <a:fontRef idx="minor">
-            <a:schemeClr val="lt1"/>
-          </a:fontRef>
-        </p:style>
-        <p:txBody>
-          <a:bodyPr rtlCol="0" anchor="ctr"/>
-          <a:lstStyle/>
-          <a:p>
-            <a:pPr algn="ctr"/>
-            <a:endParaRPr lang="zh-CN" altLang="en-US"/>
-          </a:p>
-        </p:txBody>
-      </p:sp>
-      <p:sp>
-        <p:nvSpPr>
-          <p:cNvPr id="25" name="流程图: 接点 24">
-            <a:extLst>
-              <a:ext uri="{FF2B5EF4-FFF2-40B4-BE49-F238E27FC236}">
-                <a16:creationId xmlns:a16="http://schemas.microsoft.com/office/drawing/2014/main" id="{10233A9F-47D8-45DE-AC24-15B71EC0669C}"/>
-              </a:ext>
-            </a:extLst>
-          </p:cNvPr>
-          <p:cNvSpPr/>
-          <p:nvPr/>
-        </p:nvSpPr>
-        <p:spPr>
-          <a:xfrm>
-            <a:off x="952712" y="142361"/>
-            <a:ext cx="108000" cy="108000"/>
-          </a:xfrm>
-          <a:prstGeom prst="flowChartConnector">
-            <a:avLst/>
-          </a:prstGeom>
-          <a:solidFill>
-            <a:srgbClr val="460009"/>
-          </a:solidFill>
-          <a:ln>
-            <a:solidFill>
-              <a:schemeClr val="bg1"/>
-            </a:solidFill>
-          </a:ln>
-        </p:spPr>
-        <p:style>
-          <a:lnRef idx="2">
-            <a:schemeClr val="accent1">
-              <a:shade val="50000"/>
-            </a:schemeClr>
-          </a:lnRef>
-          <a:fillRef idx="1">
-            <a:schemeClr val="accent1"/>
-          </a:fillRef>
-          <a:effectRef idx="0">
-            <a:schemeClr val="accent1"/>
-          </a:effectRef>
-          <a:fontRef idx="minor">
-            <a:schemeClr val="lt1"/>
-          </a:fontRef>
-        </p:style>
-        <p:txBody>
-          <a:bodyPr rtlCol="0" anchor="ctr"/>
-          <a:lstStyle/>
-          <a:p>
-            <a:pPr algn="ctr"/>
-            <a:endParaRPr lang="zh-CN" altLang="en-US"/>
-          </a:p>
-        </p:txBody>
-      </p:sp>
-      <p:sp>
-        <p:nvSpPr>
-          <p:cNvPr id="26" name="流程图: 接点 25">
-            <a:extLst>
-              <a:ext uri="{FF2B5EF4-FFF2-40B4-BE49-F238E27FC236}">
-                <a16:creationId xmlns:a16="http://schemas.microsoft.com/office/drawing/2014/main" id="{101452D9-E881-44E7-9A25-EB3B700FFAFD}"/>
-              </a:ext>
-            </a:extLst>
-          </p:cNvPr>
-          <p:cNvSpPr/>
-          <p:nvPr/>
-        </p:nvSpPr>
-        <p:spPr>
-          <a:xfrm>
-            <a:off x="1100312" y="142361"/>
-            <a:ext cx="108000" cy="108000"/>
-          </a:xfrm>
-          <a:prstGeom prst="flowChartConnector">
-            <a:avLst/>
-          </a:prstGeom>
-          <a:solidFill>
-            <a:schemeClr val="bg1"/>
-          </a:solidFill>
-          <a:ln>
-            <a:solidFill>
-              <a:schemeClr val="bg1"/>
-            </a:solidFill>
-          </a:ln>
-        </p:spPr>
-        <p:style>
-          <a:lnRef idx="2">
-            <a:schemeClr val="accent1">
-              <a:shade val="50000"/>
-            </a:schemeClr>
-          </a:lnRef>
-          <a:fillRef idx="1">
-            <a:schemeClr val="accent1"/>
-          </a:fillRef>
-          <a:effectRef idx="0">
-            <a:schemeClr val="accent1"/>
-          </a:effectRef>
-          <a:fontRef idx="minor">
-            <a:schemeClr val="lt1"/>
-          </a:fontRef>
-        </p:style>
-        <p:txBody>
-          <a:bodyPr rtlCol="0" anchor="ctr"/>
-          <a:lstStyle/>
-          <a:p>
-            <a:pPr algn="ctr"/>
-            <a:endParaRPr lang="zh-CN" altLang="en-US"/>
-          </a:p>
-        </p:txBody>
-      </p:sp>
-      <p:sp>
-        <p:nvSpPr>
-          <p:cNvPr id="30" name="矩形 29">
-            <a:extLst>
-              <a:ext uri="{FF2B5EF4-FFF2-40B4-BE49-F238E27FC236}">
-                <a16:creationId xmlns:a16="http://schemas.microsoft.com/office/drawing/2014/main" id="{D361DD08-75CE-43CE-9174-74442FDECBCA}"/>
-              </a:ext>
-            </a:extLst>
-          </p:cNvPr>
-          <p:cNvSpPr/>
-          <p:nvPr/>
-        </p:nvSpPr>
-        <p:spPr>
-          <a:xfrm>
-            <a:off x="1055077" y="2033953"/>
-            <a:ext cx="140677" cy="93785"/>
-          </a:xfrm>
-          <a:prstGeom prst="rect">
-            <a:avLst/>
-          </a:prstGeom>
-          <a:solidFill>
-            <a:srgbClr val="BA385D"/>
-          </a:solidFill>
-          <a:ln>
-            <a:solidFill>
-              <a:srgbClr val="BA385D"/>
-            </a:solidFill>
-          </a:ln>
-        </p:spPr>
-        <p:style>
-          <a:lnRef idx="2">
-            <a:schemeClr val="accent1">
-              <a:shade val="50000"/>
-            </a:schemeClr>
-          </a:lnRef>
-          <a:fillRef idx="1">
-            <a:schemeClr val="accent1"/>
-          </a:fillRef>
-          <a:effectRef idx="0">
-            <a:schemeClr val="accent1"/>
-          </a:effectRef>
-          <a:fontRef idx="minor">
-            <a:schemeClr val="lt1"/>
-          </a:fontRef>
-        </p:style>
-        <p:txBody>
-          <a:bodyPr rtlCol="0" anchor="ctr"/>
-          <a:lstStyle/>
-          <a:p>
-            <a:pPr algn="ctr"/>
-            <a:endParaRPr lang="zh-CN" altLang="en-US"/>
-          </a:p>
-        </p:txBody>
-      </p:sp>
-      <p:sp>
-        <p:nvSpPr>
-          <p:cNvPr id="32" name="文本框 31">
-            <a:extLst>
-              <a:ext uri="{FF2B5EF4-FFF2-40B4-BE49-F238E27FC236}">
-                <a16:creationId xmlns:a16="http://schemas.microsoft.com/office/drawing/2014/main" id="{FF297D70-9930-4C01-83A6-C50DABE9CA18}"/>
-              </a:ext>
-            </a:extLst>
-          </p:cNvPr>
-          <p:cNvSpPr txBox="1"/>
-          <p:nvPr/>
-        </p:nvSpPr>
-        <p:spPr>
-          <a:xfrm>
-            <a:off x="1306439" y="1896179"/>
-            <a:ext cx="1107996" cy="369332"/>
-          </a:xfrm>
-          <a:prstGeom prst="rect">
-            <a:avLst/>
-          </a:prstGeom>
-          <a:noFill/>
-        </p:spPr>
-        <p:txBody>
-          <a:bodyPr wrap="none" rtlCol="0">
-            <a:spAutoFit/>
-          </a:bodyPr>
-          <a:lstStyle/>
-          <a:p>
-            <a:r>
-              <a:rPr lang="zh-CN" altLang="en-US" dirty="0"/>
-              <a:t>运行运行</a:t>
-            </a:r>
-          </a:p>
-        </p:txBody>
-      </p:sp>
-      <p:sp>
-        <p:nvSpPr>
-          <p:cNvPr id="18" name="流程图: 接点 17">
-            <a:extLst>
-              <a:ext uri="{FF2B5EF4-FFF2-40B4-BE49-F238E27FC236}">
-                <a16:creationId xmlns:a16="http://schemas.microsoft.com/office/drawing/2014/main" id="{DFADD29A-2A27-424B-9BB8-D9279598C31A}"/>
-              </a:ext>
-            </a:extLst>
-          </p:cNvPr>
-          <p:cNvSpPr/>
-          <p:nvPr/>
-        </p:nvSpPr>
-        <p:spPr>
-          <a:xfrm>
-            <a:off x="1252439" y="148360"/>
-            <a:ext cx="108000" cy="108000"/>
-          </a:xfrm>
-          <a:prstGeom prst="flowChartConnector">
-            <a:avLst/>
-          </a:prstGeom>
-          <a:solidFill>
-            <a:srgbClr val="460009"/>
-          </a:solidFill>
-          <a:ln>
-            <a:solidFill>
-              <a:schemeClr val="bg1"/>
-            </a:solidFill>
-          </a:ln>
-        </p:spPr>
-        <p:style>
-          <a:lnRef idx="2">
-            <a:schemeClr val="accent1">
-              <a:shade val="50000"/>
-            </a:schemeClr>
-          </a:lnRef>
-          <a:fillRef idx="1">
-            <a:schemeClr val="accent1"/>
-          </a:fillRef>
-          <a:effectRef idx="0">
-            <a:schemeClr val="accent1"/>
-          </a:effectRef>
-          <a:fontRef idx="minor">
-            <a:schemeClr val="lt1"/>
-          </a:fontRef>
-        </p:style>
-        <p:txBody>
-          <a:bodyPr rtlCol="0" anchor="ctr"/>
-          <a:lstStyle/>
-          <a:p>
-            <a:pPr algn="ctr"/>
-            <a:endParaRPr lang="zh-CN" altLang="en-US"/>
-          </a:p>
-        </p:txBody>
-      </p:sp>
-    </p:spTree>
-    <p:extLst>
-      <p:ext uri="{BB962C8B-B14F-4D97-AF65-F5344CB8AC3E}">
-        <p14:creationId xmlns:p14="http://schemas.microsoft.com/office/powerpoint/2010/main" val="3763345913"/>
-      </p:ext>
-    </p:extLst>
-  </p:cSld>
-  <p:clrMapOvr>
-    <a:masterClrMapping/>
-  </p:clrMapOvr>
-</p:sld>
-</file>
-
-<file path=ppt/slides/slide13.xml><?xml version="1.0" encoding="utf-8"?>
-<p:sld xmlns:a="http://schemas.openxmlformats.org/drawingml/2006/main" xmlns:r="http://schemas.openxmlformats.org/officeDocument/2006/relationships" xmlns:p="http://schemas.openxmlformats.org/presentationml/2006/main">
-  <p:cSld>
-    <p:spTree>
-      <p:nvGrpSpPr>
-        <p:cNvPr id="1" name=""/>
-        <p:cNvGrpSpPr/>
-        <p:nvPr/>
-      </p:nvGrpSpPr>
-      <p:grpSpPr>
-        <a:xfrm>
-          <a:off x="0" y="0"/>
-          <a:ext cx="0" cy="0"/>
-          <a:chOff x="0" y="0"/>
-          <a:chExt cx="0" cy="0"/>
-        </a:xfrm>
-      </p:grpSpPr>
-      <p:sp>
-        <p:nvSpPr>
-          <p:cNvPr id="8" name="矩形 7">
-            <a:extLst>
-              <a:ext uri="{FF2B5EF4-FFF2-40B4-BE49-F238E27FC236}">
-                <a16:creationId xmlns:a16="http://schemas.microsoft.com/office/drawing/2014/main" id="{32EB45AD-92AE-4408-9CBB-C06719C8D796}"/>
-              </a:ext>
-            </a:extLst>
-          </p:cNvPr>
-          <p:cNvSpPr/>
-          <p:nvPr/>
-        </p:nvSpPr>
-        <p:spPr>
-          <a:xfrm>
-            <a:off x="0" y="392723"/>
-            <a:ext cx="12192000" cy="240323"/>
-          </a:xfrm>
-          <a:prstGeom prst="rect">
-            <a:avLst/>
-          </a:prstGeom>
-          <a:solidFill>
-            <a:srgbClr val="8B0012"/>
-          </a:solidFill>
-          <a:ln>
-            <a:solidFill>
-              <a:srgbClr val="FF0000"/>
-            </a:solidFill>
-          </a:ln>
-        </p:spPr>
-        <p:style>
-          <a:lnRef idx="2">
-            <a:schemeClr val="accent1">
-              <a:shade val="50000"/>
-            </a:schemeClr>
-          </a:lnRef>
-          <a:fillRef idx="1">
-            <a:schemeClr val="accent1"/>
-          </a:fillRef>
-          <a:effectRef idx="0">
-            <a:schemeClr val="accent1"/>
-          </a:effectRef>
-          <a:fontRef idx="minor">
-            <a:schemeClr val="lt1"/>
-          </a:fontRef>
-        </p:style>
-        <p:txBody>
-          <a:bodyPr rtlCol="0" anchor="ctr"/>
-          <a:lstStyle/>
-          <a:p>
-            <a:pPr algn="ctr"/>
-            <a:endParaRPr lang="zh-CN" altLang="en-US" dirty="0">
-              <a:solidFill>
-                <a:srgbClr val="FF0000"/>
-              </a:solidFill>
-            </a:endParaRPr>
-          </a:p>
-        </p:txBody>
-      </p:sp>
-      <p:sp>
-        <p:nvSpPr>
-          <p:cNvPr id="11" name="矩形 10">
-            <a:extLst>
-              <a:ext uri="{FF2B5EF4-FFF2-40B4-BE49-F238E27FC236}">
-                <a16:creationId xmlns:a16="http://schemas.microsoft.com/office/drawing/2014/main" id="{E8D42275-5595-47D9-9C97-E00572AB4926}"/>
-              </a:ext>
-            </a:extLst>
-          </p:cNvPr>
-          <p:cNvSpPr/>
-          <p:nvPr/>
-        </p:nvSpPr>
-        <p:spPr>
-          <a:xfrm>
-            <a:off x="0" y="6465277"/>
-            <a:ext cx="12192000" cy="392723"/>
-          </a:xfrm>
-          <a:prstGeom prst="rect">
-            <a:avLst/>
-          </a:prstGeom>
-          <a:solidFill>
-            <a:srgbClr val="460009"/>
-          </a:solidFill>
-          <a:ln>
-            <a:solidFill>
-              <a:srgbClr val="FF0000"/>
-            </a:solidFill>
-          </a:ln>
-        </p:spPr>
-        <p:style>
-          <a:lnRef idx="2">
-            <a:schemeClr val="accent1">
-              <a:shade val="50000"/>
-            </a:schemeClr>
-          </a:lnRef>
-          <a:fillRef idx="1">
-            <a:schemeClr val="accent1"/>
-          </a:fillRef>
-          <a:effectRef idx="0">
-            <a:schemeClr val="accent1"/>
-          </a:effectRef>
-          <a:fontRef idx="minor">
-            <a:schemeClr val="lt1"/>
-          </a:fontRef>
-        </p:style>
-        <p:txBody>
-          <a:bodyPr rtlCol="0" anchor="ctr"/>
-          <a:lstStyle/>
-          <a:p>
-            <a:r>
-              <a:rPr lang="en-US" altLang="zh-CN" i="1" dirty="0"/>
-              <a:t>Web</a:t>
-            </a:r>
-            <a:r>
-              <a:rPr lang="zh-CN" altLang="en-US" i="1" dirty="0"/>
-              <a:t>课程大作业 </a:t>
-            </a:r>
-            <a:r>
-              <a:rPr lang="en-US" altLang="zh-CN" i="1" dirty="0"/>
-              <a:t>—— </a:t>
-            </a:r>
-            <a:r>
-              <a:rPr lang="zh-CN" altLang="en-US" i="1" dirty="0"/>
-              <a:t>红黑树动态可视化</a:t>
-            </a:r>
-            <a:endParaRPr lang="zh-CN" altLang="en-US" sz="4400" i="1" dirty="0">
-              <a:solidFill>
-                <a:schemeClr val="bg1"/>
-              </a:solidFill>
-            </a:endParaRPr>
-          </a:p>
-        </p:txBody>
-      </p:sp>
-      <p:sp>
-        <p:nvSpPr>
-          <p:cNvPr id="12" name="矩形 11">
-            <a:extLst>
-              <a:ext uri="{FF2B5EF4-FFF2-40B4-BE49-F238E27FC236}">
-                <a16:creationId xmlns:a16="http://schemas.microsoft.com/office/drawing/2014/main" id="{80C30714-03B5-4511-B969-688166456E11}"/>
-              </a:ext>
-            </a:extLst>
-          </p:cNvPr>
-          <p:cNvSpPr/>
-          <p:nvPr/>
-        </p:nvSpPr>
-        <p:spPr>
-          <a:xfrm>
-            <a:off x="0" y="6230815"/>
-            <a:ext cx="12192000" cy="240323"/>
-          </a:xfrm>
-          <a:prstGeom prst="rect">
-            <a:avLst/>
-          </a:prstGeom>
-          <a:solidFill>
-            <a:srgbClr val="8B0012"/>
-          </a:solidFill>
-          <a:ln>
-            <a:solidFill>
-              <a:srgbClr val="FF0000"/>
-            </a:solidFill>
-          </a:ln>
-        </p:spPr>
-        <p:style>
-          <a:lnRef idx="2">
-            <a:schemeClr val="accent1">
-              <a:shade val="50000"/>
-            </a:schemeClr>
-          </a:lnRef>
-          <a:fillRef idx="1">
-            <a:schemeClr val="accent1"/>
-          </a:fillRef>
-          <a:effectRef idx="0">
-            <a:schemeClr val="accent1"/>
-          </a:effectRef>
-          <a:fontRef idx="minor">
-            <a:schemeClr val="lt1"/>
-          </a:fontRef>
-        </p:style>
-        <p:txBody>
-          <a:bodyPr rtlCol="0" anchor="ctr"/>
-          <a:lstStyle/>
-          <a:p>
-            <a:r>
-              <a:rPr lang="zh-CN" altLang="en-US" sz="1600" i="1" dirty="0">
-                <a:solidFill>
-                  <a:schemeClr val="bg1"/>
-                </a:solidFill>
-              </a:rPr>
-              <a:t>陈首翱</a:t>
-            </a:r>
-            <a:r>
-              <a:rPr lang="en-US" altLang="zh-CN" sz="1600" i="1" dirty="0">
-                <a:solidFill>
-                  <a:schemeClr val="bg1"/>
-                </a:solidFill>
-              </a:rPr>
-              <a:t> @ web</a:t>
-            </a:r>
-            <a:r>
-              <a:rPr lang="zh-CN" altLang="en-US" sz="1600" i="1" dirty="0">
-                <a:solidFill>
-                  <a:schemeClr val="bg1"/>
-                </a:solidFill>
-              </a:rPr>
-              <a:t>课程报告</a:t>
-            </a:r>
-            <a:r>
-              <a:rPr lang="en-US" altLang="zh-CN" sz="1600" i="1" dirty="0">
-                <a:solidFill>
-                  <a:schemeClr val="bg1"/>
-                </a:solidFill>
-              </a:rPr>
-              <a:t>      2021.12.23</a:t>
-            </a:r>
-            <a:endParaRPr lang="zh-CN" altLang="en-US" sz="1600" i="1" dirty="0">
-              <a:solidFill>
-                <a:schemeClr val="bg1"/>
-              </a:solidFill>
-            </a:endParaRPr>
-          </a:p>
-        </p:txBody>
-      </p:sp>
-      <p:sp>
-        <p:nvSpPr>
-          <p:cNvPr id="9" name="矩形 8">
-            <a:extLst>
-              <a:ext uri="{FF2B5EF4-FFF2-40B4-BE49-F238E27FC236}">
-                <a16:creationId xmlns:a16="http://schemas.microsoft.com/office/drawing/2014/main" id="{B1D2EC5C-5B12-4AC9-A47D-A1175AF0D104}"/>
-              </a:ext>
-            </a:extLst>
-          </p:cNvPr>
-          <p:cNvSpPr/>
-          <p:nvPr/>
-        </p:nvSpPr>
-        <p:spPr>
-          <a:xfrm>
-            <a:off x="0" y="627185"/>
-            <a:ext cx="12192000" cy="554892"/>
-          </a:xfrm>
-          <a:prstGeom prst="rect">
-            <a:avLst/>
-          </a:prstGeom>
-          <a:solidFill>
-            <a:srgbClr val="B53D3D"/>
-          </a:solidFill>
-          <a:ln>
-            <a:solidFill>
-              <a:srgbClr val="FF0000"/>
-            </a:solidFill>
-          </a:ln>
-        </p:spPr>
-        <p:style>
-          <a:lnRef idx="2">
-            <a:schemeClr val="accent1">
-              <a:shade val="50000"/>
-            </a:schemeClr>
-          </a:lnRef>
-          <a:fillRef idx="1">
-            <a:schemeClr val="accent1"/>
-          </a:fillRef>
-          <a:effectRef idx="0">
-            <a:schemeClr val="accent1"/>
-          </a:effectRef>
-          <a:fontRef idx="minor">
-            <a:schemeClr val="lt1"/>
-          </a:fontRef>
-        </p:style>
-        <p:txBody>
-          <a:bodyPr rtlCol="0" anchor="ctr"/>
-          <a:lstStyle/>
-          <a:p>
-            <a:r>
-              <a:rPr lang="zh-CN" altLang="en-US" i="1" dirty="0">
-                <a:solidFill>
-                  <a:schemeClr val="bg1"/>
-                </a:solidFill>
-              </a:rPr>
               <a:t>总结</a:t>
             </a:r>
           </a:p>
@@ -14238,384 +10952,6 @@
       </p:sp>
       <p:sp>
         <p:nvSpPr>
-          <p:cNvPr id="20" name="流程图: 接点 19">
-            <a:extLst>
-              <a:ext uri="{FF2B5EF4-FFF2-40B4-BE49-F238E27FC236}">
-                <a16:creationId xmlns:a16="http://schemas.microsoft.com/office/drawing/2014/main" id="{C922A49D-1977-4BE4-A52B-E120832E2CB6}"/>
-              </a:ext>
-            </a:extLst>
-          </p:cNvPr>
-          <p:cNvSpPr/>
-          <p:nvPr/>
-        </p:nvSpPr>
-        <p:spPr>
-          <a:xfrm>
-            <a:off x="214712" y="142362"/>
-            <a:ext cx="108000" cy="108000"/>
-          </a:xfrm>
-          <a:prstGeom prst="flowChartConnector">
-            <a:avLst/>
-          </a:prstGeom>
-          <a:solidFill>
-            <a:srgbClr val="460009"/>
-          </a:solidFill>
-          <a:ln>
-            <a:solidFill>
-              <a:schemeClr val="bg1"/>
-            </a:solidFill>
-          </a:ln>
-        </p:spPr>
-        <p:style>
-          <a:lnRef idx="2">
-            <a:schemeClr val="accent1">
-              <a:shade val="50000"/>
-            </a:schemeClr>
-          </a:lnRef>
-          <a:fillRef idx="1">
-            <a:schemeClr val="accent1"/>
-          </a:fillRef>
-          <a:effectRef idx="0">
-            <a:schemeClr val="accent1"/>
-          </a:effectRef>
-          <a:fontRef idx="minor">
-            <a:schemeClr val="lt1"/>
-          </a:fontRef>
-        </p:style>
-        <p:txBody>
-          <a:bodyPr rtlCol="0" anchor="ctr"/>
-          <a:lstStyle/>
-          <a:p>
-            <a:pPr algn="ctr"/>
-            <a:endParaRPr lang="zh-CN" altLang="en-US"/>
-          </a:p>
-        </p:txBody>
-      </p:sp>
-      <p:sp>
-        <p:nvSpPr>
-          <p:cNvPr id="21" name="流程图: 接点 20">
-            <a:extLst>
-              <a:ext uri="{FF2B5EF4-FFF2-40B4-BE49-F238E27FC236}">
-                <a16:creationId xmlns:a16="http://schemas.microsoft.com/office/drawing/2014/main" id="{0E0FFAE2-C28B-4B9A-80AB-528CC75DAE7C}"/>
-              </a:ext>
-            </a:extLst>
-          </p:cNvPr>
-          <p:cNvSpPr/>
-          <p:nvPr/>
-        </p:nvSpPr>
-        <p:spPr>
-          <a:xfrm>
-            <a:off x="362312" y="142361"/>
-            <a:ext cx="108000" cy="108000"/>
-          </a:xfrm>
-          <a:prstGeom prst="flowChartConnector">
-            <a:avLst/>
-          </a:prstGeom>
-          <a:solidFill>
-            <a:srgbClr val="460009"/>
-          </a:solidFill>
-          <a:ln>
-            <a:solidFill>
-              <a:schemeClr val="bg1"/>
-            </a:solidFill>
-          </a:ln>
-        </p:spPr>
-        <p:style>
-          <a:lnRef idx="2">
-            <a:schemeClr val="accent1">
-              <a:shade val="50000"/>
-            </a:schemeClr>
-          </a:lnRef>
-          <a:fillRef idx="1">
-            <a:schemeClr val="accent1"/>
-          </a:fillRef>
-          <a:effectRef idx="0">
-            <a:schemeClr val="accent1"/>
-          </a:effectRef>
-          <a:fontRef idx="minor">
-            <a:schemeClr val="lt1"/>
-          </a:fontRef>
-        </p:style>
-        <p:txBody>
-          <a:bodyPr rtlCol="0" anchor="ctr"/>
-          <a:lstStyle/>
-          <a:p>
-            <a:pPr algn="ctr"/>
-            <a:endParaRPr lang="zh-CN" altLang="en-US"/>
-          </a:p>
-        </p:txBody>
-      </p:sp>
-      <p:sp>
-        <p:nvSpPr>
-          <p:cNvPr id="22" name="流程图: 接点 21">
-            <a:extLst>
-              <a:ext uri="{FF2B5EF4-FFF2-40B4-BE49-F238E27FC236}">
-                <a16:creationId xmlns:a16="http://schemas.microsoft.com/office/drawing/2014/main" id="{6486184B-9DFF-4A00-A61F-011E1DF81DA7}"/>
-              </a:ext>
-            </a:extLst>
-          </p:cNvPr>
-          <p:cNvSpPr/>
-          <p:nvPr/>
-        </p:nvSpPr>
-        <p:spPr>
-          <a:xfrm>
-            <a:off x="509912" y="142361"/>
-            <a:ext cx="108000" cy="108000"/>
-          </a:xfrm>
-          <a:prstGeom prst="flowChartConnector">
-            <a:avLst/>
-          </a:prstGeom>
-          <a:solidFill>
-            <a:srgbClr val="460009"/>
-          </a:solidFill>
-          <a:ln>
-            <a:solidFill>
-              <a:schemeClr val="bg1"/>
-            </a:solidFill>
-          </a:ln>
-        </p:spPr>
-        <p:style>
-          <a:lnRef idx="2">
-            <a:schemeClr val="accent1">
-              <a:shade val="50000"/>
-            </a:schemeClr>
-          </a:lnRef>
-          <a:fillRef idx="1">
-            <a:schemeClr val="accent1"/>
-          </a:fillRef>
-          <a:effectRef idx="0">
-            <a:schemeClr val="accent1"/>
-          </a:effectRef>
-          <a:fontRef idx="minor">
-            <a:schemeClr val="lt1"/>
-          </a:fontRef>
-        </p:style>
-        <p:txBody>
-          <a:bodyPr rtlCol="0" anchor="ctr"/>
-          <a:lstStyle/>
-          <a:p>
-            <a:pPr algn="ctr"/>
-            <a:endParaRPr lang="zh-CN" altLang="en-US"/>
-          </a:p>
-        </p:txBody>
-      </p:sp>
-      <p:sp>
-        <p:nvSpPr>
-          <p:cNvPr id="23" name="流程图: 接点 22">
-            <a:extLst>
-              <a:ext uri="{FF2B5EF4-FFF2-40B4-BE49-F238E27FC236}">
-                <a16:creationId xmlns:a16="http://schemas.microsoft.com/office/drawing/2014/main" id="{9F77FCE4-D267-4F13-8889-7608F4820003}"/>
-              </a:ext>
-            </a:extLst>
-          </p:cNvPr>
-          <p:cNvSpPr/>
-          <p:nvPr/>
-        </p:nvSpPr>
-        <p:spPr>
-          <a:xfrm>
-            <a:off x="657512" y="142361"/>
-            <a:ext cx="108000" cy="108000"/>
-          </a:xfrm>
-          <a:prstGeom prst="flowChartConnector">
-            <a:avLst/>
-          </a:prstGeom>
-          <a:solidFill>
-            <a:srgbClr val="460009"/>
-          </a:solidFill>
-          <a:ln>
-            <a:solidFill>
-              <a:schemeClr val="bg1"/>
-            </a:solidFill>
-          </a:ln>
-        </p:spPr>
-        <p:style>
-          <a:lnRef idx="2">
-            <a:schemeClr val="accent1">
-              <a:shade val="50000"/>
-            </a:schemeClr>
-          </a:lnRef>
-          <a:fillRef idx="1">
-            <a:schemeClr val="accent1"/>
-          </a:fillRef>
-          <a:effectRef idx="0">
-            <a:schemeClr val="accent1"/>
-          </a:effectRef>
-          <a:fontRef idx="minor">
-            <a:schemeClr val="lt1"/>
-          </a:fontRef>
-        </p:style>
-        <p:txBody>
-          <a:bodyPr rtlCol="0" anchor="ctr"/>
-          <a:lstStyle/>
-          <a:p>
-            <a:pPr algn="ctr"/>
-            <a:endParaRPr lang="zh-CN" altLang="en-US"/>
-          </a:p>
-        </p:txBody>
-      </p:sp>
-      <p:sp>
-        <p:nvSpPr>
-          <p:cNvPr id="24" name="流程图: 接点 23">
-            <a:extLst>
-              <a:ext uri="{FF2B5EF4-FFF2-40B4-BE49-F238E27FC236}">
-                <a16:creationId xmlns:a16="http://schemas.microsoft.com/office/drawing/2014/main" id="{43F7E76C-F362-45D9-A2F4-06B6171F2BCB}"/>
-              </a:ext>
-            </a:extLst>
-          </p:cNvPr>
-          <p:cNvSpPr/>
-          <p:nvPr/>
-        </p:nvSpPr>
-        <p:spPr>
-          <a:xfrm>
-            <a:off x="805112" y="142361"/>
-            <a:ext cx="108000" cy="108000"/>
-          </a:xfrm>
-          <a:prstGeom prst="flowChartConnector">
-            <a:avLst/>
-          </a:prstGeom>
-          <a:solidFill>
-            <a:schemeClr val="bg1"/>
-          </a:solidFill>
-          <a:ln>
-            <a:solidFill>
-              <a:schemeClr val="bg1"/>
-            </a:solidFill>
-          </a:ln>
-        </p:spPr>
-        <p:style>
-          <a:lnRef idx="2">
-            <a:schemeClr val="accent1">
-              <a:shade val="50000"/>
-            </a:schemeClr>
-          </a:lnRef>
-          <a:fillRef idx="1">
-            <a:schemeClr val="accent1"/>
-          </a:fillRef>
-          <a:effectRef idx="0">
-            <a:schemeClr val="accent1"/>
-          </a:effectRef>
-          <a:fontRef idx="minor">
-            <a:schemeClr val="lt1"/>
-          </a:fontRef>
-        </p:style>
-        <p:txBody>
-          <a:bodyPr rtlCol="0" anchor="ctr"/>
-          <a:lstStyle/>
-          <a:p>
-            <a:pPr algn="ctr"/>
-            <a:endParaRPr lang="zh-CN" altLang="en-US"/>
-          </a:p>
-        </p:txBody>
-      </p:sp>
-      <p:sp>
-        <p:nvSpPr>
-          <p:cNvPr id="25" name="流程图: 接点 24">
-            <a:extLst>
-              <a:ext uri="{FF2B5EF4-FFF2-40B4-BE49-F238E27FC236}">
-                <a16:creationId xmlns:a16="http://schemas.microsoft.com/office/drawing/2014/main" id="{10233A9F-47D8-45DE-AC24-15B71EC0669C}"/>
-              </a:ext>
-            </a:extLst>
-          </p:cNvPr>
-          <p:cNvSpPr/>
-          <p:nvPr/>
-        </p:nvSpPr>
-        <p:spPr>
-          <a:xfrm>
-            <a:off x="952712" y="142361"/>
-            <a:ext cx="108000" cy="108000"/>
-          </a:xfrm>
-          <a:prstGeom prst="flowChartConnector">
-            <a:avLst/>
-          </a:prstGeom>
-          <a:solidFill>
-            <a:srgbClr val="460009"/>
-          </a:solidFill>
-          <a:ln>
-            <a:solidFill>
-              <a:schemeClr val="bg1"/>
-            </a:solidFill>
-          </a:ln>
-        </p:spPr>
-        <p:style>
-          <a:lnRef idx="2">
-            <a:schemeClr val="accent1">
-              <a:shade val="50000"/>
-            </a:schemeClr>
-          </a:lnRef>
-          <a:fillRef idx="1">
-            <a:schemeClr val="accent1"/>
-          </a:fillRef>
-          <a:effectRef idx="0">
-            <a:schemeClr val="accent1"/>
-          </a:effectRef>
-          <a:fontRef idx="minor">
-            <a:schemeClr val="lt1"/>
-          </a:fontRef>
-        </p:style>
-        <p:txBody>
-          <a:bodyPr rtlCol="0" anchor="ctr"/>
-          <a:lstStyle/>
-          <a:p>
-            <a:pPr algn="ctr"/>
-            <a:endParaRPr lang="zh-CN" altLang="en-US"/>
-          </a:p>
-        </p:txBody>
-      </p:sp>
-      <p:sp>
-        <p:nvSpPr>
-          <p:cNvPr id="26" name="流程图: 接点 25">
-            <a:extLst>
-              <a:ext uri="{FF2B5EF4-FFF2-40B4-BE49-F238E27FC236}">
-                <a16:creationId xmlns:a16="http://schemas.microsoft.com/office/drawing/2014/main" id="{101452D9-E881-44E7-9A25-EB3B700FFAFD}"/>
-              </a:ext>
-            </a:extLst>
-          </p:cNvPr>
-          <p:cNvSpPr/>
-          <p:nvPr/>
-        </p:nvSpPr>
-        <p:spPr>
-          <a:xfrm>
-            <a:off x="1100312" y="142361"/>
-            <a:ext cx="108000" cy="108000"/>
-          </a:xfrm>
-          <a:prstGeom prst="flowChartConnector">
-            <a:avLst/>
-          </a:prstGeom>
-          <a:solidFill>
-            <a:srgbClr val="460009"/>
-          </a:solidFill>
-          <a:ln>
-            <a:solidFill>
-              <a:schemeClr val="bg1"/>
-            </a:solidFill>
-          </a:ln>
-        </p:spPr>
-        <p:style>
-          <a:lnRef idx="2">
-            <a:schemeClr val="accent1">
-              <a:shade val="50000"/>
-            </a:schemeClr>
-          </a:lnRef>
-          <a:fillRef idx="1">
-            <a:schemeClr val="accent1"/>
-          </a:fillRef>
-          <a:effectRef idx="0">
-            <a:schemeClr val="accent1"/>
-          </a:effectRef>
-          <a:fontRef idx="minor">
-            <a:schemeClr val="lt1"/>
-          </a:fontRef>
-        </p:style>
-        <p:txBody>
-          <a:bodyPr rtlCol="0" anchor="ctr"/>
-          <a:lstStyle/>
-          <a:p>
-            <a:pPr algn="ctr"/>
-            <a:endParaRPr lang="zh-CN" altLang="en-US"/>
-          </a:p>
-        </p:txBody>
-      </p:sp>
-      <p:sp>
-        <p:nvSpPr>
           <p:cNvPr id="30" name="矩形 29">
             <a:extLst>
               <a:ext uri="{FF2B5EF4-FFF2-40B4-BE49-F238E27FC236}">
@@ -14683,7 +11019,7 @@
         <p:spPr>
           <a:xfrm>
             <a:off x="1306439" y="1896179"/>
-            <a:ext cx="1107996" cy="369332"/>
+            <a:ext cx="2438488" cy="369332"/>
           </a:xfrm>
           <a:prstGeom prst="rect">
             <a:avLst/>
@@ -14697,8 +11033,12 @@
           <a:lstStyle/>
           <a:p>
             <a:r>
+              <a:rPr lang="en-US" altLang="zh-CN" dirty="0"/>
+              <a:t>Js</a:t>
+            </a:r>
+            <a:r>
               <a:rPr lang="zh-CN" altLang="en-US" dirty="0"/>
-              <a:t>主题框架</a:t>
+              <a:t>的页面设计逻辑结构</a:t>
             </a:r>
           </a:p>
         </p:txBody>
@@ -14807,10 +11147,485 @@
       </p:sp>
       <p:sp>
         <p:nvSpPr>
-          <p:cNvPr id="27" name="流程图: 接点 26">
-            <a:extLst>
-              <a:ext uri="{FF2B5EF4-FFF2-40B4-BE49-F238E27FC236}">
-                <a16:creationId xmlns:a16="http://schemas.microsoft.com/office/drawing/2014/main" id="{32FD8E71-8F9C-454E-843F-6B53F89AECC2}"/>
+          <p:cNvPr id="28" name="流程图: 接点 27">
+            <a:extLst>
+              <a:ext uri="{FF2B5EF4-FFF2-40B4-BE49-F238E27FC236}">
+                <a16:creationId xmlns:a16="http://schemas.microsoft.com/office/drawing/2014/main" id="{F276F7A7-82B0-4835-9886-B944E361C2E5}"/>
+              </a:ext>
+            </a:extLst>
+          </p:cNvPr>
+          <p:cNvSpPr/>
+          <p:nvPr/>
+        </p:nvSpPr>
+        <p:spPr>
+          <a:xfrm>
+            <a:off x="214712" y="142362"/>
+            <a:ext cx="108000" cy="108000"/>
+          </a:xfrm>
+          <a:prstGeom prst="flowChartConnector">
+            <a:avLst/>
+          </a:prstGeom>
+          <a:solidFill>
+            <a:srgbClr val="460009"/>
+          </a:solidFill>
+          <a:ln>
+            <a:solidFill>
+              <a:schemeClr val="bg1"/>
+            </a:solidFill>
+          </a:ln>
+        </p:spPr>
+        <p:style>
+          <a:lnRef idx="2">
+            <a:schemeClr val="accent1">
+              <a:shade val="50000"/>
+            </a:schemeClr>
+          </a:lnRef>
+          <a:fillRef idx="1">
+            <a:schemeClr val="accent1"/>
+          </a:fillRef>
+          <a:effectRef idx="0">
+            <a:schemeClr val="accent1"/>
+          </a:effectRef>
+          <a:fontRef idx="minor">
+            <a:schemeClr val="lt1"/>
+          </a:fontRef>
+        </p:style>
+        <p:txBody>
+          <a:bodyPr rtlCol="0" anchor="ctr"/>
+          <a:lstStyle/>
+          <a:p>
+            <a:pPr algn="ctr"/>
+            <a:endParaRPr lang="zh-CN" altLang="en-US"/>
+          </a:p>
+        </p:txBody>
+      </p:sp>
+      <p:sp>
+        <p:nvSpPr>
+          <p:cNvPr id="29" name="流程图: 接点 28">
+            <a:extLst>
+              <a:ext uri="{FF2B5EF4-FFF2-40B4-BE49-F238E27FC236}">
+                <a16:creationId xmlns:a16="http://schemas.microsoft.com/office/drawing/2014/main" id="{A16E8F3C-05E3-4EC8-AFC2-472E75F45832}"/>
+              </a:ext>
+            </a:extLst>
+          </p:cNvPr>
+          <p:cNvSpPr/>
+          <p:nvPr/>
+        </p:nvSpPr>
+        <p:spPr>
+          <a:xfrm>
+            <a:off x="362312" y="142361"/>
+            <a:ext cx="108000" cy="108000"/>
+          </a:xfrm>
+          <a:prstGeom prst="flowChartConnector">
+            <a:avLst/>
+          </a:prstGeom>
+          <a:solidFill>
+            <a:srgbClr val="460009"/>
+          </a:solidFill>
+          <a:ln>
+            <a:solidFill>
+              <a:schemeClr val="bg1"/>
+            </a:solidFill>
+          </a:ln>
+        </p:spPr>
+        <p:style>
+          <a:lnRef idx="2">
+            <a:schemeClr val="accent1">
+              <a:shade val="50000"/>
+            </a:schemeClr>
+          </a:lnRef>
+          <a:fillRef idx="1">
+            <a:schemeClr val="accent1"/>
+          </a:fillRef>
+          <a:effectRef idx="0">
+            <a:schemeClr val="accent1"/>
+          </a:effectRef>
+          <a:fontRef idx="minor">
+            <a:schemeClr val="lt1"/>
+          </a:fontRef>
+        </p:style>
+        <p:txBody>
+          <a:bodyPr rtlCol="0" anchor="ctr"/>
+          <a:lstStyle/>
+          <a:p>
+            <a:pPr algn="ctr"/>
+            <a:endParaRPr lang="zh-CN" altLang="en-US"/>
+          </a:p>
+        </p:txBody>
+      </p:sp>
+      <p:sp>
+        <p:nvSpPr>
+          <p:cNvPr id="31" name="流程图: 接点 30">
+            <a:extLst>
+              <a:ext uri="{FF2B5EF4-FFF2-40B4-BE49-F238E27FC236}">
+                <a16:creationId xmlns:a16="http://schemas.microsoft.com/office/drawing/2014/main" id="{771F0D80-353C-43B8-A438-95DF7049F2D9}"/>
+              </a:ext>
+            </a:extLst>
+          </p:cNvPr>
+          <p:cNvSpPr/>
+          <p:nvPr/>
+        </p:nvSpPr>
+        <p:spPr>
+          <a:xfrm>
+            <a:off x="509912" y="142361"/>
+            <a:ext cx="108000" cy="108000"/>
+          </a:xfrm>
+          <a:prstGeom prst="flowChartConnector">
+            <a:avLst/>
+          </a:prstGeom>
+          <a:solidFill>
+            <a:srgbClr val="460009"/>
+          </a:solidFill>
+          <a:ln>
+            <a:solidFill>
+              <a:schemeClr val="bg1"/>
+            </a:solidFill>
+          </a:ln>
+        </p:spPr>
+        <p:style>
+          <a:lnRef idx="2">
+            <a:schemeClr val="accent1">
+              <a:shade val="50000"/>
+            </a:schemeClr>
+          </a:lnRef>
+          <a:fillRef idx="1">
+            <a:schemeClr val="accent1"/>
+          </a:fillRef>
+          <a:effectRef idx="0">
+            <a:schemeClr val="accent1"/>
+          </a:effectRef>
+          <a:fontRef idx="minor">
+            <a:schemeClr val="lt1"/>
+          </a:fontRef>
+        </p:style>
+        <p:txBody>
+          <a:bodyPr rtlCol="0" anchor="ctr"/>
+          <a:lstStyle/>
+          <a:p>
+            <a:pPr algn="ctr"/>
+            <a:endParaRPr lang="zh-CN" altLang="en-US"/>
+          </a:p>
+        </p:txBody>
+      </p:sp>
+      <p:sp>
+        <p:nvSpPr>
+          <p:cNvPr id="33" name="流程图: 接点 32">
+            <a:extLst>
+              <a:ext uri="{FF2B5EF4-FFF2-40B4-BE49-F238E27FC236}">
+                <a16:creationId xmlns:a16="http://schemas.microsoft.com/office/drawing/2014/main" id="{40CAE780-E626-4D37-9AAA-29E0AF3E3FAC}"/>
+              </a:ext>
+            </a:extLst>
+          </p:cNvPr>
+          <p:cNvSpPr/>
+          <p:nvPr/>
+        </p:nvSpPr>
+        <p:spPr>
+          <a:xfrm>
+            <a:off x="657512" y="142361"/>
+            <a:ext cx="108000" cy="108000"/>
+          </a:xfrm>
+          <a:prstGeom prst="flowChartConnector">
+            <a:avLst/>
+          </a:prstGeom>
+          <a:solidFill>
+            <a:srgbClr val="460009"/>
+          </a:solidFill>
+          <a:ln>
+            <a:solidFill>
+              <a:schemeClr val="bg1"/>
+            </a:solidFill>
+          </a:ln>
+        </p:spPr>
+        <p:style>
+          <a:lnRef idx="2">
+            <a:schemeClr val="accent1">
+              <a:shade val="50000"/>
+            </a:schemeClr>
+          </a:lnRef>
+          <a:fillRef idx="1">
+            <a:schemeClr val="accent1"/>
+          </a:fillRef>
+          <a:effectRef idx="0">
+            <a:schemeClr val="accent1"/>
+          </a:effectRef>
+          <a:fontRef idx="minor">
+            <a:schemeClr val="lt1"/>
+          </a:fontRef>
+        </p:style>
+        <p:txBody>
+          <a:bodyPr rtlCol="0" anchor="ctr"/>
+          <a:lstStyle/>
+          <a:p>
+            <a:pPr algn="ctr"/>
+            <a:endParaRPr lang="zh-CN" altLang="en-US"/>
+          </a:p>
+        </p:txBody>
+      </p:sp>
+      <p:sp>
+        <p:nvSpPr>
+          <p:cNvPr id="34" name="流程图: 接点 33">
+            <a:extLst>
+              <a:ext uri="{FF2B5EF4-FFF2-40B4-BE49-F238E27FC236}">
+                <a16:creationId xmlns:a16="http://schemas.microsoft.com/office/drawing/2014/main" id="{49DEA7F0-50FC-4ABD-9925-C563569E2FED}"/>
+              </a:ext>
+            </a:extLst>
+          </p:cNvPr>
+          <p:cNvSpPr/>
+          <p:nvPr/>
+        </p:nvSpPr>
+        <p:spPr>
+          <a:xfrm>
+            <a:off x="805112" y="142361"/>
+            <a:ext cx="108000" cy="108000"/>
+          </a:xfrm>
+          <a:prstGeom prst="flowChartConnector">
+            <a:avLst/>
+          </a:prstGeom>
+          <a:solidFill>
+            <a:schemeClr val="bg1"/>
+          </a:solidFill>
+          <a:ln>
+            <a:solidFill>
+              <a:schemeClr val="bg1"/>
+            </a:solidFill>
+          </a:ln>
+        </p:spPr>
+        <p:style>
+          <a:lnRef idx="2">
+            <a:schemeClr val="accent1">
+              <a:shade val="50000"/>
+            </a:schemeClr>
+          </a:lnRef>
+          <a:fillRef idx="1">
+            <a:schemeClr val="accent1"/>
+          </a:fillRef>
+          <a:effectRef idx="0">
+            <a:schemeClr val="accent1"/>
+          </a:effectRef>
+          <a:fontRef idx="minor">
+            <a:schemeClr val="lt1"/>
+          </a:fontRef>
+        </p:style>
+        <p:txBody>
+          <a:bodyPr rtlCol="0" anchor="ctr"/>
+          <a:lstStyle/>
+          <a:p>
+            <a:pPr algn="ctr"/>
+            <a:endParaRPr lang="zh-CN" altLang="en-US"/>
+          </a:p>
+        </p:txBody>
+      </p:sp>
+      <p:sp>
+        <p:nvSpPr>
+          <p:cNvPr id="35" name="流程图: 接点 34">
+            <a:extLst>
+              <a:ext uri="{FF2B5EF4-FFF2-40B4-BE49-F238E27FC236}">
+                <a16:creationId xmlns:a16="http://schemas.microsoft.com/office/drawing/2014/main" id="{2AF15F04-50EF-4C93-B9B7-82DA324649DD}"/>
+              </a:ext>
+            </a:extLst>
+          </p:cNvPr>
+          <p:cNvSpPr/>
+          <p:nvPr/>
+        </p:nvSpPr>
+        <p:spPr>
+          <a:xfrm>
+            <a:off x="952712" y="142361"/>
+            <a:ext cx="108000" cy="108000"/>
+          </a:xfrm>
+          <a:prstGeom prst="flowChartConnector">
+            <a:avLst/>
+          </a:prstGeom>
+          <a:solidFill>
+            <a:srgbClr val="460009"/>
+          </a:solidFill>
+          <a:ln>
+            <a:solidFill>
+              <a:schemeClr val="bg1"/>
+            </a:solidFill>
+          </a:ln>
+        </p:spPr>
+        <p:style>
+          <a:lnRef idx="2">
+            <a:schemeClr val="accent1">
+              <a:shade val="50000"/>
+            </a:schemeClr>
+          </a:lnRef>
+          <a:fillRef idx="1">
+            <a:schemeClr val="accent1"/>
+          </a:fillRef>
+          <a:effectRef idx="0">
+            <a:schemeClr val="accent1"/>
+          </a:effectRef>
+          <a:fontRef idx="minor">
+            <a:schemeClr val="lt1"/>
+          </a:fontRef>
+        </p:style>
+        <p:txBody>
+          <a:bodyPr rtlCol="0" anchor="ctr"/>
+          <a:lstStyle/>
+          <a:p>
+            <a:pPr algn="ctr"/>
+            <a:endParaRPr lang="zh-CN" altLang="en-US"/>
+          </a:p>
+        </p:txBody>
+      </p:sp>
+      <p:sp>
+        <p:nvSpPr>
+          <p:cNvPr id="36" name="流程图: 接点 35">
+            <a:extLst>
+              <a:ext uri="{FF2B5EF4-FFF2-40B4-BE49-F238E27FC236}">
+                <a16:creationId xmlns:a16="http://schemas.microsoft.com/office/drawing/2014/main" id="{7C9966BE-9BBD-4F93-8913-05243C4D1617}"/>
+              </a:ext>
+            </a:extLst>
+          </p:cNvPr>
+          <p:cNvSpPr/>
+          <p:nvPr/>
+        </p:nvSpPr>
+        <p:spPr>
+          <a:xfrm>
+            <a:off x="1100312" y="142361"/>
+            <a:ext cx="108000" cy="108000"/>
+          </a:xfrm>
+          <a:prstGeom prst="flowChartConnector">
+            <a:avLst/>
+          </a:prstGeom>
+          <a:solidFill>
+            <a:srgbClr val="460009"/>
+          </a:solidFill>
+          <a:ln>
+            <a:solidFill>
+              <a:schemeClr val="bg1"/>
+            </a:solidFill>
+          </a:ln>
+        </p:spPr>
+        <p:style>
+          <a:lnRef idx="2">
+            <a:schemeClr val="accent1">
+              <a:shade val="50000"/>
+            </a:schemeClr>
+          </a:lnRef>
+          <a:fillRef idx="1">
+            <a:schemeClr val="accent1"/>
+          </a:fillRef>
+          <a:effectRef idx="0">
+            <a:schemeClr val="accent1"/>
+          </a:effectRef>
+          <a:fontRef idx="minor">
+            <a:schemeClr val="lt1"/>
+          </a:fontRef>
+        </p:style>
+        <p:txBody>
+          <a:bodyPr rtlCol="0" anchor="ctr"/>
+          <a:lstStyle/>
+          <a:p>
+            <a:pPr algn="ctr"/>
+            <a:endParaRPr lang="zh-CN" altLang="en-US"/>
+          </a:p>
+        </p:txBody>
+      </p:sp>
+      <p:sp>
+        <p:nvSpPr>
+          <p:cNvPr id="37" name="矩形 36">
+            <a:extLst>
+              <a:ext uri="{FF2B5EF4-FFF2-40B4-BE49-F238E27FC236}">
+                <a16:creationId xmlns:a16="http://schemas.microsoft.com/office/drawing/2014/main" id="{899FC5A0-E6CD-45E7-B9D0-2F5211F3C5C1}"/>
+              </a:ext>
+            </a:extLst>
+          </p:cNvPr>
+          <p:cNvSpPr/>
+          <p:nvPr/>
+        </p:nvSpPr>
+        <p:spPr>
+          <a:xfrm>
+            <a:off x="1055077" y="5299099"/>
+            <a:ext cx="140677" cy="93785"/>
+          </a:xfrm>
+          <a:prstGeom prst="rect">
+            <a:avLst/>
+          </a:prstGeom>
+          <a:solidFill>
+            <a:srgbClr val="BA385D"/>
+          </a:solidFill>
+          <a:ln>
+            <a:solidFill>
+              <a:srgbClr val="BA385D"/>
+            </a:solidFill>
+          </a:ln>
+        </p:spPr>
+        <p:style>
+          <a:lnRef idx="2">
+            <a:schemeClr val="accent1">
+              <a:shade val="50000"/>
+            </a:schemeClr>
+          </a:lnRef>
+          <a:fillRef idx="1">
+            <a:schemeClr val="accent1"/>
+          </a:fillRef>
+          <a:effectRef idx="0">
+            <a:schemeClr val="accent1"/>
+          </a:effectRef>
+          <a:fontRef idx="minor">
+            <a:schemeClr val="lt1"/>
+          </a:fontRef>
+        </p:style>
+        <p:txBody>
+          <a:bodyPr rtlCol="0" anchor="ctr"/>
+          <a:lstStyle/>
+          <a:p>
+            <a:pPr algn="ctr"/>
+            <a:endParaRPr lang="zh-CN" altLang="en-US"/>
+          </a:p>
+        </p:txBody>
+      </p:sp>
+      <p:sp>
+        <p:nvSpPr>
+          <p:cNvPr id="38" name="文本框 37">
+            <a:extLst>
+              <a:ext uri="{FF2B5EF4-FFF2-40B4-BE49-F238E27FC236}">
+                <a16:creationId xmlns:a16="http://schemas.microsoft.com/office/drawing/2014/main" id="{91B50A33-D94F-42F1-A465-FCEF1B3BAF10}"/>
+              </a:ext>
+            </a:extLst>
+          </p:cNvPr>
+          <p:cNvSpPr txBox="1"/>
+          <p:nvPr/>
+        </p:nvSpPr>
+        <p:spPr>
+          <a:xfrm>
+            <a:off x="1306439" y="5161325"/>
+            <a:ext cx="4464684" cy="369332"/>
+          </a:xfrm>
+          <a:prstGeom prst="rect">
+            <a:avLst/>
+          </a:prstGeom>
+          <a:noFill/>
+        </p:spPr>
+        <p:txBody>
+          <a:bodyPr wrap="none" rtlCol="0">
+            <a:spAutoFit/>
+          </a:bodyPr>
+          <a:lstStyle/>
+          <a:p>
+            <a:r>
+              <a:rPr lang="zh-CN" altLang="en-US" dirty="0"/>
+              <a:t>红黑树类的编写 </a:t>
+            </a:r>
+            <a:r>
+              <a:rPr lang="en-US" altLang="zh-CN" dirty="0"/>
+              <a:t>—— </a:t>
+            </a:r>
+            <a:r>
+              <a:rPr lang="zh-CN" altLang="en-US" dirty="0"/>
+              <a:t>就是模拟红黑树插入</a:t>
+            </a:r>
+          </a:p>
+        </p:txBody>
+      </p:sp>
+      <p:sp>
+        <p:nvSpPr>
+          <p:cNvPr id="39" name="流程图: 接点 38">
+            <a:extLst>
+              <a:ext uri="{FF2B5EF4-FFF2-40B4-BE49-F238E27FC236}">
+                <a16:creationId xmlns:a16="http://schemas.microsoft.com/office/drawing/2014/main" id="{CA80E80C-9836-4420-AE80-51403CCD3CA8}"/>
               </a:ext>
             </a:extLst>
           </p:cNvPr>
@@ -14862,7 +11677,7 @@
     </p:spTree>
     <p:extLst>
       <p:ext uri="{BB962C8B-B14F-4D97-AF65-F5344CB8AC3E}">
-        <p14:creationId xmlns:p14="http://schemas.microsoft.com/office/powerpoint/2010/main" val="3176039743"/>
+        <p14:creationId xmlns:p14="http://schemas.microsoft.com/office/powerpoint/2010/main" val="2099992834"/>
       </p:ext>
     </p:extLst>
   </p:cSld>
@@ -15432,7 +12247,7 @@
         <p:spPr>
           <a:xfrm>
             <a:off x="1306439" y="1896179"/>
-            <a:ext cx="2438488" cy="369332"/>
+            <a:ext cx="4414991" cy="369332"/>
           </a:xfrm>
           <a:prstGeom prst="rect">
             <a:avLst/>
@@ -15446,12 +12261,24 @@
           <a:lstStyle/>
           <a:p>
             <a:r>
+              <a:rPr lang="zh-CN" altLang="en-US" dirty="0"/>
+              <a:t>关于</a:t>
+            </a:r>
+            <a:r>
+              <a:rPr lang="en-US" altLang="zh-CN" dirty="0" err="1"/>
+              <a:t>setTimeout</a:t>
+            </a:r>
+            <a:r>
+              <a:rPr lang="zh-CN" altLang="en-US" dirty="0"/>
+              <a:t>的异步 </a:t>
+            </a:r>
+            <a:r>
               <a:rPr lang="en-US" altLang="zh-CN" dirty="0"/>
-              <a:t>Js</a:t>
+              <a:t>—— </a:t>
             </a:r>
             <a:r>
               <a:rPr lang="zh-CN" altLang="en-US" dirty="0"/>
-              <a:t>的页面设计逻辑结构</a:t>
+              <a:t>上课老师讲的</a:t>
             </a:r>
           </a:p>
         </p:txBody>
@@ -15471,7 +12298,7 @@
         <p:spPr>
           <a:xfrm>
             <a:off x="1306439" y="2683434"/>
-            <a:ext cx="8500949" cy="1754326"/>
+            <a:ext cx="8500949" cy="2862322"/>
           </a:xfrm>
           <a:prstGeom prst="rect">
             <a:avLst/>
@@ -15485,67 +12312,54 @@
           <a:lstStyle/>
           <a:p>
             <a:r>
+              <a:rPr lang="zh-CN" altLang="en-US" dirty="0"/>
+              <a:t>同步和异步操作的区别就是是否阻碍后续代码的执行。</a:t>
+            </a:r>
+          </a:p>
+          <a:p>
+            <a:r>
+              <a:rPr lang="zh-CN" altLang="en-US" dirty="0"/>
+              <a:t>同步任务是那些没有被引擎挂起、在主线程上排队执行的任务。只有前一个任务执行完毕，才能执行后一个任务。</a:t>
+            </a:r>
+          </a:p>
+          <a:p>
+            <a:r>
+              <a:rPr lang="zh-CN" altLang="en-US" dirty="0"/>
+              <a:t>异步任务是那些被引擎放在一边，不进入主线程、而进入任务队列的任务。只有引擎认为某个异步任务可以执行了（比如 </a:t>
+            </a:r>
+            <a:r>
               <a:rPr lang="en-US" altLang="zh-CN" dirty="0"/>
-              <a:t>1.loopAdd() </a:t>
+              <a:t>Ajax </a:t>
             </a:r>
             <a:r>
               <a:rPr lang="zh-CN" altLang="en-US" dirty="0"/>
-              <a:t>相应是否从缓冲区插入新结点。</a:t>
-            </a:r>
-            <a:endParaRPr lang="en-US" altLang="zh-CN" dirty="0"/>
-          </a:p>
-          <a:p>
+              <a:t>操作从服务器得到了结果）</a:t>
+            </a:r>
             <a:r>
               <a:rPr lang="en-US" altLang="zh-CN" dirty="0"/>
-              <a:t>2.loopRender()</a:t>
+              <a:t>【</a:t>
             </a:r>
             <a:r>
               <a:rPr lang="zh-CN" altLang="en-US" dirty="0"/>
-              <a:t>动态更新红黑树的格局。</a:t>
-            </a:r>
-            <a:endParaRPr lang="en-US" altLang="zh-CN" dirty="0"/>
-          </a:p>
-          <a:p>
+              <a:t>发布订阅</a:t>
+            </a:r>
             <a:r>
               <a:rPr lang="en-US" altLang="zh-CN" dirty="0"/>
-              <a:t>3.submit()</a:t>
+              <a:t>】</a:t>
             </a:r>
             <a:r>
               <a:rPr lang="zh-CN" altLang="en-US" dirty="0"/>
-              <a:t>响应是否输入新结点到缓冲区。</a:t>
-            </a:r>
-            <a:endParaRPr lang="en-US" altLang="zh-CN" dirty="0"/>
-          </a:p>
-          <a:p>
-            <a:r>
-              <a:rPr lang="en-US" altLang="zh-CN" dirty="0"/>
-              <a:t>4.randAdd()</a:t>
-            </a:r>
-            <a:r>
+              <a:t>，该任务（采用回调函数的形式）才会进入主线程执行。排在异步任务后面的代码，不用等待异步任务结束会马上运行，也就是说，异步任务不具有“堵塞”效应。</a:t>
+            </a:r>
+            <a:br>
               <a:rPr lang="zh-CN" altLang="en-US" dirty="0"/>
-              <a:t>响应是否随机加新点到缓冲区。</a:t>
-            </a:r>
-            <a:endParaRPr lang="en-US" altLang="zh-CN" dirty="0"/>
-          </a:p>
-          <a:p>
-            <a:endParaRPr lang="en-US" altLang="zh-CN" dirty="0"/>
-          </a:p>
-          <a:p>
-            <a:r>
+            </a:br>
+            <a:br>
               <a:rPr lang="zh-CN" altLang="en-US" dirty="0"/>
-              <a:t>其中</a:t>
-            </a:r>
-            <a:r>
-              <a:rPr lang="en-US" altLang="zh-CN" dirty="0" err="1"/>
-              <a:t>loopAdd</a:t>
-            </a:r>
-            <a:r>
-              <a:rPr lang="en-US" altLang="zh-CN" dirty="0"/>
-              <a:t>()</a:t>
-            </a:r>
+            </a:br>
             <a:r>
               <a:rPr lang="zh-CN" altLang="en-US" dirty="0"/>
-              <a:t>使用</a:t>
+              <a:t>在</a:t>
             </a:r>
             <a:r>
               <a:rPr lang="en-US" altLang="zh-CN" dirty="0" err="1"/>
@@ -15553,17 +12367,33 @@
             </a:r>
             <a:r>
               <a:rPr lang="zh-CN" altLang="en-US" dirty="0"/>
-              <a:t>来实现与其它函数的异步调用。</a:t>
-            </a:r>
-          </a:p>
-        </p:txBody>
-      </p:sp>
-      <p:sp>
-        <p:nvSpPr>
-          <p:cNvPr id="28" name="流程图: 接点 27">
-            <a:extLst>
-              <a:ext uri="{FF2B5EF4-FFF2-40B4-BE49-F238E27FC236}">
-                <a16:creationId xmlns:a16="http://schemas.microsoft.com/office/drawing/2014/main" id="{F276F7A7-82B0-4835-9886-B944E361C2E5}"/>
+              <a:t>的执行形式上来看，</a:t>
+            </a:r>
+            <a:r>
+              <a:rPr lang="en-US" altLang="zh-CN" dirty="0" err="1"/>
+              <a:t>setTimeout</a:t>
+            </a:r>
+            <a:r>
+              <a:rPr lang="zh-CN" altLang="en-US" dirty="0"/>
+              <a:t>是不会阻碍其后续代码的执行的。所以可以理解为</a:t>
+            </a:r>
+            <a:r>
+              <a:rPr lang="en-US" altLang="zh-CN" dirty="0" err="1"/>
+              <a:t>setTimeout</a:t>
+            </a:r>
+            <a:r>
+              <a:rPr lang="zh-CN" altLang="en-US" dirty="0"/>
+              <a:t>是异步操作。</a:t>
+            </a:r>
+          </a:p>
+        </p:txBody>
+      </p:sp>
+      <p:sp>
+        <p:nvSpPr>
+          <p:cNvPr id="27" name="流程图: 接点 26">
+            <a:extLst>
+              <a:ext uri="{FF2B5EF4-FFF2-40B4-BE49-F238E27FC236}">
+                <a16:creationId xmlns:a16="http://schemas.microsoft.com/office/drawing/2014/main" id="{E6AE1136-828D-4094-AB8E-0095DDD1F2D9}"/>
               </a:ext>
             </a:extLst>
           </p:cNvPr>
@@ -15614,10 +12444,10 @@
       </p:sp>
       <p:sp>
         <p:nvSpPr>
-          <p:cNvPr id="29" name="流程图: 接点 28">
-            <a:extLst>
-              <a:ext uri="{FF2B5EF4-FFF2-40B4-BE49-F238E27FC236}">
-                <a16:creationId xmlns:a16="http://schemas.microsoft.com/office/drawing/2014/main" id="{A16E8F3C-05E3-4EC8-AFC2-472E75F45832}"/>
+          <p:cNvPr id="28" name="流程图: 接点 27">
+            <a:extLst>
+              <a:ext uri="{FF2B5EF4-FFF2-40B4-BE49-F238E27FC236}">
+                <a16:creationId xmlns:a16="http://schemas.microsoft.com/office/drawing/2014/main" id="{D0256D17-54E6-4D0B-AF17-54445E3C10E7}"/>
               </a:ext>
             </a:extLst>
           </p:cNvPr>
@@ -15668,10 +12498,10 @@
       </p:sp>
       <p:sp>
         <p:nvSpPr>
-          <p:cNvPr id="31" name="流程图: 接点 30">
-            <a:extLst>
-              <a:ext uri="{FF2B5EF4-FFF2-40B4-BE49-F238E27FC236}">
-                <a16:creationId xmlns:a16="http://schemas.microsoft.com/office/drawing/2014/main" id="{771F0D80-353C-43B8-A438-95DF7049F2D9}"/>
+          <p:cNvPr id="29" name="流程图: 接点 28">
+            <a:extLst>
+              <a:ext uri="{FF2B5EF4-FFF2-40B4-BE49-F238E27FC236}">
+                <a16:creationId xmlns:a16="http://schemas.microsoft.com/office/drawing/2014/main" id="{CD844C47-F6A2-42CC-A2A8-D3ADD82EAAFC}"/>
               </a:ext>
             </a:extLst>
           </p:cNvPr>
@@ -15722,10 +12552,10 @@
       </p:sp>
       <p:sp>
         <p:nvSpPr>
-          <p:cNvPr id="33" name="流程图: 接点 32">
-            <a:extLst>
-              <a:ext uri="{FF2B5EF4-FFF2-40B4-BE49-F238E27FC236}">
-                <a16:creationId xmlns:a16="http://schemas.microsoft.com/office/drawing/2014/main" id="{40CAE780-E626-4D37-9AAA-29E0AF3E3FAC}"/>
+          <p:cNvPr id="31" name="流程图: 接点 30">
+            <a:extLst>
+              <a:ext uri="{FF2B5EF4-FFF2-40B4-BE49-F238E27FC236}">
+                <a16:creationId xmlns:a16="http://schemas.microsoft.com/office/drawing/2014/main" id="{58895AA0-35FF-452B-8B5A-B7B6794189CA}"/>
               </a:ext>
             </a:extLst>
           </p:cNvPr>
@@ -15776,10 +12606,10 @@
       </p:sp>
       <p:sp>
         <p:nvSpPr>
-          <p:cNvPr id="34" name="流程图: 接点 33">
-            <a:extLst>
-              <a:ext uri="{FF2B5EF4-FFF2-40B4-BE49-F238E27FC236}">
-                <a16:creationId xmlns:a16="http://schemas.microsoft.com/office/drawing/2014/main" id="{49DEA7F0-50FC-4ABD-9925-C563569E2FED}"/>
+          <p:cNvPr id="33" name="流程图: 接点 32">
+            <a:extLst>
+              <a:ext uri="{FF2B5EF4-FFF2-40B4-BE49-F238E27FC236}">
+                <a16:creationId xmlns:a16="http://schemas.microsoft.com/office/drawing/2014/main" id="{7AB35D0A-9F82-41D6-8F5F-64202DE5F3A7}"/>
               </a:ext>
             </a:extLst>
           </p:cNvPr>
@@ -15830,10 +12660,10 @@
       </p:sp>
       <p:sp>
         <p:nvSpPr>
-          <p:cNvPr id="35" name="流程图: 接点 34">
-            <a:extLst>
-              <a:ext uri="{FF2B5EF4-FFF2-40B4-BE49-F238E27FC236}">
-                <a16:creationId xmlns:a16="http://schemas.microsoft.com/office/drawing/2014/main" id="{2AF15F04-50EF-4C93-B9B7-82DA324649DD}"/>
+          <p:cNvPr id="34" name="流程图: 接点 33">
+            <a:extLst>
+              <a:ext uri="{FF2B5EF4-FFF2-40B4-BE49-F238E27FC236}">
+                <a16:creationId xmlns:a16="http://schemas.microsoft.com/office/drawing/2014/main" id="{BF9CABB7-658A-4F70-9E16-AAD4340B99A4}"/>
               </a:ext>
             </a:extLst>
           </p:cNvPr>
@@ -15884,10 +12714,10 @@
       </p:sp>
       <p:sp>
         <p:nvSpPr>
-          <p:cNvPr id="36" name="流程图: 接点 35">
-            <a:extLst>
-              <a:ext uri="{FF2B5EF4-FFF2-40B4-BE49-F238E27FC236}">
-                <a16:creationId xmlns:a16="http://schemas.microsoft.com/office/drawing/2014/main" id="{7C9966BE-9BBD-4F93-8913-05243C4D1617}"/>
+          <p:cNvPr id="35" name="流程图: 接点 34">
+            <a:extLst>
+              <a:ext uri="{FF2B5EF4-FFF2-40B4-BE49-F238E27FC236}">
+                <a16:creationId xmlns:a16="http://schemas.microsoft.com/office/drawing/2014/main" id="{4AF40834-9924-4671-BB94-272E56DAD553}"/>
               </a:ext>
             </a:extLst>
           </p:cNvPr>
@@ -15938,107 +12768,10 @@
       </p:sp>
       <p:sp>
         <p:nvSpPr>
-          <p:cNvPr id="37" name="矩形 36">
-            <a:extLst>
-              <a:ext uri="{FF2B5EF4-FFF2-40B4-BE49-F238E27FC236}">
-                <a16:creationId xmlns:a16="http://schemas.microsoft.com/office/drawing/2014/main" id="{899FC5A0-E6CD-45E7-B9D0-2F5211F3C5C1}"/>
-              </a:ext>
-            </a:extLst>
-          </p:cNvPr>
-          <p:cNvSpPr/>
-          <p:nvPr/>
-        </p:nvSpPr>
-        <p:spPr>
-          <a:xfrm>
-            <a:off x="1055077" y="5299099"/>
-            <a:ext cx="140677" cy="93785"/>
-          </a:xfrm>
-          <a:prstGeom prst="rect">
-            <a:avLst/>
-          </a:prstGeom>
-          <a:solidFill>
-            <a:srgbClr val="BA385D"/>
-          </a:solidFill>
-          <a:ln>
-            <a:solidFill>
-              <a:srgbClr val="BA385D"/>
-            </a:solidFill>
-          </a:ln>
-        </p:spPr>
-        <p:style>
-          <a:lnRef idx="2">
-            <a:schemeClr val="accent1">
-              <a:shade val="50000"/>
-            </a:schemeClr>
-          </a:lnRef>
-          <a:fillRef idx="1">
-            <a:schemeClr val="accent1"/>
-          </a:fillRef>
-          <a:effectRef idx="0">
-            <a:schemeClr val="accent1"/>
-          </a:effectRef>
-          <a:fontRef idx="minor">
-            <a:schemeClr val="lt1"/>
-          </a:fontRef>
-        </p:style>
-        <p:txBody>
-          <a:bodyPr rtlCol="0" anchor="ctr"/>
-          <a:lstStyle/>
-          <a:p>
-            <a:pPr algn="ctr"/>
-            <a:endParaRPr lang="zh-CN" altLang="en-US"/>
-          </a:p>
-        </p:txBody>
-      </p:sp>
-      <p:sp>
-        <p:nvSpPr>
-          <p:cNvPr id="38" name="文本框 37">
-            <a:extLst>
-              <a:ext uri="{FF2B5EF4-FFF2-40B4-BE49-F238E27FC236}">
-                <a16:creationId xmlns:a16="http://schemas.microsoft.com/office/drawing/2014/main" id="{91B50A33-D94F-42F1-A465-FCEF1B3BAF10}"/>
-              </a:ext>
-            </a:extLst>
-          </p:cNvPr>
-          <p:cNvSpPr txBox="1"/>
-          <p:nvPr/>
-        </p:nvSpPr>
-        <p:spPr>
-          <a:xfrm>
-            <a:off x="1306439" y="5161325"/>
-            <a:ext cx="4464684" cy="369332"/>
-          </a:xfrm>
-          <a:prstGeom prst="rect">
-            <a:avLst/>
-          </a:prstGeom>
-          <a:noFill/>
-        </p:spPr>
-        <p:txBody>
-          <a:bodyPr wrap="none" rtlCol="0">
-            <a:spAutoFit/>
-          </a:bodyPr>
-          <a:lstStyle/>
-          <a:p>
-            <a:r>
-              <a:rPr lang="zh-CN" altLang="en-US" dirty="0"/>
-              <a:t>红黑树类的编写 </a:t>
-            </a:r>
-            <a:r>
-              <a:rPr lang="en-US" altLang="zh-CN" dirty="0"/>
-              <a:t>—— </a:t>
-            </a:r>
-            <a:r>
-              <a:rPr lang="zh-CN" altLang="en-US" dirty="0"/>
-              <a:t>就是模拟红黑树插入</a:t>
-            </a:r>
-          </a:p>
-        </p:txBody>
-      </p:sp>
-      <p:sp>
-        <p:nvSpPr>
-          <p:cNvPr id="39" name="流程图: 接点 38">
-            <a:extLst>
-              <a:ext uri="{FF2B5EF4-FFF2-40B4-BE49-F238E27FC236}">
-                <a16:creationId xmlns:a16="http://schemas.microsoft.com/office/drawing/2014/main" id="{CA80E80C-9836-4420-AE80-51403CCD3CA8}"/>
+          <p:cNvPr id="36" name="流程图: 接点 35">
+            <a:extLst>
+              <a:ext uri="{FF2B5EF4-FFF2-40B4-BE49-F238E27FC236}">
+                <a16:creationId xmlns:a16="http://schemas.microsoft.com/office/drawing/2014/main" id="{0AA054E9-15B7-4750-AEAF-581989812973}"/>
               </a:ext>
             </a:extLst>
           </p:cNvPr>
@@ -16090,7 +12823,7 @@
     </p:spTree>
     <p:extLst>
       <p:ext uri="{BB962C8B-B14F-4D97-AF65-F5344CB8AC3E}">
-        <p14:creationId xmlns:p14="http://schemas.microsoft.com/office/powerpoint/2010/main" val="2099992834"/>
+        <p14:creationId xmlns:p14="http://schemas.microsoft.com/office/powerpoint/2010/main" val="2412805709"/>
       </p:ext>
     </p:extLst>
   </p:cSld>
@@ -16392,37 +13125,8 @@
                   <a:schemeClr val="bg1"/>
                 </a:solidFill>
               </a:rPr>
-              <a:t>核心代码 </a:t>
-            </a:r>
-            <a:r>
-              <a:rPr lang="en-US" altLang="zh-CN" i="1" dirty="0">
-                <a:solidFill>
-                  <a:schemeClr val="bg1"/>
-                </a:solidFill>
-              </a:rPr>
-              <a:t>—— “</a:t>
-            </a:r>
-            <a:r>
-              <a:rPr lang="zh-CN" altLang="en-US" i="1" dirty="0">
-                <a:solidFill>
-                  <a:schemeClr val="bg1"/>
-                </a:solidFill>
-              </a:rPr>
-              <a:t>后端</a:t>
-            </a:r>
-            <a:r>
-              <a:rPr lang="en-US" altLang="zh-CN" i="1" dirty="0">
-                <a:solidFill>
-                  <a:schemeClr val="bg1"/>
-                </a:solidFill>
-              </a:rPr>
-              <a:t>”</a:t>
-            </a:r>
-            <a:endParaRPr lang="zh-CN" altLang="en-US" i="1" dirty="0">
-              <a:solidFill>
-                <a:schemeClr val="bg1"/>
-              </a:solidFill>
-            </a:endParaRPr>
+              <a:t>源代码</a:t>
+            </a:r>
           </a:p>
         </p:txBody>
       </p:sp>
@@ -16593,6 +13297,384 @@
       </p:sp>
       <p:sp>
         <p:nvSpPr>
+          <p:cNvPr id="20" name="流程图: 接点 19">
+            <a:extLst>
+              <a:ext uri="{FF2B5EF4-FFF2-40B4-BE49-F238E27FC236}">
+                <a16:creationId xmlns:a16="http://schemas.microsoft.com/office/drawing/2014/main" id="{C922A49D-1977-4BE4-A52B-E120832E2CB6}"/>
+              </a:ext>
+            </a:extLst>
+          </p:cNvPr>
+          <p:cNvSpPr/>
+          <p:nvPr/>
+        </p:nvSpPr>
+        <p:spPr>
+          <a:xfrm>
+            <a:off x="214712" y="142362"/>
+            <a:ext cx="108000" cy="108000"/>
+          </a:xfrm>
+          <a:prstGeom prst="flowChartConnector">
+            <a:avLst/>
+          </a:prstGeom>
+          <a:solidFill>
+            <a:srgbClr val="460009"/>
+          </a:solidFill>
+          <a:ln>
+            <a:solidFill>
+              <a:schemeClr val="bg1"/>
+            </a:solidFill>
+          </a:ln>
+        </p:spPr>
+        <p:style>
+          <a:lnRef idx="2">
+            <a:schemeClr val="accent1">
+              <a:shade val="50000"/>
+            </a:schemeClr>
+          </a:lnRef>
+          <a:fillRef idx="1">
+            <a:schemeClr val="accent1"/>
+          </a:fillRef>
+          <a:effectRef idx="0">
+            <a:schemeClr val="accent1"/>
+          </a:effectRef>
+          <a:fontRef idx="minor">
+            <a:schemeClr val="lt1"/>
+          </a:fontRef>
+        </p:style>
+        <p:txBody>
+          <a:bodyPr rtlCol="0" anchor="ctr"/>
+          <a:lstStyle/>
+          <a:p>
+            <a:pPr algn="ctr"/>
+            <a:endParaRPr lang="zh-CN" altLang="en-US"/>
+          </a:p>
+        </p:txBody>
+      </p:sp>
+      <p:sp>
+        <p:nvSpPr>
+          <p:cNvPr id="21" name="流程图: 接点 20">
+            <a:extLst>
+              <a:ext uri="{FF2B5EF4-FFF2-40B4-BE49-F238E27FC236}">
+                <a16:creationId xmlns:a16="http://schemas.microsoft.com/office/drawing/2014/main" id="{0E0FFAE2-C28B-4B9A-80AB-528CC75DAE7C}"/>
+              </a:ext>
+            </a:extLst>
+          </p:cNvPr>
+          <p:cNvSpPr/>
+          <p:nvPr/>
+        </p:nvSpPr>
+        <p:spPr>
+          <a:xfrm>
+            <a:off x="362312" y="142361"/>
+            <a:ext cx="108000" cy="108000"/>
+          </a:xfrm>
+          <a:prstGeom prst="flowChartConnector">
+            <a:avLst/>
+          </a:prstGeom>
+          <a:solidFill>
+            <a:srgbClr val="460009"/>
+          </a:solidFill>
+          <a:ln>
+            <a:solidFill>
+              <a:schemeClr val="bg1"/>
+            </a:solidFill>
+          </a:ln>
+        </p:spPr>
+        <p:style>
+          <a:lnRef idx="2">
+            <a:schemeClr val="accent1">
+              <a:shade val="50000"/>
+            </a:schemeClr>
+          </a:lnRef>
+          <a:fillRef idx="1">
+            <a:schemeClr val="accent1"/>
+          </a:fillRef>
+          <a:effectRef idx="0">
+            <a:schemeClr val="accent1"/>
+          </a:effectRef>
+          <a:fontRef idx="minor">
+            <a:schemeClr val="lt1"/>
+          </a:fontRef>
+        </p:style>
+        <p:txBody>
+          <a:bodyPr rtlCol="0" anchor="ctr"/>
+          <a:lstStyle/>
+          <a:p>
+            <a:pPr algn="ctr"/>
+            <a:endParaRPr lang="zh-CN" altLang="en-US"/>
+          </a:p>
+        </p:txBody>
+      </p:sp>
+      <p:sp>
+        <p:nvSpPr>
+          <p:cNvPr id="22" name="流程图: 接点 21">
+            <a:extLst>
+              <a:ext uri="{FF2B5EF4-FFF2-40B4-BE49-F238E27FC236}">
+                <a16:creationId xmlns:a16="http://schemas.microsoft.com/office/drawing/2014/main" id="{6486184B-9DFF-4A00-A61F-011E1DF81DA7}"/>
+              </a:ext>
+            </a:extLst>
+          </p:cNvPr>
+          <p:cNvSpPr/>
+          <p:nvPr/>
+        </p:nvSpPr>
+        <p:spPr>
+          <a:xfrm>
+            <a:off x="509912" y="142361"/>
+            <a:ext cx="108000" cy="108000"/>
+          </a:xfrm>
+          <a:prstGeom prst="flowChartConnector">
+            <a:avLst/>
+          </a:prstGeom>
+          <a:solidFill>
+            <a:srgbClr val="460009"/>
+          </a:solidFill>
+          <a:ln>
+            <a:solidFill>
+              <a:schemeClr val="bg1"/>
+            </a:solidFill>
+          </a:ln>
+        </p:spPr>
+        <p:style>
+          <a:lnRef idx="2">
+            <a:schemeClr val="accent1">
+              <a:shade val="50000"/>
+            </a:schemeClr>
+          </a:lnRef>
+          <a:fillRef idx="1">
+            <a:schemeClr val="accent1"/>
+          </a:fillRef>
+          <a:effectRef idx="0">
+            <a:schemeClr val="accent1"/>
+          </a:effectRef>
+          <a:fontRef idx="minor">
+            <a:schemeClr val="lt1"/>
+          </a:fontRef>
+        </p:style>
+        <p:txBody>
+          <a:bodyPr rtlCol="0" anchor="ctr"/>
+          <a:lstStyle/>
+          <a:p>
+            <a:pPr algn="ctr"/>
+            <a:endParaRPr lang="zh-CN" altLang="en-US"/>
+          </a:p>
+        </p:txBody>
+      </p:sp>
+      <p:sp>
+        <p:nvSpPr>
+          <p:cNvPr id="23" name="流程图: 接点 22">
+            <a:extLst>
+              <a:ext uri="{FF2B5EF4-FFF2-40B4-BE49-F238E27FC236}">
+                <a16:creationId xmlns:a16="http://schemas.microsoft.com/office/drawing/2014/main" id="{9F77FCE4-D267-4F13-8889-7608F4820003}"/>
+              </a:ext>
+            </a:extLst>
+          </p:cNvPr>
+          <p:cNvSpPr/>
+          <p:nvPr/>
+        </p:nvSpPr>
+        <p:spPr>
+          <a:xfrm>
+            <a:off x="657512" y="142361"/>
+            <a:ext cx="108000" cy="108000"/>
+          </a:xfrm>
+          <a:prstGeom prst="flowChartConnector">
+            <a:avLst/>
+          </a:prstGeom>
+          <a:solidFill>
+            <a:srgbClr val="460009"/>
+          </a:solidFill>
+          <a:ln>
+            <a:solidFill>
+              <a:schemeClr val="bg1"/>
+            </a:solidFill>
+          </a:ln>
+        </p:spPr>
+        <p:style>
+          <a:lnRef idx="2">
+            <a:schemeClr val="accent1">
+              <a:shade val="50000"/>
+            </a:schemeClr>
+          </a:lnRef>
+          <a:fillRef idx="1">
+            <a:schemeClr val="accent1"/>
+          </a:fillRef>
+          <a:effectRef idx="0">
+            <a:schemeClr val="accent1"/>
+          </a:effectRef>
+          <a:fontRef idx="minor">
+            <a:schemeClr val="lt1"/>
+          </a:fontRef>
+        </p:style>
+        <p:txBody>
+          <a:bodyPr rtlCol="0" anchor="ctr"/>
+          <a:lstStyle/>
+          <a:p>
+            <a:pPr algn="ctr"/>
+            <a:endParaRPr lang="zh-CN" altLang="en-US"/>
+          </a:p>
+        </p:txBody>
+      </p:sp>
+      <p:sp>
+        <p:nvSpPr>
+          <p:cNvPr id="24" name="流程图: 接点 23">
+            <a:extLst>
+              <a:ext uri="{FF2B5EF4-FFF2-40B4-BE49-F238E27FC236}">
+                <a16:creationId xmlns:a16="http://schemas.microsoft.com/office/drawing/2014/main" id="{43F7E76C-F362-45D9-A2F4-06B6171F2BCB}"/>
+              </a:ext>
+            </a:extLst>
+          </p:cNvPr>
+          <p:cNvSpPr/>
+          <p:nvPr/>
+        </p:nvSpPr>
+        <p:spPr>
+          <a:xfrm>
+            <a:off x="805112" y="142361"/>
+            <a:ext cx="108000" cy="108000"/>
+          </a:xfrm>
+          <a:prstGeom prst="flowChartConnector">
+            <a:avLst/>
+          </a:prstGeom>
+          <a:solidFill>
+            <a:srgbClr val="460009"/>
+          </a:solidFill>
+          <a:ln>
+            <a:solidFill>
+              <a:schemeClr val="bg1"/>
+            </a:solidFill>
+          </a:ln>
+        </p:spPr>
+        <p:style>
+          <a:lnRef idx="2">
+            <a:schemeClr val="accent1">
+              <a:shade val="50000"/>
+            </a:schemeClr>
+          </a:lnRef>
+          <a:fillRef idx="1">
+            <a:schemeClr val="accent1"/>
+          </a:fillRef>
+          <a:effectRef idx="0">
+            <a:schemeClr val="accent1"/>
+          </a:effectRef>
+          <a:fontRef idx="minor">
+            <a:schemeClr val="lt1"/>
+          </a:fontRef>
+        </p:style>
+        <p:txBody>
+          <a:bodyPr rtlCol="0" anchor="ctr"/>
+          <a:lstStyle/>
+          <a:p>
+            <a:pPr algn="ctr"/>
+            <a:endParaRPr lang="zh-CN" altLang="en-US"/>
+          </a:p>
+        </p:txBody>
+      </p:sp>
+      <p:sp>
+        <p:nvSpPr>
+          <p:cNvPr id="25" name="流程图: 接点 24">
+            <a:extLst>
+              <a:ext uri="{FF2B5EF4-FFF2-40B4-BE49-F238E27FC236}">
+                <a16:creationId xmlns:a16="http://schemas.microsoft.com/office/drawing/2014/main" id="{10233A9F-47D8-45DE-AC24-15B71EC0669C}"/>
+              </a:ext>
+            </a:extLst>
+          </p:cNvPr>
+          <p:cNvSpPr/>
+          <p:nvPr/>
+        </p:nvSpPr>
+        <p:spPr>
+          <a:xfrm>
+            <a:off x="952712" y="142361"/>
+            <a:ext cx="108000" cy="108000"/>
+          </a:xfrm>
+          <a:prstGeom prst="flowChartConnector">
+            <a:avLst/>
+          </a:prstGeom>
+          <a:solidFill>
+            <a:schemeClr val="bg1"/>
+          </a:solidFill>
+          <a:ln>
+            <a:solidFill>
+              <a:schemeClr val="bg1"/>
+            </a:solidFill>
+          </a:ln>
+        </p:spPr>
+        <p:style>
+          <a:lnRef idx="2">
+            <a:schemeClr val="accent1">
+              <a:shade val="50000"/>
+            </a:schemeClr>
+          </a:lnRef>
+          <a:fillRef idx="1">
+            <a:schemeClr val="accent1"/>
+          </a:fillRef>
+          <a:effectRef idx="0">
+            <a:schemeClr val="accent1"/>
+          </a:effectRef>
+          <a:fontRef idx="minor">
+            <a:schemeClr val="lt1"/>
+          </a:fontRef>
+        </p:style>
+        <p:txBody>
+          <a:bodyPr rtlCol="0" anchor="ctr"/>
+          <a:lstStyle/>
+          <a:p>
+            <a:pPr algn="ctr"/>
+            <a:endParaRPr lang="zh-CN" altLang="en-US"/>
+          </a:p>
+        </p:txBody>
+      </p:sp>
+      <p:sp>
+        <p:nvSpPr>
+          <p:cNvPr id="26" name="流程图: 接点 25">
+            <a:extLst>
+              <a:ext uri="{FF2B5EF4-FFF2-40B4-BE49-F238E27FC236}">
+                <a16:creationId xmlns:a16="http://schemas.microsoft.com/office/drawing/2014/main" id="{101452D9-E881-44E7-9A25-EB3B700FFAFD}"/>
+              </a:ext>
+            </a:extLst>
+          </p:cNvPr>
+          <p:cNvSpPr/>
+          <p:nvPr/>
+        </p:nvSpPr>
+        <p:spPr>
+          <a:xfrm>
+            <a:off x="1100312" y="142361"/>
+            <a:ext cx="108000" cy="108000"/>
+          </a:xfrm>
+          <a:prstGeom prst="flowChartConnector">
+            <a:avLst/>
+          </a:prstGeom>
+          <a:solidFill>
+            <a:srgbClr val="460009"/>
+          </a:solidFill>
+          <a:ln>
+            <a:solidFill>
+              <a:schemeClr val="bg1"/>
+            </a:solidFill>
+          </a:ln>
+        </p:spPr>
+        <p:style>
+          <a:lnRef idx="2">
+            <a:schemeClr val="accent1">
+              <a:shade val="50000"/>
+            </a:schemeClr>
+          </a:lnRef>
+          <a:fillRef idx="1">
+            <a:schemeClr val="accent1"/>
+          </a:fillRef>
+          <a:effectRef idx="0">
+            <a:schemeClr val="accent1"/>
+          </a:effectRef>
+          <a:fontRef idx="minor">
+            <a:schemeClr val="lt1"/>
+          </a:fontRef>
+        </p:style>
+        <p:txBody>
+          <a:bodyPr rtlCol="0" anchor="ctr"/>
+          <a:lstStyle/>
+          <a:p>
+            <a:pPr algn="ctr"/>
+            <a:endParaRPr lang="zh-CN" altLang="en-US"/>
+          </a:p>
+        </p:txBody>
+      </p:sp>
+      <p:sp>
+        <p:nvSpPr>
           <p:cNvPr id="30" name="矩形 29">
             <a:extLst>
               <a:ext uri="{FF2B5EF4-FFF2-40B4-BE49-F238E27FC236}">
@@ -16660,7 +13742,7 @@
         <p:spPr>
           <a:xfrm>
             <a:off x="1306439" y="1896179"/>
-            <a:ext cx="5107488" cy="369332"/>
+            <a:ext cx="1107996" cy="369332"/>
           </a:xfrm>
           <a:prstGeom prst="rect">
             <a:avLst/>
@@ -16675,23 +13757,7 @@
           <a:p>
             <a:r>
               <a:rPr lang="zh-CN" altLang="en-US" dirty="0"/>
-              <a:t>关于</a:t>
-            </a:r>
-            <a:r>
-              <a:rPr lang="en-US" altLang="zh-CN" dirty="0" err="1"/>
-              <a:t>setTimeout</a:t>
-            </a:r>
-            <a:r>
-              <a:rPr lang="zh-CN" altLang="en-US" dirty="0"/>
-              <a:t>的异步 </a:t>
-            </a:r>
-            <a:r>
-              <a:rPr lang="en-US" altLang="zh-CN" dirty="0"/>
-              <a:t>—— </a:t>
-            </a:r>
-            <a:r>
-              <a:rPr lang="zh-CN" altLang="en-US" dirty="0"/>
-              <a:t>我在网络上查找到的</a:t>
+              <a:t>看看源码</a:t>
             </a:r>
           </a:p>
         </p:txBody>
@@ -16701,7 +13767,7 @@
           <p:cNvPr id="2" name="文本框 1">
             <a:extLst>
               <a:ext uri="{FF2B5EF4-FFF2-40B4-BE49-F238E27FC236}">
-                <a16:creationId xmlns:a16="http://schemas.microsoft.com/office/drawing/2014/main" id="{9FA6AA74-7207-4D26-BB1A-7C0BFFB14218}"/>
+                <a16:creationId xmlns:a16="http://schemas.microsoft.com/office/drawing/2014/main" id="{B955710B-2D43-4830-9DCF-16774CA4C687}"/>
               </a:ext>
             </a:extLst>
           </p:cNvPr>
@@ -16710,8 +13776,8 @@
         </p:nvSpPr>
         <p:spPr>
           <a:xfrm>
-            <a:off x="1306439" y="2683434"/>
-            <a:ext cx="8500949" cy="2862322"/>
+            <a:off x="1436077" y="2725615"/>
+            <a:ext cx="1338828" cy="369332"/>
           </a:xfrm>
           <a:prstGeom prst="rect">
             <a:avLst/>
@@ -16719,114 +13785,133 @@
           <a:noFill/>
         </p:spPr>
         <p:txBody>
-          <a:bodyPr wrap="square" rtlCol="0">
+          <a:bodyPr wrap="none" rtlCol="0">
             <a:spAutoFit/>
           </a:bodyPr>
           <a:lstStyle/>
           <a:p>
             <a:r>
               <a:rPr lang="zh-CN" altLang="en-US" dirty="0"/>
-              <a:t>同步和异步操作的区别就是是否阻碍后续代码的执行。</a:t>
-            </a:r>
-          </a:p>
+              <a:t>异步信号量</a:t>
+            </a:r>
+          </a:p>
+        </p:txBody>
+      </p:sp>
+      <p:sp>
+        <p:nvSpPr>
+          <p:cNvPr id="27" name="椭圆 26">
+            <a:extLst>
+              <a:ext uri="{FF2B5EF4-FFF2-40B4-BE49-F238E27FC236}">
+                <a16:creationId xmlns:a16="http://schemas.microsoft.com/office/drawing/2014/main" id="{2C11594C-B4A8-4F02-9FA7-BAA1DEAF5AF8}"/>
+              </a:ext>
+            </a:extLst>
+          </p:cNvPr>
+          <p:cNvSpPr/>
+          <p:nvPr/>
+        </p:nvSpPr>
+        <p:spPr>
+          <a:xfrm>
+            <a:off x="1246983" y="2848275"/>
+            <a:ext cx="118911" cy="124012"/>
+          </a:xfrm>
+          <a:prstGeom prst="ellipse">
+            <a:avLst/>
+          </a:prstGeom>
+          <a:solidFill>
+            <a:srgbClr val="F20000"/>
+          </a:solidFill>
+          <a:ln>
+            <a:solidFill>
+              <a:srgbClr val="FF0000"/>
+            </a:solidFill>
+          </a:ln>
+        </p:spPr>
+        <p:style>
+          <a:lnRef idx="2">
+            <a:schemeClr val="accent1">
+              <a:shade val="50000"/>
+            </a:schemeClr>
+          </a:lnRef>
+          <a:fillRef idx="1">
+            <a:schemeClr val="accent1"/>
+          </a:fillRef>
+          <a:effectRef idx="0">
+            <a:schemeClr val="accent1"/>
+          </a:effectRef>
+          <a:fontRef idx="minor">
+            <a:schemeClr val="lt1"/>
+          </a:fontRef>
+        </p:style>
+        <p:txBody>
+          <a:bodyPr rtlCol="0" anchor="ctr"/>
+          <a:lstStyle/>
+          <a:p>
+            <a:pPr algn="ctr"/>
+            <a:endParaRPr lang="zh-CN" altLang="en-US"/>
+          </a:p>
+        </p:txBody>
+      </p:sp>
+      <p:sp>
+        <p:nvSpPr>
+          <p:cNvPr id="28" name="文本框 27">
+            <a:extLst>
+              <a:ext uri="{FF2B5EF4-FFF2-40B4-BE49-F238E27FC236}">
+                <a16:creationId xmlns:a16="http://schemas.microsoft.com/office/drawing/2014/main" id="{20A88BB4-9DAF-4864-A31B-795D685F4ECB}"/>
+              </a:ext>
+            </a:extLst>
+          </p:cNvPr>
+          <p:cNvSpPr txBox="1"/>
+          <p:nvPr/>
+        </p:nvSpPr>
+        <p:spPr>
+          <a:xfrm>
+            <a:off x="1436077" y="3891574"/>
+            <a:ext cx="2031325" cy="369332"/>
+          </a:xfrm>
+          <a:prstGeom prst="rect">
+            <a:avLst/>
+          </a:prstGeom>
+          <a:noFill/>
+        </p:spPr>
+        <p:txBody>
+          <a:bodyPr wrap="none" rtlCol="0">
+            <a:spAutoFit/>
+          </a:bodyPr>
+          <a:lstStyle/>
           <a:p>
             <a:r>
               <a:rPr lang="zh-CN" altLang="en-US" dirty="0"/>
-              <a:t>同步任务是那些没有被引擎挂起、在主线程上排队执行的任务。只有前一个任务执行完毕，才能执行后一个任务。</a:t>
-            </a:r>
-          </a:p>
-          <a:p>
-            <a:r>
-              <a:rPr lang="zh-CN" altLang="en-US" dirty="0"/>
-              <a:t>异步任务是那些被引擎放在一边，不进入主线程、而进入任务队列的任务。只有引擎认为某个异步任务可以执行了（比如 </a:t>
-            </a:r>
-            <a:r>
-              <a:rPr lang="en-US" altLang="zh-CN" dirty="0"/>
-              <a:t>Ajax </a:t>
-            </a:r>
-            <a:r>
-              <a:rPr lang="zh-CN" altLang="en-US" dirty="0"/>
-              <a:t>操作从服务器得到了结果）</a:t>
-            </a:r>
-            <a:r>
-              <a:rPr lang="en-US" altLang="zh-CN" dirty="0"/>
-              <a:t>【</a:t>
-            </a:r>
-            <a:r>
-              <a:rPr lang="zh-CN" altLang="en-US" dirty="0"/>
-              <a:t>发布订阅</a:t>
-            </a:r>
-            <a:r>
-              <a:rPr lang="en-US" altLang="zh-CN" dirty="0"/>
-              <a:t>】</a:t>
-            </a:r>
-            <a:r>
-              <a:rPr lang="zh-CN" altLang="en-US" dirty="0"/>
-              <a:t>，该任务（采用回调函数的形式）才会进入主线程执行。排在异步任务后面的代码，不用等待异步任务结束会马上运行，也就是说，异步任务不具有“堵塞”效应。</a:t>
-            </a:r>
-            <a:br>
-              <a:rPr lang="zh-CN" altLang="en-US" dirty="0"/>
-            </a:br>
-            <a:br>
-              <a:rPr lang="zh-CN" altLang="en-US" dirty="0"/>
-            </a:br>
-            <a:r>
-              <a:rPr lang="zh-CN" altLang="en-US" dirty="0"/>
-              <a:t>在</a:t>
-            </a:r>
-            <a:r>
-              <a:rPr lang="en-US" altLang="zh-CN" dirty="0" err="1"/>
-              <a:t>setTimeout</a:t>
-            </a:r>
-            <a:r>
-              <a:rPr lang="zh-CN" altLang="en-US" dirty="0"/>
-              <a:t>的执行形式上来看，</a:t>
-            </a:r>
-            <a:r>
-              <a:rPr lang="en-US" altLang="zh-CN" dirty="0" err="1"/>
-              <a:t>setTimeout</a:t>
-            </a:r>
-            <a:r>
-              <a:rPr lang="zh-CN" altLang="en-US" dirty="0"/>
-              <a:t>是不会阻碍其后续代码的执行的。所以可以理解为</a:t>
-            </a:r>
-            <a:r>
-              <a:rPr lang="en-US" altLang="zh-CN" dirty="0" err="1"/>
-              <a:t>setTimeout</a:t>
-            </a:r>
-            <a:r>
-              <a:rPr lang="zh-CN" altLang="en-US" dirty="0"/>
-              <a:t>是异步操作。</a:t>
-            </a:r>
-          </a:p>
-        </p:txBody>
-      </p:sp>
-      <p:sp>
-        <p:nvSpPr>
-          <p:cNvPr id="27" name="流程图: 接点 26">
-            <a:extLst>
-              <a:ext uri="{FF2B5EF4-FFF2-40B4-BE49-F238E27FC236}">
-                <a16:creationId xmlns:a16="http://schemas.microsoft.com/office/drawing/2014/main" id="{E6AE1136-828D-4094-AB8E-0095DDD1F2D9}"/>
-              </a:ext>
-            </a:extLst>
-          </p:cNvPr>
-          <p:cNvSpPr/>
-          <p:nvPr/>
-        </p:nvSpPr>
-        <p:spPr>
-          <a:xfrm>
-            <a:off x="214712" y="142362"/>
-            <a:ext cx="108000" cy="108000"/>
-          </a:xfrm>
-          <a:prstGeom prst="flowChartConnector">
-            <a:avLst/>
-          </a:prstGeom>
-          <a:solidFill>
-            <a:srgbClr val="460009"/>
-          </a:solidFill>
-          <a:ln>
-            <a:solidFill>
-              <a:schemeClr val="bg1"/>
+              <a:t>如何展现动态过程</a:t>
+            </a:r>
+          </a:p>
+        </p:txBody>
+      </p:sp>
+      <p:sp>
+        <p:nvSpPr>
+          <p:cNvPr id="29" name="椭圆 28">
+            <a:extLst>
+              <a:ext uri="{FF2B5EF4-FFF2-40B4-BE49-F238E27FC236}">
+                <a16:creationId xmlns:a16="http://schemas.microsoft.com/office/drawing/2014/main" id="{2AE50369-04A3-484E-B2E1-FE99A0AEB38C}"/>
+              </a:ext>
+            </a:extLst>
+          </p:cNvPr>
+          <p:cNvSpPr/>
+          <p:nvPr/>
+        </p:nvSpPr>
+        <p:spPr>
+          <a:xfrm>
+            <a:off x="1246983" y="4014234"/>
+            <a:ext cx="118911" cy="124012"/>
+          </a:xfrm>
+          <a:prstGeom prst="ellipse">
+            <a:avLst/>
+          </a:prstGeom>
+          <a:solidFill>
+            <a:srgbClr val="F20000"/>
+          </a:solidFill>
+          <a:ln>
+            <a:solidFill>
+              <a:srgbClr val="FF0000"/>
             </a:solidFill>
           </a:ln>
         </p:spPr>
@@ -16857,334 +13942,10 @@
       </p:sp>
       <p:sp>
         <p:nvSpPr>
-          <p:cNvPr id="28" name="流程图: 接点 27">
-            <a:extLst>
-              <a:ext uri="{FF2B5EF4-FFF2-40B4-BE49-F238E27FC236}">
-                <a16:creationId xmlns:a16="http://schemas.microsoft.com/office/drawing/2014/main" id="{D0256D17-54E6-4D0B-AF17-54445E3C10E7}"/>
-              </a:ext>
-            </a:extLst>
-          </p:cNvPr>
-          <p:cNvSpPr/>
-          <p:nvPr/>
-        </p:nvSpPr>
-        <p:spPr>
-          <a:xfrm>
-            <a:off x="362312" y="142361"/>
-            <a:ext cx="108000" cy="108000"/>
-          </a:xfrm>
-          <a:prstGeom prst="flowChartConnector">
-            <a:avLst/>
-          </a:prstGeom>
-          <a:solidFill>
-            <a:srgbClr val="460009"/>
-          </a:solidFill>
-          <a:ln>
-            <a:solidFill>
-              <a:schemeClr val="bg1"/>
-            </a:solidFill>
-          </a:ln>
-        </p:spPr>
-        <p:style>
-          <a:lnRef idx="2">
-            <a:schemeClr val="accent1">
-              <a:shade val="50000"/>
-            </a:schemeClr>
-          </a:lnRef>
-          <a:fillRef idx="1">
-            <a:schemeClr val="accent1"/>
-          </a:fillRef>
-          <a:effectRef idx="0">
-            <a:schemeClr val="accent1"/>
-          </a:effectRef>
-          <a:fontRef idx="minor">
-            <a:schemeClr val="lt1"/>
-          </a:fontRef>
-        </p:style>
-        <p:txBody>
-          <a:bodyPr rtlCol="0" anchor="ctr"/>
-          <a:lstStyle/>
-          <a:p>
-            <a:pPr algn="ctr"/>
-            <a:endParaRPr lang="zh-CN" altLang="en-US"/>
-          </a:p>
-        </p:txBody>
-      </p:sp>
-      <p:sp>
-        <p:nvSpPr>
-          <p:cNvPr id="29" name="流程图: 接点 28">
-            <a:extLst>
-              <a:ext uri="{FF2B5EF4-FFF2-40B4-BE49-F238E27FC236}">
-                <a16:creationId xmlns:a16="http://schemas.microsoft.com/office/drawing/2014/main" id="{CD844C47-F6A2-42CC-A2A8-D3ADD82EAAFC}"/>
-              </a:ext>
-            </a:extLst>
-          </p:cNvPr>
-          <p:cNvSpPr/>
-          <p:nvPr/>
-        </p:nvSpPr>
-        <p:spPr>
-          <a:xfrm>
-            <a:off x="509912" y="142361"/>
-            <a:ext cx="108000" cy="108000"/>
-          </a:xfrm>
-          <a:prstGeom prst="flowChartConnector">
-            <a:avLst/>
-          </a:prstGeom>
-          <a:solidFill>
-            <a:srgbClr val="460009"/>
-          </a:solidFill>
-          <a:ln>
-            <a:solidFill>
-              <a:schemeClr val="bg1"/>
-            </a:solidFill>
-          </a:ln>
-        </p:spPr>
-        <p:style>
-          <a:lnRef idx="2">
-            <a:schemeClr val="accent1">
-              <a:shade val="50000"/>
-            </a:schemeClr>
-          </a:lnRef>
-          <a:fillRef idx="1">
-            <a:schemeClr val="accent1"/>
-          </a:fillRef>
-          <a:effectRef idx="0">
-            <a:schemeClr val="accent1"/>
-          </a:effectRef>
-          <a:fontRef idx="minor">
-            <a:schemeClr val="lt1"/>
-          </a:fontRef>
-        </p:style>
-        <p:txBody>
-          <a:bodyPr rtlCol="0" anchor="ctr"/>
-          <a:lstStyle/>
-          <a:p>
-            <a:pPr algn="ctr"/>
-            <a:endParaRPr lang="zh-CN" altLang="en-US"/>
-          </a:p>
-        </p:txBody>
-      </p:sp>
-      <p:sp>
-        <p:nvSpPr>
           <p:cNvPr id="31" name="流程图: 接点 30">
             <a:extLst>
               <a:ext uri="{FF2B5EF4-FFF2-40B4-BE49-F238E27FC236}">
-                <a16:creationId xmlns:a16="http://schemas.microsoft.com/office/drawing/2014/main" id="{58895AA0-35FF-452B-8B5A-B7B6794189CA}"/>
-              </a:ext>
-            </a:extLst>
-          </p:cNvPr>
-          <p:cNvSpPr/>
-          <p:nvPr/>
-        </p:nvSpPr>
-        <p:spPr>
-          <a:xfrm>
-            <a:off x="657512" y="142361"/>
-            <a:ext cx="108000" cy="108000"/>
-          </a:xfrm>
-          <a:prstGeom prst="flowChartConnector">
-            <a:avLst/>
-          </a:prstGeom>
-          <a:solidFill>
-            <a:srgbClr val="460009"/>
-          </a:solidFill>
-          <a:ln>
-            <a:solidFill>
-              <a:schemeClr val="bg1"/>
-            </a:solidFill>
-          </a:ln>
-        </p:spPr>
-        <p:style>
-          <a:lnRef idx="2">
-            <a:schemeClr val="accent1">
-              <a:shade val="50000"/>
-            </a:schemeClr>
-          </a:lnRef>
-          <a:fillRef idx="1">
-            <a:schemeClr val="accent1"/>
-          </a:fillRef>
-          <a:effectRef idx="0">
-            <a:schemeClr val="accent1"/>
-          </a:effectRef>
-          <a:fontRef idx="minor">
-            <a:schemeClr val="lt1"/>
-          </a:fontRef>
-        </p:style>
-        <p:txBody>
-          <a:bodyPr rtlCol="0" anchor="ctr"/>
-          <a:lstStyle/>
-          <a:p>
-            <a:pPr algn="ctr"/>
-            <a:endParaRPr lang="zh-CN" altLang="en-US"/>
-          </a:p>
-        </p:txBody>
-      </p:sp>
-      <p:sp>
-        <p:nvSpPr>
-          <p:cNvPr id="33" name="流程图: 接点 32">
-            <a:extLst>
-              <a:ext uri="{FF2B5EF4-FFF2-40B4-BE49-F238E27FC236}">
-                <a16:creationId xmlns:a16="http://schemas.microsoft.com/office/drawing/2014/main" id="{7AB35D0A-9F82-41D6-8F5F-64202DE5F3A7}"/>
-              </a:ext>
-            </a:extLst>
-          </p:cNvPr>
-          <p:cNvSpPr/>
-          <p:nvPr/>
-        </p:nvSpPr>
-        <p:spPr>
-          <a:xfrm>
-            <a:off x="805112" y="142361"/>
-            <a:ext cx="108000" cy="108000"/>
-          </a:xfrm>
-          <a:prstGeom prst="flowChartConnector">
-            <a:avLst/>
-          </a:prstGeom>
-          <a:solidFill>
-            <a:schemeClr val="bg1"/>
-          </a:solidFill>
-          <a:ln>
-            <a:solidFill>
-              <a:schemeClr val="bg1"/>
-            </a:solidFill>
-          </a:ln>
-        </p:spPr>
-        <p:style>
-          <a:lnRef idx="2">
-            <a:schemeClr val="accent1">
-              <a:shade val="50000"/>
-            </a:schemeClr>
-          </a:lnRef>
-          <a:fillRef idx="1">
-            <a:schemeClr val="accent1"/>
-          </a:fillRef>
-          <a:effectRef idx="0">
-            <a:schemeClr val="accent1"/>
-          </a:effectRef>
-          <a:fontRef idx="minor">
-            <a:schemeClr val="lt1"/>
-          </a:fontRef>
-        </p:style>
-        <p:txBody>
-          <a:bodyPr rtlCol="0" anchor="ctr"/>
-          <a:lstStyle/>
-          <a:p>
-            <a:pPr algn="ctr"/>
-            <a:endParaRPr lang="zh-CN" altLang="en-US"/>
-          </a:p>
-        </p:txBody>
-      </p:sp>
-      <p:sp>
-        <p:nvSpPr>
-          <p:cNvPr id="34" name="流程图: 接点 33">
-            <a:extLst>
-              <a:ext uri="{FF2B5EF4-FFF2-40B4-BE49-F238E27FC236}">
-                <a16:creationId xmlns:a16="http://schemas.microsoft.com/office/drawing/2014/main" id="{BF9CABB7-658A-4F70-9E16-AAD4340B99A4}"/>
-              </a:ext>
-            </a:extLst>
-          </p:cNvPr>
-          <p:cNvSpPr/>
-          <p:nvPr/>
-        </p:nvSpPr>
-        <p:spPr>
-          <a:xfrm>
-            <a:off x="952712" y="142361"/>
-            <a:ext cx="108000" cy="108000"/>
-          </a:xfrm>
-          <a:prstGeom prst="flowChartConnector">
-            <a:avLst/>
-          </a:prstGeom>
-          <a:solidFill>
-            <a:srgbClr val="460009"/>
-          </a:solidFill>
-          <a:ln>
-            <a:solidFill>
-              <a:schemeClr val="bg1"/>
-            </a:solidFill>
-          </a:ln>
-        </p:spPr>
-        <p:style>
-          <a:lnRef idx="2">
-            <a:schemeClr val="accent1">
-              <a:shade val="50000"/>
-            </a:schemeClr>
-          </a:lnRef>
-          <a:fillRef idx="1">
-            <a:schemeClr val="accent1"/>
-          </a:fillRef>
-          <a:effectRef idx="0">
-            <a:schemeClr val="accent1"/>
-          </a:effectRef>
-          <a:fontRef idx="minor">
-            <a:schemeClr val="lt1"/>
-          </a:fontRef>
-        </p:style>
-        <p:txBody>
-          <a:bodyPr rtlCol="0" anchor="ctr"/>
-          <a:lstStyle/>
-          <a:p>
-            <a:pPr algn="ctr"/>
-            <a:endParaRPr lang="zh-CN" altLang="en-US"/>
-          </a:p>
-        </p:txBody>
-      </p:sp>
-      <p:sp>
-        <p:nvSpPr>
-          <p:cNvPr id="35" name="流程图: 接点 34">
-            <a:extLst>
-              <a:ext uri="{FF2B5EF4-FFF2-40B4-BE49-F238E27FC236}">
-                <a16:creationId xmlns:a16="http://schemas.microsoft.com/office/drawing/2014/main" id="{4AF40834-9924-4671-BB94-272E56DAD553}"/>
-              </a:ext>
-            </a:extLst>
-          </p:cNvPr>
-          <p:cNvSpPr/>
-          <p:nvPr/>
-        </p:nvSpPr>
-        <p:spPr>
-          <a:xfrm>
-            <a:off x="1100312" y="142361"/>
-            <a:ext cx="108000" cy="108000"/>
-          </a:xfrm>
-          <a:prstGeom prst="flowChartConnector">
-            <a:avLst/>
-          </a:prstGeom>
-          <a:solidFill>
-            <a:srgbClr val="460009"/>
-          </a:solidFill>
-          <a:ln>
-            <a:solidFill>
-              <a:schemeClr val="bg1"/>
-            </a:solidFill>
-          </a:ln>
-        </p:spPr>
-        <p:style>
-          <a:lnRef idx="2">
-            <a:schemeClr val="accent1">
-              <a:shade val="50000"/>
-            </a:schemeClr>
-          </a:lnRef>
-          <a:fillRef idx="1">
-            <a:schemeClr val="accent1"/>
-          </a:fillRef>
-          <a:effectRef idx="0">
-            <a:schemeClr val="accent1"/>
-          </a:effectRef>
-          <a:fontRef idx="minor">
-            <a:schemeClr val="lt1"/>
-          </a:fontRef>
-        </p:style>
-        <p:txBody>
-          <a:bodyPr rtlCol="0" anchor="ctr"/>
-          <a:lstStyle/>
-          <a:p>
-            <a:pPr algn="ctr"/>
-            <a:endParaRPr lang="zh-CN" altLang="en-US"/>
-          </a:p>
-        </p:txBody>
-      </p:sp>
-      <p:sp>
-        <p:nvSpPr>
-          <p:cNvPr id="36" name="流程图: 接点 35">
-            <a:extLst>
-              <a:ext uri="{FF2B5EF4-FFF2-40B4-BE49-F238E27FC236}">
-                <a16:creationId xmlns:a16="http://schemas.microsoft.com/office/drawing/2014/main" id="{0AA054E9-15B7-4750-AEAF-581989812973}"/>
+                <a16:creationId xmlns:a16="http://schemas.microsoft.com/office/drawing/2014/main" id="{33E12047-145C-493D-BAD0-D20783713498}"/>
               </a:ext>
             </a:extLst>
           </p:cNvPr>
@@ -17236,7 +13997,7 @@
     </p:spTree>
     <p:extLst>
       <p:ext uri="{BB962C8B-B14F-4D97-AF65-F5344CB8AC3E}">
-        <p14:creationId xmlns:p14="http://schemas.microsoft.com/office/powerpoint/2010/main" val="2412805709"/>
+        <p14:creationId xmlns:p14="http://schemas.microsoft.com/office/powerpoint/2010/main" val="1228357192"/>
       </p:ext>
     </p:extLst>
   </p:cSld>
@@ -17538,37 +14299,8 @@
                   <a:schemeClr val="bg1"/>
                 </a:solidFill>
               </a:rPr>
-              <a:t>核心代码 </a:t>
-            </a:r>
-            <a:r>
-              <a:rPr lang="en-US" altLang="zh-CN" i="1" dirty="0">
-                <a:solidFill>
-                  <a:schemeClr val="bg1"/>
-                </a:solidFill>
-              </a:rPr>
-              <a:t>—— “</a:t>
-            </a:r>
-            <a:r>
-              <a:rPr lang="zh-CN" altLang="en-US" i="1" dirty="0">
-                <a:solidFill>
-                  <a:schemeClr val="bg1"/>
-                </a:solidFill>
-              </a:rPr>
-              <a:t>后端</a:t>
-            </a:r>
-            <a:r>
-              <a:rPr lang="en-US" altLang="zh-CN" i="1" dirty="0">
-                <a:solidFill>
-                  <a:schemeClr val="bg1"/>
-                </a:solidFill>
-              </a:rPr>
-              <a:t>”</a:t>
-            </a:r>
-            <a:endParaRPr lang="zh-CN" altLang="en-US" i="1" dirty="0">
-              <a:solidFill>
-                <a:schemeClr val="bg1"/>
-              </a:solidFill>
-            </a:endParaRPr>
+              <a:t>看看效果</a:t>
+            </a:r>
           </a:p>
         </p:txBody>
       </p:sp>
@@ -17739,6 +14471,384 @@
       </p:sp>
       <p:sp>
         <p:nvSpPr>
+          <p:cNvPr id="20" name="流程图: 接点 19">
+            <a:extLst>
+              <a:ext uri="{FF2B5EF4-FFF2-40B4-BE49-F238E27FC236}">
+                <a16:creationId xmlns:a16="http://schemas.microsoft.com/office/drawing/2014/main" id="{C922A49D-1977-4BE4-A52B-E120832E2CB6}"/>
+              </a:ext>
+            </a:extLst>
+          </p:cNvPr>
+          <p:cNvSpPr/>
+          <p:nvPr/>
+        </p:nvSpPr>
+        <p:spPr>
+          <a:xfrm>
+            <a:off x="214712" y="142362"/>
+            <a:ext cx="108000" cy="108000"/>
+          </a:xfrm>
+          <a:prstGeom prst="flowChartConnector">
+            <a:avLst/>
+          </a:prstGeom>
+          <a:solidFill>
+            <a:srgbClr val="460009"/>
+          </a:solidFill>
+          <a:ln>
+            <a:solidFill>
+              <a:schemeClr val="bg1"/>
+            </a:solidFill>
+          </a:ln>
+        </p:spPr>
+        <p:style>
+          <a:lnRef idx="2">
+            <a:schemeClr val="accent1">
+              <a:shade val="50000"/>
+            </a:schemeClr>
+          </a:lnRef>
+          <a:fillRef idx="1">
+            <a:schemeClr val="accent1"/>
+          </a:fillRef>
+          <a:effectRef idx="0">
+            <a:schemeClr val="accent1"/>
+          </a:effectRef>
+          <a:fontRef idx="minor">
+            <a:schemeClr val="lt1"/>
+          </a:fontRef>
+        </p:style>
+        <p:txBody>
+          <a:bodyPr rtlCol="0" anchor="ctr"/>
+          <a:lstStyle/>
+          <a:p>
+            <a:pPr algn="ctr"/>
+            <a:endParaRPr lang="zh-CN" altLang="en-US"/>
+          </a:p>
+        </p:txBody>
+      </p:sp>
+      <p:sp>
+        <p:nvSpPr>
+          <p:cNvPr id="21" name="流程图: 接点 20">
+            <a:extLst>
+              <a:ext uri="{FF2B5EF4-FFF2-40B4-BE49-F238E27FC236}">
+                <a16:creationId xmlns:a16="http://schemas.microsoft.com/office/drawing/2014/main" id="{0E0FFAE2-C28B-4B9A-80AB-528CC75DAE7C}"/>
+              </a:ext>
+            </a:extLst>
+          </p:cNvPr>
+          <p:cNvSpPr/>
+          <p:nvPr/>
+        </p:nvSpPr>
+        <p:spPr>
+          <a:xfrm>
+            <a:off x="362312" y="142361"/>
+            <a:ext cx="108000" cy="108000"/>
+          </a:xfrm>
+          <a:prstGeom prst="flowChartConnector">
+            <a:avLst/>
+          </a:prstGeom>
+          <a:solidFill>
+            <a:srgbClr val="460009"/>
+          </a:solidFill>
+          <a:ln>
+            <a:solidFill>
+              <a:schemeClr val="bg1"/>
+            </a:solidFill>
+          </a:ln>
+        </p:spPr>
+        <p:style>
+          <a:lnRef idx="2">
+            <a:schemeClr val="accent1">
+              <a:shade val="50000"/>
+            </a:schemeClr>
+          </a:lnRef>
+          <a:fillRef idx="1">
+            <a:schemeClr val="accent1"/>
+          </a:fillRef>
+          <a:effectRef idx="0">
+            <a:schemeClr val="accent1"/>
+          </a:effectRef>
+          <a:fontRef idx="minor">
+            <a:schemeClr val="lt1"/>
+          </a:fontRef>
+        </p:style>
+        <p:txBody>
+          <a:bodyPr rtlCol="0" anchor="ctr"/>
+          <a:lstStyle/>
+          <a:p>
+            <a:pPr algn="ctr"/>
+            <a:endParaRPr lang="zh-CN" altLang="en-US"/>
+          </a:p>
+        </p:txBody>
+      </p:sp>
+      <p:sp>
+        <p:nvSpPr>
+          <p:cNvPr id="22" name="流程图: 接点 21">
+            <a:extLst>
+              <a:ext uri="{FF2B5EF4-FFF2-40B4-BE49-F238E27FC236}">
+                <a16:creationId xmlns:a16="http://schemas.microsoft.com/office/drawing/2014/main" id="{6486184B-9DFF-4A00-A61F-011E1DF81DA7}"/>
+              </a:ext>
+            </a:extLst>
+          </p:cNvPr>
+          <p:cNvSpPr/>
+          <p:nvPr/>
+        </p:nvSpPr>
+        <p:spPr>
+          <a:xfrm>
+            <a:off x="509912" y="142361"/>
+            <a:ext cx="108000" cy="108000"/>
+          </a:xfrm>
+          <a:prstGeom prst="flowChartConnector">
+            <a:avLst/>
+          </a:prstGeom>
+          <a:solidFill>
+            <a:srgbClr val="460009"/>
+          </a:solidFill>
+          <a:ln>
+            <a:solidFill>
+              <a:schemeClr val="bg1"/>
+            </a:solidFill>
+          </a:ln>
+        </p:spPr>
+        <p:style>
+          <a:lnRef idx="2">
+            <a:schemeClr val="accent1">
+              <a:shade val="50000"/>
+            </a:schemeClr>
+          </a:lnRef>
+          <a:fillRef idx="1">
+            <a:schemeClr val="accent1"/>
+          </a:fillRef>
+          <a:effectRef idx="0">
+            <a:schemeClr val="accent1"/>
+          </a:effectRef>
+          <a:fontRef idx="minor">
+            <a:schemeClr val="lt1"/>
+          </a:fontRef>
+        </p:style>
+        <p:txBody>
+          <a:bodyPr rtlCol="0" anchor="ctr"/>
+          <a:lstStyle/>
+          <a:p>
+            <a:pPr algn="ctr"/>
+            <a:endParaRPr lang="zh-CN" altLang="en-US"/>
+          </a:p>
+        </p:txBody>
+      </p:sp>
+      <p:sp>
+        <p:nvSpPr>
+          <p:cNvPr id="23" name="流程图: 接点 22">
+            <a:extLst>
+              <a:ext uri="{FF2B5EF4-FFF2-40B4-BE49-F238E27FC236}">
+                <a16:creationId xmlns:a16="http://schemas.microsoft.com/office/drawing/2014/main" id="{9F77FCE4-D267-4F13-8889-7608F4820003}"/>
+              </a:ext>
+            </a:extLst>
+          </p:cNvPr>
+          <p:cNvSpPr/>
+          <p:nvPr/>
+        </p:nvSpPr>
+        <p:spPr>
+          <a:xfrm>
+            <a:off x="657512" y="142361"/>
+            <a:ext cx="108000" cy="108000"/>
+          </a:xfrm>
+          <a:prstGeom prst="flowChartConnector">
+            <a:avLst/>
+          </a:prstGeom>
+          <a:solidFill>
+            <a:srgbClr val="460009"/>
+          </a:solidFill>
+          <a:ln>
+            <a:solidFill>
+              <a:schemeClr val="bg1"/>
+            </a:solidFill>
+          </a:ln>
+        </p:spPr>
+        <p:style>
+          <a:lnRef idx="2">
+            <a:schemeClr val="accent1">
+              <a:shade val="50000"/>
+            </a:schemeClr>
+          </a:lnRef>
+          <a:fillRef idx="1">
+            <a:schemeClr val="accent1"/>
+          </a:fillRef>
+          <a:effectRef idx="0">
+            <a:schemeClr val="accent1"/>
+          </a:effectRef>
+          <a:fontRef idx="minor">
+            <a:schemeClr val="lt1"/>
+          </a:fontRef>
+        </p:style>
+        <p:txBody>
+          <a:bodyPr rtlCol="0" anchor="ctr"/>
+          <a:lstStyle/>
+          <a:p>
+            <a:pPr algn="ctr"/>
+            <a:endParaRPr lang="zh-CN" altLang="en-US"/>
+          </a:p>
+        </p:txBody>
+      </p:sp>
+      <p:sp>
+        <p:nvSpPr>
+          <p:cNvPr id="24" name="流程图: 接点 23">
+            <a:extLst>
+              <a:ext uri="{FF2B5EF4-FFF2-40B4-BE49-F238E27FC236}">
+                <a16:creationId xmlns:a16="http://schemas.microsoft.com/office/drawing/2014/main" id="{43F7E76C-F362-45D9-A2F4-06B6171F2BCB}"/>
+              </a:ext>
+            </a:extLst>
+          </p:cNvPr>
+          <p:cNvSpPr/>
+          <p:nvPr/>
+        </p:nvSpPr>
+        <p:spPr>
+          <a:xfrm>
+            <a:off x="805112" y="142361"/>
+            <a:ext cx="108000" cy="108000"/>
+          </a:xfrm>
+          <a:prstGeom prst="flowChartConnector">
+            <a:avLst/>
+          </a:prstGeom>
+          <a:solidFill>
+            <a:srgbClr val="460009"/>
+          </a:solidFill>
+          <a:ln>
+            <a:solidFill>
+              <a:schemeClr val="bg1"/>
+            </a:solidFill>
+          </a:ln>
+        </p:spPr>
+        <p:style>
+          <a:lnRef idx="2">
+            <a:schemeClr val="accent1">
+              <a:shade val="50000"/>
+            </a:schemeClr>
+          </a:lnRef>
+          <a:fillRef idx="1">
+            <a:schemeClr val="accent1"/>
+          </a:fillRef>
+          <a:effectRef idx="0">
+            <a:schemeClr val="accent1"/>
+          </a:effectRef>
+          <a:fontRef idx="minor">
+            <a:schemeClr val="lt1"/>
+          </a:fontRef>
+        </p:style>
+        <p:txBody>
+          <a:bodyPr rtlCol="0" anchor="ctr"/>
+          <a:lstStyle/>
+          <a:p>
+            <a:pPr algn="ctr"/>
+            <a:endParaRPr lang="zh-CN" altLang="en-US"/>
+          </a:p>
+        </p:txBody>
+      </p:sp>
+      <p:sp>
+        <p:nvSpPr>
+          <p:cNvPr id="25" name="流程图: 接点 24">
+            <a:extLst>
+              <a:ext uri="{FF2B5EF4-FFF2-40B4-BE49-F238E27FC236}">
+                <a16:creationId xmlns:a16="http://schemas.microsoft.com/office/drawing/2014/main" id="{10233A9F-47D8-45DE-AC24-15B71EC0669C}"/>
+              </a:ext>
+            </a:extLst>
+          </p:cNvPr>
+          <p:cNvSpPr/>
+          <p:nvPr/>
+        </p:nvSpPr>
+        <p:spPr>
+          <a:xfrm>
+            <a:off x="952712" y="142361"/>
+            <a:ext cx="108000" cy="108000"/>
+          </a:xfrm>
+          <a:prstGeom prst="flowChartConnector">
+            <a:avLst/>
+          </a:prstGeom>
+          <a:solidFill>
+            <a:srgbClr val="460009"/>
+          </a:solidFill>
+          <a:ln>
+            <a:solidFill>
+              <a:schemeClr val="bg1"/>
+            </a:solidFill>
+          </a:ln>
+        </p:spPr>
+        <p:style>
+          <a:lnRef idx="2">
+            <a:schemeClr val="accent1">
+              <a:shade val="50000"/>
+            </a:schemeClr>
+          </a:lnRef>
+          <a:fillRef idx="1">
+            <a:schemeClr val="accent1"/>
+          </a:fillRef>
+          <a:effectRef idx="0">
+            <a:schemeClr val="accent1"/>
+          </a:effectRef>
+          <a:fontRef idx="minor">
+            <a:schemeClr val="lt1"/>
+          </a:fontRef>
+        </p:style>
+        <p:txBody>
+          <a:bodyPr rtlCol="0" anchor="ctr"/>
+          <a:lstStyle/>
+          <a:p>
+            <a:pPr algn="ctr"/>
+            <a:endParaRPr lang="zh-CN" altLang="en-US"/>
+          </a:p>
+        </p:txBody>
+      </p:sp>
+      <p:sp>
+        <p:nvSpPr>
+          <p:cNvPr id="26" name="流程图: 接点 25">
+            <a:extLst>
+              <a:ext uri="{FF2B5EF4-FFF2-40B4-BE49-F238E27FC236}">
+                <a16:creationId xmlns:a16="http://schemas.microsoft.com/office/drawing/2014/main" id="{101452D9-E881-44E7-9A25-EB3B700FFAFD}"/>
+              </a:ext>
+            </a:extLst>
+          </p:cNvPr>
+          <p:cNvSpPr/>
+          <p:nvPr/>
+        </p:nvSpPr>
+        <p:spPr>
+          <a:xfrm>
+            <a:off x="1100312" y="142361"/>
+            <a:ext cx="108000" cy="108000"/>
+          </a:xfrm>
+          <a:prstGeom prst="flowChartConnector">
+            <a:avLst/>
+          </a:prstGeom>
+          <a:solidFill>
+            <a:schemeClr val="bg1"/>
+          </a:solidFill>
+          <a:ln>
+            <a:solidFill>
+              <a:schemeClr val="bg1"/>
+            </a:solidFill>
+          </a:ln>
+        </p:spPr>
+        <p:style>
+          <a:lnRef idx="2">
+            <a:schemeClr val="accent1">
+              <a:shade val="50000"/>
+            </a:schemeClr>
+          </a:lnRef>
+          <a:fillRef idx="1">
+            <a:schemeClr val="accent1"/>
+          </a:fillRef>
+          <a:effectRef idx="0">
+            <a:schemeClr val="accent1"/>
+          </a:effectRef>
+          <a:fontRef idx="minor">
+            <a:schemeClr val="lt1"/>
+          </a:fontRef>
+        </p:style>
+        <p:txBody>
+          <a:bodyPr rtlCol="0" anchor="ctr"/>
+          <a:lstStyle/>
+          <a:p>
+            <a:pPr algn="ctr"/>
+            <a:endParaRPr lang="zh-CN" altLang="en-US"/>
+          </a:p>
+        </p:txBody>
+      </p:sp>
+      <p:sp>
+        <p:nvSpPr>
           <p:cNvPr id="30" name="矩形 29">
             <a:extLst>
               <a:ext uri="{FF2B5EF4-FFF2-40B4-BE49-F238E27FC236}">
@@ -17806,7 +14916,7 @@
         <p:spPr>
           <a:xfrm>
             <a:off x="1306439" y="1896179"/>
-            <a:ext cx="5107488" cy="369332"/>
+            <a:ext cx="1107996" cy="369332"/>
           </a:xfrm>
           <a:prstGeom prst="rect">
             <a:avLst/>
@@ -17821,513 +14931,17 @@
           <a:p>
             <a:r>
               <a:rPr lang="zh-CN" altLang="en-US" dirty="0"/>
-              <a:t>关于</a:t>
-            </a:r>
-            <a:r>
-              <a:rPr lang="en-US" altLang="zh-CN" dirty="0" err="1"/>
-              <a:t>setTimeout</a:t>
-            </a:r>
-            <a:r>
-              <a:rPr lang="zh-CN" altLang="en-US" dirty="0"/>
-              <a:t>的异步 </a:t>
-            </a:r>
-            <a:r>
-              <a:rPr lang="en-US" altLang="zh-CN" dirty="0"/>
-              <a:t>—— </a:t>
-            </a:r>
-            <a:r>
-              <a:rPr lang="zh-CN" altLang="en-US" dirty="0"/>
-              <a:t>我在网络上查找到的</a:t>
-            </a:r>
-          </a:p>
-        </p:txBody>
-      </p:sp>
-      <p:pic>
-        <p:nvPicPr>
-          <p:cNvPr id="2051" name="Picture 3" descr="https://img2020.cnblogs.com/blog/1292376/202005/1292376-20200527165015934-1113705282.png">
-            <a:extLst>
-              <a:ext uri="{FF2B5EF4-FFF2-40B4-BE49-F238E27FC236}">
-                <a16:creationId xmlns:a16="http://schemas.microsoft.com/office/drawing/2014/main" id="{2C8F1473-47E0-4E32-AB19-1752B52357BD}"/>
-              </a:ext>
-            </a:extLst>
-          </p:cNvPr>
-          <p:cNvPicPr>
-            <a:picLocks noChangeAspect="1" noChangeArrowheads="1"/>
-          </p:cNvPicPr>
-          <p:nvPr/>
-        </p:nvPicPr>
-        <p:blipFill>
-          <a:blip r:embed="rId2">
-            <a:extLst>
-              <a:ext uri="{28A0092B-C50C-407E-A947-70E740481C1C}">
-                <a14:useLocalDpi xmlns:a14="http://schemas.microsoft.com/office/drawing/2010/main" val="0"/>
-              </a:ext>
-            </a:extLst>
-          </a:blip>
-          <a:srcRect/>
-          <a:stretch>
-            <a:fillRect/>
-          </a:stretch>
-        </p:blipFill>
-        <p:spPr bwMode="auto">
-          <a:xfrm>
-            <a:off x="2829026" y="2795953"/>
-            <a:ext cx="4632711" cy="2960444"/>
-          </a:xfrm>
-          <a:prstGeom prst="rect">
-            <a:avLst/>
-          </a:prstGeom>
-          <a:noFill/>
-          <a:extLst>
-            <a:ext uri="{909E8E84-426E-40DD-AFC4-6F175D3DCCD1}">
-              <a14:hiddenFill xmlns:a14="http://schemas.microsoft.com/office/drawing/2010/main">
-                <a:solidFill>
-                  <a:srgbClr val="FFFFFF"/>
-                </a:solidFill>
-              </a14:hiddenFill>
-            </a:ext>
-          </a:extLst>
-        </p:spPr>
-      </p:pic>
-      <p:sp>
-        <p:nvSpPr>
-          <p:cNvPr id="4" name="文本框 3">
-            <a:extLst>
-              <a:ext uri="{FF2B5EF4-FFF2-40B4-BE49-F238E27FC236}">
-                <a16:creationId xmlns:a16="http://schemas.microsoft.com/office/drawing/2014/main" id="{AEE8BAF2-8B6B-4A48-AB9A-0B043DD4F9C0}"/>
-              </a:ext>
-            </a:extLst>
-          </p:cNvPr>
-          <p:cNvSpPr txBox="1"/>
-          <p:nvPr/>
-        </p:nvSpPr>
-        <p:spPr>
-          <a:xfrm>
-            <a:off x="1306439" y="2345664"/>
-            <a:ext cx="6524543" cy="369332"/>
-          </a:xfrm>
-          <a:prstGeom prst="rect">
-            <a:avLst/>
-          </a:prstGeom>
-          <a:noFill/>
-        </p:spPr>
-        <p:txBody>
-          <a:bodyPr wrap="none" rtlCol="0">
-            <a:spAutoFit/>
-          </a:bodyPr>
-          <a:lstStyle/>
-          <a:p>
-            <a:r>
-              <a:rPr lang="en-US" altLang="zh-CN" dirty="0"/>
-              <a:t>JS</a:t>
-            </a:r>
-            <a:r>
-              <a:rPr lang="zh-CN" altLang="en-US" dirty="0"/>
-              <a:t>是单线程的，但</a:t>
-            </a:r>
-            <a:r>
-              <a:rPr lang="en-US" altLang="zh-CN" dirty="0"/>
-              <a:t>JS</a:t>
-            </a:r>
-            <a:r>
-              <a:rPr lang="zh-CN" altLang="en-US" dirty="0"/>
-              <a:t>运行环境（</a:t>
-            </a:r>
-            <a:r>
-              <a:rPr lang="en-US" altLang="zh-CN" dirty="0"/>
-              <a:t>Chrome</a:t>
-            </a:r>
-            <a:r>
-              <a:rPr lang="zh-CN" altLang="en-US" dirty="0"/>
-              <a:t>浏览器）是多线程的。</a:t>
-            </a:r>
-          </a:p>
-        </p:txBody>
-      </p:sp>
-      <p:sp>
-        <p:nvSpPr>
-          <p:cNvPr id="27" name="流程图: 接点 26">
-            <a:extLst>
-              <a:ext uri="{FF2B5EF4-FFF2-40B4-BE49-F238E27FC236}">
-                <a16:creationId xmlns:a16="http://schemas.microsoft.com/office/drawing/2014/main" id="{8E018B45-A0E7-4E48-B572-D5AB6D526CA7}"/>
-              </a:ext>
-            </a:extLst>
-          </p:cNvPr>
-          <p:cNvSpPr/>
-          <p:nvPr/>
-        </p:nvSpPr>
-        <p:spPr>
-          <a:xfrm>
-            <a:off x="214712" y="142362"/>
-            <a:ext cx="108000" cy="108000"/>
-          </a:xfrm>
-          <a:prstGeom prst="flowChartConnector">
-            <a:avLst/>
-          </a:prstGeom>
-          <a:solidFill>
-            <a:srgbClr val="460009"/>
-          </a:solidFill>
-          <a:ln>
-            <a:solidFill>
-              <a:schemeClr val="bg1"/>
-            </a:solidFill>
-          </a:ln>
-        </p:spPr>
-        <p:style>
-          <a:lnRef idx="2">
-            <a:schemeClr val="accent1">
-              <a:shade val="50000"/>
-            </a:schemeClr>
-          </a:lnRef>
-          <a:fillRef idx="1">
-            <a:schemeClr val="accent1"/>
-          </a:fillRef>
-          <a:effectRef idx="0">
-            <a:schemeClr val="accent1"/>
-          </a:effectRef>
-          <a:fontRef idx="minor">
-            <a:schemeClr val="lt1"/>
-          </a:fontRef>
-        </p:style>
-        <p:txBody>
-          <a:bodyPr rtlCol="0" anchor="ctr"/>
-          <a:lstStyle/>
-          <a:p>
-            <a:pPr algn="ctr"/>
-            <a:endParaRPr lang="zh-CN" altLang="en-US"/>
-          </a:p>
-        </p:txBody>
-      </p:sp>
-      <p:sp>
-        <p:nvSpPr>
-          <p:cNvPr id="28" name="流程图: 接点 27">
-            <a:extLst>
-              <a:ext uri="{FF2B5EF4-FFF2-40B4-BE49-F238E27FC236}">
-                <a16:creationId xmlns:a16="http://schemas.microsoft.com/office/drawing/2014/main" id="{8C59BED9-3CC1-47D4-AE3A-60C28B7C2112}"/>
-              </a:ext>
-            </a:extLst>
-          </p:cNvPr>
-          <p:cNvSpPr/>
-          <p:nvPr/>
-        </p:nvSpPr>
-        <p:spPr>
-          <a:xfrm>
-            <a:off x="362312" y="142361"/>
-            <a:ext cx="108000" cy="108000"/>
-          </a:xfrm>
-          <a:prstGeom prst="flowChartConnector">
-            <a:avLst/>
-          </a:prstGeom>
-          <a:solidFill>
-            <a:srgbClr val="460009"/>
-          </a:solidFill>
-          <a:ln>
-            <a:solidFill>
-              <a:schemeClr val="bg1"/>
-            </a:solidFill>
-          </a:ln>
-        </p:spPr>
-        <p:style>
-          <a:lnRef idx="2">
-            <a:schemeClr val="accent1">
-              <a:shade val="50000"/>
-            </a:schemeClr>
-          </a:lnRef>
-          <a:fillRef idx="1">
-            <a:schemeClr val="accent1"/>
-          </a:fillRef>
-          <a:effectRef idx="0">
-            <a:schemeClr val="accent1"/>
-          </a:effectRef>
-          <a:fontRef idx="minor">
-            <a:schemeClr val="lt1"/>
-          </a:fontRef>
-        </p:style>
-        <p:txBody>
-          <a:bodyPr rtlCol="0" anchor="ctr"/>
-          <a:lstStyle/>
-          <a:p>
-            <a:pPr algn="ctr"/>
-            <a:endParaRPr lang="zh-CN" altLang="en-US"/>
-          </a:p>
-        </p:txBody>
-      </p:sp>
-      <p:sp>
-        <p:nvSpPr>
-          <p:cNvPr id="29" name="流程图: 接点 28">
-            <a:extLst>
-              <a:ext uri="{FF2B5EF4-FFF2-40B4-BE49-F238E27FC236}">
-                <a16:creationId xmlns:a16="http://schemas.microsoft.com/office/drawing/2014/main" id="{AE045680-44F8-4B53-98DD-707CBDBE6737}"/>
-              </a:ext>
-            </a:extLst>
-          </p:cNvPr>
-          <p:cNvSpPr/>
-          <p:nvPr/>
-        </p:nvSpPr>
-        <p:spPr>
-          <a:xfrm>
-            <a:off x="509912" y="142361"/>
-            <a:ext cx="108000" cy="108000"/>
-          </a:xfrm>
-          <a:prstGeom prst="flowChartConnector">
-            <a:avLst/>
-          </a:prstGeom>
-          <a:solidFill>
-            <a:srgbClr val="460009"/>
-          </a:solidFill>
-          <a:ln>
-            <a:solidFill>
-              <a:schemeClr val="bg1"/>
-            </a:solidFill>
-          </a:ln>
-        </p:spPr>
-        <p:style>
-          <a:lnRef idx="2">
-            <a:schemeClr val="accent1">
-              <a:shade val="50000"/>
-            </a:schemeClr>
-          </a:lnRef>
-          <a:fillRef idx="1">
-            <a:schemeClr val="accent1"/>
-          </a:fillRef>
-          <a:effectRef idx="0">
-            <a:schemeClr val="accent1"/>
-          </a:effectRef>
-          <a:fontRef idx="minor">
-            <a:schemeClr val="lt1"/>
-          </a:fontRef>
-        </p:style>
-        <p:txBody>
-          <a:bodyPr rtlCol="0" anchor="ctr"/>
-          <a:lstStyle/>
-          <a:p>
-            <a:pPr algn="ctr"/>
-            <a:endParaRPr lang="zh-CN" altLang="en-US"/>
-          </a:p>
-        </p:txBody>
-      </p:sp>
-      <p:sp>
-        <p:nvSpPr>
-          <p:cNvPr id="31" name="流程图: 接点 30">
-            <a:extLst>
-              <a:ext uri="{FF2B5EF4-FFF2-40B4-BE49-F238E27FC236}">
-                <a16:creationId xmlns:a16="http://schemas.microsoft.com/office/drawing/2014/main" id="{302363D1-1838-4E6D-AFEB-E0C9CEE0D2FC}"/>
-              </a:ext>
-            </a:extLst>
-          </p:cNvPr>
-          <p:cNvSpPr/>
-          <p:nvPr/>
-        </p:nvSpPr>
-        <p:spPr>
-          <a:xfrm>
-            <a:off x="657512" y="142361"/>
-            <a:ext cx="108000" cy="108000"/>
-          </a:xfrm>
-          <a:prstGeom prst="flowChartConnector">
-            <a:avLst/>
-          </a:prstGeom>
-          <a:solidFill>
-            <a:srgbClr val="460009"/>
-          </a:solidFill>
-          <a:ln>
-            <a:solidFill>
-              <a:schemeClr val="bg1"/>
-            </a:solidFill>
-          </a:ln>
-        </p:spPr>
-        <p:style>
-          <a:lnRef idx="2">
-            <a:schemeClr val="accent1">
-              <a:shade val="50000"/>
-            </a:schemeClr>
-          </a:lnRef>
-          <a:fillRef idx="1">
-            <a:schemeClr val="accent1"/>
-          </a:fillRef>
-          <a:effectRef idx="0">
-            <a:schemeClr val="accent1"/>
-          </a:effectRef>
-          <a:fontRef idx="minor">
-            <a:schemeClr val="lt1"/>
-          </a:fontRef>
-        </p:style>
-        <p:txBody>
-          <a:bodyPr rtlCol="0" anchor="ctr"/>
-          <a:lstStyle/>
-          <a:p>
-            <a:pPr algn="ctr"/>
-            <a:endParaRPr lang="zh-CN" altLang="en-US"/>
-          </a:p>
-        </p:txBody>
-      </p:sp>
-      <p:sp>
-        <p:nvSpPr>
-          <p:cNvPr id="33" name="流程图: 接点 32">
-            <a:extLst>
-              <a:ext uri="{FF2B5EF4-FFF2-40B4-BE49-F238E27FC236}">
-                <a16:creationId xmlns:a16="http://schemas.microsoft.com/office/drawing/2014/main" id="{3119F509-ED6F-4884-9954-5BB0CEC86D9D}"/>
-              </a:ext>
-            </a:extLst>
-          </p:cNvPr>
-          <p:cNvSpPr/>
-          <p:nvPr/>
-        </p:nvSpPr>
-        <p:spPr>
-          <a:xfrm>
-            <a:off x="805112" y="142361"/>
-            <a:ext cx="108000" cy="108000"/>
-          </a:xfrm>
-          <a:prstGeom prst="flowChartConnector">
-            <a:avLst/>
-          </a:prstGeom>
-          <a:solidFill>
-            <a:schemeClr val="bg1"/>
-          </a:solidFill>
-          <a:ln>
-            <a:solidFill>
-              <a:schemeClr val="bg1"/>
-            </a:solidFill>
-          </a:ln>
-        </p:spPr>
-        <p:style>
-          <a:lnRef idx="2">
-            <a:schemeClr val="accent1">
-              <a:shade val="50000"/>
-            </a:schemeClr>
-          </a:lnRef>
-          <a:fillRef idx="1">
-            <a:schemeClr val="accent1"/>
-          </a:fillRef>
-          <a:effectRef idx="0">
-            <a:schemeClr val="accent1"/>
-          </a:effectRef>
-          <a:fontRef idx="minor">
-            <a:schemeClr val="lt1"/>
-          </a:fontRef>
-        </p:style>
-        <p:txBody>
-          <a:bodyPr rtlCol="0" anchor="ctr"/>
-          <a:lstStyle/>
-          <a:p>
-            <a:pPr algn="ctr"/>
-            <a:endParaRPr lang="zh-CN" altLang="en-US"/>
-          </a:p>
-        </p:txBody>
-      </p:sp>
-      <p:sp>
-        <p:nvSpPr>
-          <p:cNvPr id="34" name="流程图: 接点 33">
-            <a:extLst>
-              <a:ext uri="{FF2B5EF4-FFF2-40B4-BE49-F238E27FC236}">
-                <a16:creationId xmlns:a16="http://schemas.microsoft.com/office/drawing/2014/main" id="{A5397080-266D-4A90-8BDD-E3BD433AE4EF}"/>
-              </a:ext>
-            </a:extLst>
-          </p:cNvPr>
-          <p:cNvSpPr/>
-          <p:nvPr/>
-        </p:nvSpPr>
-        <p:spPr>
-          <a:xfrm>
-            <a:off x="952712" y="142361"/>
-            <a:ext cx="108000" cy="108000"/>
-          </a:xfrm>
-          <a:prstGeom prst="flowChartConnector">
-            <a:avLst/>
-          </a:prstGeom>
-          <a:solidFill>
-            <a:srgbClr val="460009"/>
-          </a:solidFill>
-          <a:ln>
-            <a:solidFill>
-              <a:schemeClr val="bg1"/>
-            </a:solidFill>
-          </a:ln>
-        </p:spPr>
-        <p:style>
-          <a:lnRef idx="2">
-            <a:schemeClr val="accent1">
-              <a:shade val="50000"/>
-            </a:schemeClr>
-          </a:lnRef>
-          <a:fillRef idx="1">
-            <a:schemeClr val="accent1"/>
-          </a:fillRef>
-          <a:effectRef idx="0">
-            <a:schemeClr val="accent1"/>
-          </a:effectRef>
-          <a:fontRef idx="minor">
-            <a:schemeClr val="lt1"/>
-          </a:fontRef>
-        </p:style>
-        <p:txBody>
-          <a:bodyPr rtlCol="0" anchor="ctr"/>
-          <a:lstStyle/>
-          <a:p>
-            <a:pPr algn="ctr"/>
-            <a:endParaRPr lang="zh-CN" altLang="en-US"/>
-          </a:p>
-        </p:txBody>
-      </p:sp>
-      <p:sp>
-        <p:nvSpPr>
-          <p:cNvPr id="35" name="流程图: 接点 34">
-            <a:extLst>
-              <a:ext uri="{FF2B5EF4-FFF2-40B4-BE49-F238E27FC236}">
-                <a16:creationId xmlns:a16="http://schemas.microsoft.com/office/drawing/2014/main" id="{D43B556B-4117-4083-BCB6-2863894A9445}"/>
-              </a:ext>
-            </a:extLst>
-          </p:cNvPr>
-          <p:cNvSpPr/>
-          <p:nvPr/>
-        </p:nvSpPr>
-        <p:spPr>
-          <a:xfrm>
-            <a:off x="1100312" y="142361"/>
-            <a:ext cx="108000" cy="108000"/>
-          </a:xfrm>
-          <a:prstGeom prst="flowChartConnector">
-            <a:avLst/>
-          </a:prstGeom>
-          <a:solidFill>
-            <a:srgbClr val="460009"/>
-          </a:solidFill>
-          <a:ln>
-            <a:solidFill>
-              <a:schemeClr val="bg1"/>
-            </a:solidFill>
-          </a:ln>
-        </p:spPr>
-        <p:style>
-          <a:lnRef idx="2">
-            <a:schemeClr val="accent1">
-              <a:shade val="50000"/>
-            </a:schemeClr>
-          </a:lnRef>
-          <a:fillRef idx="1">
-            <a:schemeClr val="accent1"/>
-          </a:fillRef>
-          <a:effectRef idx="0">
-            <a:schemeClr val="accent1"/>
-          </a:effectRef>
-          <a:fontRef idx="minor">
-            <a:schemeClr val="lt1"/>
-          </a:fontRef>
-        </p:style>
-        <p:txBody>
-          <a:bodyPr rtlCol="0" anchor="ctr"/>
-          <a:lstStyle/>
-          <a:p>
-            <a:pPr algn="ctr"/>
-            <a:endParaRPr lang="zh-CN" altLang="en-US"/>
-          </a:p>
-        </p:txBody>
-      </p:sp>
-      <p:sp>
-        <p:nvSpPr>
-          <p:cNvPr id="36" name="流程图: 接点 35">
-            <a:extLst>
-              <a:ext uri="{FF2B5EF4-FFF2-40B4-BE49-F238E27FC236}">
-                <a16:creationId xmlns:a16="http://schemas.microsoft.com/office/drawing/2014/main" id="{F6477997-DEFC-451F-ABFA-384BDC7D01BA}"/>
+              <a:t>运行运行</a:t>
+            </a:r>
+          </a:p>
+        </p:txBody>
+      </p:sp>
+      <p:sp>
+        <p:nvSpPr>
+          <p:cNvPr id="18" name="流程图: 接点 17">
+            <a:extLst>
+              <a:ext uri="{FF2B5EF4-FFF2-40B4-BE49-F238E27FC236}">
+                <a16:creationId xmlns:a16="http://schemas.microsoft.com/office/drawing/2014/main" id="{DFADD29A-2A27-424B-9BB8-D9279598C31A}"/>
               </a:ext>
             </a:extLst>
           </p:cNvPr>
@@ -18379,7 +14993,7 @@
     </p:spTree>
     <p:extLst>
       <p:ext uri="{BB962C8B-B14F-4D97-AF65-F5344CB8AC3E}">
-        <p14:creationId xmlns:p14="http://schemas.microsoft.com/office/powerpoint/2010/main" val="153121781"/>
+        <p14:creationId xmlns:p14="http://schemas.microsoft.com/office/powerpoint/2010/main" val="3763345913"/>
       </p:ext>
     </p:extLst>
   </p:cSld>
